--- a/ipsa/slides/recursion_iteration.pptx
+++ b/ipsa/slides/recursion_iteration.pptx
@@ -138,7 +138,7 @@
 <file path=ppt/revisionInfo.xml><?xml version="1.0" encoding="utf-8"?>
 <p1510:revInfo xmlns:a="http://schemas.openxmlformats.org/drawingml/2006/main" xmlns:r="http://schemas.openxmlformats.org/officeDocument/2006/relationships" xmlns:p1510="http://schemas.microsoft.com/office/powerpoint/2015/10/main">
   <p1510:revLst>
-    <p1510:client id="{4C77F289-1D79-447E-8D56-FDAB373F4768}" v="6" dt="2022-10-22T11:09:18.870"/>
+    <p1510:client id="{6E5DD688-9C5E-458B-9F43-04A60C8F18DE}" v="2" dt="2023-02-26T21:03:56.143"/>
   </p1510:revLst>
 </p1510:revInfo>
 </file>
@@ -333,6 +333,45 @@
             <ac:picMk id="7" creationId="{00000000-0000-0000-0000-000000000000}"/>
           </ac:picMkLst>
         </pc:picChg>
+      </pc:sldChg>
+    </pc:docChg>
+  </pc:docChgLst>
+  <pc:docChgLst>
+    <pc:chgData name="Gerth Stølting Brodal" userId="04ef4784-6591-4f86-a140-f5c3b108582a" providerId="ADAL" clId="{6E5DD688-9C5E-458B-9F43-04A60C8F18DE}"/>
+    <pc:docChg chg="modSld">
+      <pc:chgData name="Gerth Stølting Brodal" userId="04ef4784-6591-4f86-a140-f5c3b108582a" providerId="ADAL" clId="{6E5DD688-9C5E-458B-9F43-04A60C8F18DE}" dt="2023-02-26T21:04:05.778" v="25" actId="20577"/>
+      <pc:docMkLst>
+        <pc:docMk/>
+      </pc:docMkLst>
+      <pc:sldChg chg="modSp mod">
+        <pc:chgData name="Gerth Stølting Brodal" userId="04ef4784-6591-4f86-a140-f5c3b108582a" providerId="ADAL" clId="{6E5DD688-9C5E-458B-9F43-04A60C8F18DE}" dt="2023-02-26T21:03:44.391" v="14" actId="20577"/>
+        <pc:sldMkLst>
+          <pc:docMk/>
+          <pc:sldMk cId="3760098750" sldId="620"/>
+        </pc:sldMkLst>
+        <pc:graphicFrameChg chg="mod modGraphic">
+          <ac:chgData name="Gerth Stølting Brodal" userId="04ef4784-6591-4f86-a140-f5c3b108582a" providerId="ADAL" clId="{6E5DD688-9C5E-458B-9F43-04A60C8F18DE}" dt="2023-02-26T21:03:44.391" v="14" actId="20577"/>
+          <ac:graphicFrameMkLst>
+            <pc:docMk/>
+            <pc:sldMk cId="3760098750" sldId="620"/>
+            <ac:graphicFrameMk id="5" creationId="{00000000-0000-0000-0000-000000000000}"/>
+          </ac:graphicFrameMkLst>
+        </pc:graphicFrameChg>
+      </pc:sldChg>
+      <pc:sldChg chg="modSp mod">
+        <pc:chgData name="Gerth Stølting Brodal" userId="04ef4784-6591-4f86-a140-f5c3b108582a" providerId="ADAL" clId="{6E5DD688-9C5E-458B-9F43-04A60C8F18DE}" dt="2023-02-26T21:04:05.778" v="25" actId="20577"/>
+        <pc:sldMkLst>
+          <pc:docMk/>
+          <pc:sldMk cId="3927913750" sldId="621"/>
+        </pc:sldMkLst>
+        <pc:graphicFrameChg chg="mod modGraphic">
+          <ac:chgData name="Gerth Stølting Brodal" userId="04ef4784-6591-4f86-a140-f5c3b108582a" providerId="ADAL" clId="{6E5DD688-9C5E-458B-9F43-04A60C8F18DE}" dt="2023-02-26T21:04:05.778" v="25" actId="20577"/>
+          <ac:graphicFrameMkLst>
+            <pc:docMk/>
+            <pc:sldMk cId="3927913750" sldId="621"/>
+            <ac:graphicFrameMk id="4" creationId="{00000000-0000-0000-0000-000000000000}"/>
+          </ac:graphicFrameMkLst>
+        </pc:graphicFrameChg>
       </pc:sldChg>
     </pc:docChg>
   </pc:docChgLst>
@@ -768,7 +807,7 @@
           <a:p>
             <a:fld id="{FB1A172F-81D4-4DC4-9113-1DBD56EC3646}" type="datetimeFigureOut">
               <a:rPr lang="en-US" smtClean="0"/>
-              <a:t>10/22/2022</a:t>
+              <a:t>2/26/2023</a:t>
             </a:fld>
             <a:endParaRPr lang="en-US"/>
           </a:p>
@@ -1466,15 +1505,7 @@
           <a:bodyPr/>
           <a:lstStyle/>
           <a:p>
-            <a:r>
-              <a:rPr lang="en-US" dirty="0"/>
-              <a:t>The usage of L[:]</a:t>
-            </a:r>
-            <a:r>
-              <a:rPr lang="en-US" baseline="0" dirty="0"/>
-              <a:t> and L[:1] makes the implementation polymorph – and works for strings, tuples and lists</a:t>
-            </a:r>
-            <a:endParaRPr lang="en-US" dirty="0"/>
+            <a:endParaRPr lang="da-DK" dirty="0"/>
           </a:p>
         </p:txBody>
       </p:sp>
@@ -1485,7 +1516,7 @@
             <a:spLocks noGrp="1"/>
           </p:cNvSpPr>
           <p:nvPr>
-            <p:ph type="sldNum" sz="quarter" idx="10"/>
+            <p:ph type="sldNum" sz="quarter" idx="5"/>
           </p:nvPr>
         </p:nvSpPr>
         <p:spPr/>
@@ -1495,7 +1526,7 @@
           <a:p>
             <a:fld id="{CD563DD8-32AB-41BE-B1C6-8EAC45222ACE}" type="slidenum">
               <a:rPr lang="en-US" smtClean="0"/>
-              <a:t>18</a:t>
+              <a:t>13</a:t>
             </a:fld>
             <a:endParaRPr lang="en-US"/>
           </a:p>
@@ -1504,7 +1535,7 @@
     </p:spTree>
     <p:extLst>
       <p:ext uri="{BB962C8B-B14F-4D97-AF65-F5344CB8AC3E}">
-        <p14:creationId xmlns:p14="http://schemas.microsoft.com/office/powerpoint/2010/main" val="2807225134"/>
+        <p14:creationId xmlns:p14="http://schemas.microsoft.com/office/powerpoint/2010/main" val="261973084"/>
       </p:ext>
     </p:extLst>
   </p:cSld>
@@ -1560,8 +1591,13 @@
           <a:p>
             <a:r>
               <a:rPr lang="en-US" dirty="0"/>
-              <a:t>Exercise is to print the path</a:t>
-            </a:r>
+              <a:t>The usage of L[:]</a:t>
+            </a:r>
+            <a:r>
+              <a:rPr lang="en-US" baseline="0" dirty="0"/>
+              <a:t> and L[:1] makes the implementation polymorph – and works for strings, tuples and lists</a:t>
+            </a:r>
+            <a:endParaRPr lang="en-US" dirty="0"/>
           </a:p>
         </p:txBody>
       </p:sp>
@@ -1582,7 +1618,7 @@
           <a:p>
             <a:fld id="{CD563DD8-32AB-41BE-B1C6-8EAC45222ACE}" type="slidenum">
               <a:rPr lang="en-US" smtClean="0"/>
-              <a:t>19</a:t>
+              <a:t>18</a:t>
             </a:fld>
             <a:endParaRPr lang="en-US"/>
           </a:p>
@@ -1591,7 +1627,7 @@
     </p:spTree>
     <p:extLst>
       <p:ext uri="{BB962C8B-B14F-4D97-AF65-F5344CB8AC3E}">
-        <p14:creationId xmlns:p14="http://schemas.microsoft.com/office/powerpoint/2010/main" val="2889396069"/>
+        <p14:creationId xmlns:p14="http://schemas.microsoft.com/office/powerpoint/2010/main" val="2807225134"/>
       </p:ext>
     </p:extLst>
   </p:cSld>
@@ -1646,6 +1682,93 @@
           <a:lstStyle/>
           <a:p>
             <a:r>
+              <a:rPr lang="en-US" dirty="0"/>
+              <a:t>Exercise is to print the path</a:t>
+            </a:r>
+          </a:p>
+        </p:txBody>
+      </p:sp>
+      <p:sp>
+        <p:nvSpPr>
+          <p:cNvPr id="4" name="Slide Number Placeholder 3"/>
+          <p:cNvSpPr>
+            <a:spLocks noGrp="1"/>
+          </p:cNvSpPr>
+          <p:nvPr>
+            <p:ph type="sldNum" sz="quarter" idx="10"/>
+          </p:nvPr>
+        </p:nvSpPr>
+        <p:spPr/>
+        <p:txBody>
+          <a:bodyPr/>
+          <a:lstStyle/>
+          <a:p>
+            <a:fld id="{CD563DD8-32AB-41BE-B1C6-8EAC45222ACE}" type="slidenum">
+              <a:rPr lang="en-US" smtClean="0"/>
+              <a:t>19</a:t>
+            </a:fld>
+            <a:endParaRPr lang="en-US"/>
+          </a:p>
+        </p:txBody>
+      </p:sp>
+    </p:spTree>
+    <p:extLst>
+      <p:ext uri="{BB962C8B-B14F-4D97-AF65-F5344CB8AC3E}">
+        <p14:creationId xmlns:p14="http://schemas.microsoft.com/office/powerpoint/2010/main" val="2889396069"/>
+      </p:ext>
+    </p:extLst>
+  </p:cSld>
+  <p:clrMapOvr>
+    <a:masterClrMapping/>
+  </p:clrMapOvr>
+</p:notes>
+</file>
+
+<file path=ppt/notesSlides/notesSlide8.xml><?xml version="1.0" encoding="utf-8"?>
+<p:notes xmlns:a="http://schemas.openxmlformats.org/drawingml/2006/main" xmlns:r="http://schemas.openxmlformats.org/officeDocument/2006/relationships" xmlns:p="http://schemas.openxmlformats.org/presentationml/2006/main">
+  <p:cSld>
+    <p:spTree>
+      <p:nvGrpSpPr>
+        <p:cNvPr id="1" name=""/>
+        <p:cNvGrpSpPr/>
+        <p:nvPr/>
+      </p:nvGrpSpPr>
+      <p:grpSpPr>
+        <a:xfrm>
+          <a:off x="0" y="0"/>
+          <a:ext cx="0" cy="0"/>
+          <a:chOff x="0" y="0"/>
+          <a:chExt cx="0" cy="0"/>
+        </a:xfrm>
+      </p:grpSpPr>
+      <p:sp>
+        <p:nvSpPr>
+          <p:cNvPr id="2" name="Slide Image Placeholder 1"/>
+          <p:cNvSpPr>
+            <a:spLocks noGrp="1" noRot="1" noChangeAspect="1"/>
+          </p:cNvSpPr>
+          <p:nvPr>
+            <p:ph type="sldImg"/>
+          </p:nvPr>
+        </p:nvSpPr>
+        <p:spPr/>
+      </p:sp>
+      <p:sp>
+        <p:nvSpPr>
+          <p:cNvPr id="3" name="Notes Placeholder 2"/>
+          <p:cNvSpPr>
+            <a:spLocks noGrp="1"/>
+          </p:cNvSpPr>
+          <p:nvPr>
+            <p:ph type="body" idx="1"/>
+          </p:nvPr>
+        </p:nvSpPr>
+        <p:spPr/>
+        <p:txBody>
+          <a:bodyPr/>
+          <a:lstStyle/>
+          <a:p>
+            <a:r>
               <a:rPr lang="en-US"/>
               <a:t>find </a:t>
             </a:r>
@@ -1692,7 +1815,7 @@
 </p:notes>
 </file>
 
-<file path=ppt/notesSlides/notesSlide8.xml><?xml version="1.0" encoding="utf-8"?>
+<file path=ppt/notesSlides/notesSlide9.xml><?xml version="1.0" encoding="utf-8"?>
 <p:notes xmlns:a="http://schemas.openxmlformats.org/drawingml/2006/main" xmlns:r="http://schemas.openxmlformats.org/officeDocument/2006/relationships" xmlns:p="http://schemas.openxmlformats.org/presentationml/2006/main">
   <p:cSld>
     <p:spTree>
@@ -1913,7 +2036,7 @@
           <a:p>
             <a:fld id="{0560A9CD-0304-4E0B-9E82-E7E0115DE05B}" type="datetimeFigureOut">
               <a:rPr lang="en-US" smtClean="0"/>
-              <a:t>10/22/2022</a:t>
+              <a:t>2/26/2023</a:t>
             </a:fld>
             <a:endParaRPr lang="en-US"/>
           </a:p>
@@ -2081,7 +2204,7 @@
           <a:p>
             <a:fld id="{0560A9CD-0304-4E0B-9E82-E7E0115DE05B}" type="datetimeFigureOut">
               <a:rPr lang="en-US" smtClean="0"/>
-              <a:t>10/22/2022</a:t>
+              <a:t>2/26/2023</a:t>
             </a:fld>
             <a:endParaRPr lang="en-US"/>
           </a:p>
@@ -2259,7 +2382,7 @@
           <a:p>
             <a:fld id="{0560A9CD-0304-4E0B-9E82-E7E0115DE05B}" type="datetimeFigureOut">
               <a:rPr lang="en-US" smtClean="0"/>
-              <a:t>10/22/2022</a:t>
+              <a:t>2/26/2023</a:t>
             </a:fld>
             <a:endParaRPr lang="en-US"/>
           </a:p>
@@ -2442,7 +2565,7 @@
           <a:p>
             <a:fld id="{0560A9CD-0304-4E0B-9E82-E7E0115DE05B}" type="datetimeFigureOut">
               <a:rPr lang="en-US" smtClean="0"/>
-              <a:t>10/22/2022</a:t>
+              <a:t>2/26/2023</a:t>
             </a:fld>
             <a:endParaRPr lang="en-US"/>
           </a:p>
@@ -2687,7 +2810,7 @@
           <a:p>
             <a:fld id="{0560A9CD-0304-4E0B-9E82-E7E0115DE05B}" type="datetimeFigureOut">
               <a:rPr lang="en-US" smtClean="0"/>
-              <a:t>10/22/2022</a:t>
+              <a:t>2/26/2023</a:t>
             </a:fld>
             <a:endParaRPr lang="en-US"/>
           </a:p>
@@ -2916,7 +3039,7 @@
           <a:p>
             <a:fld id="{0560A9CD-0304-4E0B-9E82-E7E0115DE05B}" type="datetimeFigureOut">
               <a:rPr lang="en-US" smtClean="0"/>
-              <a:t>10/22/2022</a:t>
+              <a:t>2/26/2023</a:t>
             </a:fld>
             <a:endParaRPr lang="en-US"/>
           </a:p>
@@ -3280,7 +3403,7 @@
           <a:p>
             <a:fld id="{0560A9CD-0304-4E0B-9E82-E7E0115DE05B}" type="datetimeFigureOut">
               <a:rPr lang="en-US" smtClean="0"/>
-              <a:t>10/22/2022</a:t>
+              <a:t>2/26/2023</a:t>
             </a:fld>
             <a:endParaRPr lang="en-US"/>
           </a:p>
@@ -3397,7 +3520,7 @@
           <a:p>
             <a:fld id="{0560A9CD-0304-4E0B-9E82-E7E0115DE05B}" type="datetimeFigureOut">
               <a:rPr lang="en-US" smtClean="0"/>
-              <a:t>10/22/2022</a:t>
+              <a:t>2/26/2023</a:t>
             </a:fld>
             <a:endParaRPr lang="en-US"/>
           </a:p>
@@ -3492,7 +3615,7 @@
           <a:p>
             <a:fld id="{0560A9CD-0304-4E0B-9E82-E7E0115DE05B}" type="datetimeFigureOut">
               <a:rPr lang="en-US" smtClean="0"/>
-              <a:t>10/22/2022</a:t>
+              <a:t>2/26/2023</a:t>
             </a:fld>
             <a:endParaRPr lang="en-US"/>
           </a:p>
@@ -3767,7 +3890,7 @@
           <a:p>
             <a:fld id="{0560A9CD-0304-4E0B-9E82-E7E0115DE05B}" type="datetimeFigureOut">
               <a:rPr lang="en-US" smtClean="0"/>
-              <a:t>10/22/2022</a:t>
+              <a:t>2/26/2023</a:t>
             </a:fld>
             <a:endParaRPr lang="en-US"/>
           </a:p>
@@ -4019,7 +4142,7 @@
           <a:p>
             <a:fld id="{0560A9CD-0304-4E0B-9E82-E7E0115DE05B}" type="datetimeFigureOut">
               <a:rPr lang="en-US" smtClean="0"/>
-              <a:t>10/22/2022</a:t>
+              <a:t>2/26/2023</a:t>
             </a:fld>
             <a:endParaRPr lang="en-US"/>
           </a:p>
@@ -4230,7 +4353,7 @@
           <a:p>
             <a:fld id="{0560A9CD-0304-4E0B-9E82-E7E0115DE05B}" type="datetimeFigureOut">
               <a:rPr lang="en-US" smtClean="0"/>
-              <a:t>10/22/2022</a:t>
+              <a:t>2/26/2023</a:t>
             </a:fld>
             <a:endParaRPr lang="en-US"/>
           </a:p>
@@ -11514,7 +11637,7 @@
           </p:nvPr>
         </p:nvPicPr>
         <p:blipFill rotWithShape="1">
-          <a:blip r:embed="rId2">
+          <a:blip r:embed="rId3">
             <a:extLst>
               <a:ext uri="{28A0092B-C50C-407E-A947-70E740481C1C}">
                 <a14:useLocalDpi xmlns:a14="http://schemas.microsoft.com/office/drawing/2010/main" val="0"/>
@@ -19803,7 +19926,7 @@
           <p:nvPr>
             <p:extLst>
               <p:ext uri="{D42A27DB-BD31-4B8C-83A1-F6EECF244321}">
-                <p14:modId xmlns:p14="http://schemas.microsoft.com/office/powerpoint/2010/main" val="2246711333"/>
+                <p14:modId xmlns:p14="http://schemas.microsoft.com/office/powerpoint/2010/main" val="387280852"/>
               </p:ext>
             </p:extLst>
           </p:nvPr>
@@ -20290,14 +20413,28 @@
                           <a:latin typeface="Courier New" panose="02070309020205020404" pitchFamily="49" charset="0"/>
                           <a:cs typeface="Courier New" panose="02070309020205020404" pitchFamily="49" charset="0"/>
                         </a:rPr>
-                        <a:t>    </a:t>
+                        <a:t>    for </a:t>
+                      </a:r>
+                      <a:r>
+                        <a:rPr lang="en-US" sz="1600" b="1" baseline="0" dirty="0" err="1">
+                          <a:latin typeface="Courier New" panose="02070309020205020404" pitchFamily="49" charset="0"/>
+                          <a:cs typeface="Courier New" panose="02070309020205020404" pitchFamily="49" charset="0"/>
+                        </a:rPr>
+                        <a:t>i</a:t>
+                      </a:r>
+                      <a:r>
+                        <a:rPr lang="en-US" sz="1600" b="1" baseline="0" dirty="0">
+                          <a:latin typeface="Courier New" panose="02070309020205020404" pitchFamily="49" charset="0"/>
+                          <a:cs typeface="Courier New" panose="02070309020205020404" pitchFamily="49" charset="0"/>
+                        </a:rPr>
+                        <a:t>, row in enumerate(maze)</a:t>
                       </a:r>
                       <a:r>
                         <a:rPr lang="en-US" sz="1600" b="1" dirty="0">
                           <a:latin typeface="Courier New" panose="02070309020205020404" pitchFamily="49" charset="0"/>
                           <a:cs typeface="Courier New" panose="02070309020205020404" pitchFamily="49" charset="0"/>
                         </a:rPr>
-                        <a:t>for i in range(n):</a:t>
+                        <a:t>:</a:t>
                       </a:r>
                     </a:p>
                     <a:p>
@@ -20306,7 +20443,21 @@
                           <a:latin typeface="Courier New" panose="02070309020205020404" pitchFamily="49" charset="0"/>
                           <a:cs typeface="Courier New" panose="02070309020205020404" pitchFamily="49" charset="0"/>
                         </a:rPr>
-                        <a:t>        j = maze[i].find(symbol)</a:t>
+                        <a:t>        j = </a:t>
+                      </a:r>
+                      <a:r>
+                        <a:rPr lang="en-US" sz="1600" b="1" dirty="0" err="1">
+                          <a:latin typeface="Courier New" panose="02070309020205020404" pitchFamily="49" charset="0"/>
+                          <a:cs typeface="Courier New" panose="02070309020205020404" pitchFamily="49" charset="0"/>
+                        </a:rPr>
+                        <a:t>row.find</a:t>
+                      </a:r>
+                      <a:r>
+                        <a:rPr lang="en-US" sz="1600" b="1" dirty="0">
+                          <a:latin typeface="Courier New" panose="02070309020205020404" pitchFamily="49" charset="0"/>
+                          <a:cs typeface="Courier New" panose="02070309020205020404" pitchFamily="49" charset="0"/>
+                        </a:rPr>
+                        <a:t>(symbol)</a:t>
                       </a:r>
                     </a:p>
                     <a:p>
@@ -20667,7 +20818,7 @@
           <p:nvPr>
             <p:extLst>
               <p:ext uri="{D42A27DB-BD31-4B8C-83A1-F6EECF244321}">
-                <p14:modId xmlns:p14="http://schemas.microsoft.com/office/powerpoint/2010/main" val="1194733228"/>
+                <p14:modId xmlns:p14="http://schemas.microsoft.com/office/powerpoint/2010/main" val="4172260380"/>
               </p:ext>
             </p:extLst>
           </p:nvPr>
@@ -21253,16 +21404,44 @@
                           <a:latin typeface="Courier New" panose="02070309020205020404" pitchFamily="49" charset="0"/>
                           <a:cs typeface="Courier New" panose="02070309020205020404" pitchFamily="49" charset="0"/>
                         </a:rPr>
-                        <a:t>for i in range(n):</a:t>
-                      </a:r>
-                    </a:p>
-                    <a:p>
+                        <a:t>for </a:t>
+                      </a:r>
+                      <a:r>
+                        <a:rPr lang="en-US" sz="1600" b="1" dirty="0" err="1">
+                          <a:latin typeface="Courier New" panose="02070309020205020404" pitchFamily="49" charset="0"/>
+                          <a:cs typeface="Courier New" panose="02070309020205020404" pitchFamily="49" charset="0"/>
+                        </a:rPr>
+                        <a:t>i</a:t>
+                      </a:r>
                       <a:r>
                         <a:rPr lang="en-US" sz="1600" b="1" dirty="0">
                           <a:latin typeface="Courier New" panose="02070309020205020404" pitchFamily="49" charset="0"/>
                           <a:cs typeface="Courier New" panose="02070309020205020404" pitchFamily="49" charset="0"/>
                         </a:rPr>
-                        <a:t>        j = maze[i].find(symbol)</a:t>
+                        <a:t>, row in enumerate(maze):</a:t>
+                      </a:r>
+                    </a:p>
+                    <a:p>
+                      <a:r>
+                        <a:rPr lang="en-US" sz="1600" b="1" dirty="0">
+                          <a:latin typeface="Courier New" panose="02070309020205020404" pitchFamily="49" charset="0"/>
+                          <a:cs typeface="Courier New" panose="02070309020205020404" pitchFamily="49" charset="0"/>
+                        </a:rPr>
+                        <a:t>        j = </a:t>
+                      </a:r>
+                      <a:r>
+                        <a:rPr lang="en-US" sz="1600" b="1" dirty="0" err="1">
+                          <a:latin typeface="Courier New" panose="02070309020205020404" pitchFamily="49" charset="0"/>
+                          <a:cs typeface="Courier New" panose="02070309020205020404" pitchFamily="49" charset="0"/>
+                        </a:rPr>
+                        <a:t>row.find</a:t>
+                      </a:r>
+                      <a:r>
+                        <a:rPr lang="en-US" sz="1600" b="1" dirty="0">
+                          <a:latin typeface="Courier New" panose="02070309020205020404" pitchFamily="49" charset="0"/>
+                          <a:cs typeface="Courier New" panose="02070309020205020404" pitchFamily="49" charset="0"/>
+                        </a:rPr>
+                        <a:t>(symbol)</a:t>
                       </a:r>
                     </a:p>
                     <a:p>

--- a/ipsa/slides/recursion_iteration.pptx
+++ b/ipsa/slides/recursion_iteration.pptx
@@ -138,7 +138,7 @@
 <file path=ppt/revisionInfo.xml><?xml version="1.0" encoding="utf-8"?>
 <p1510:revInfo xmlns:a="http://schemas.openxmlformats.org/drawingml/2006/main" xmlns:r="http://schemas.openxmlformats.org/officeDocument/2006/relationships" xmlns:p1510="http://schemas.microsoft.com/office/powerpoint/2015/10/main">
   <p1510:revLst>
-    <p1510:client id="{6E5DD688-9C5E-458B-9F43-04A60C8F18DE}" v="2" dt="2023-02-26T21:03:56.143"/>
+    <p1510:client id="{6E5DD688-9C5E-458B-9F43-04A60C8F18DE}" v="14" dt="2023-03-01T12:31:25.905"/>
   </p1510:revLst>
 </p1510:revInfo>
 </file>
@@ -338,11 +338,33 @@
   </pc:docChgLst>
   <pc:docChgLst>
     <pc:chgData name="Gerth Stølting Brodal" userId="04ef4784-6591-4f86-a140-f5c3b108582a" providerId="ADAL" clId="{6E5DD688-9C5E-458B-9F43-04A60C8F18DE}"/>
-    <pc:docChg chg="modSld">
-      <pc:chgData name="Gerth Stølting Brodal" userId="04ef4784-6591-4f86-a140-f5c3b108582a" providerId="ADAL" clId="{6E5DD688-9C5E-458B-9F43-04A60C8F18DE}" dt="2023-02-26T21:04:05.778" v="25" actId="20577"/>
+    <pc:docChg chg="custSel modSld">
+      <pc:chgData name="Gerth Stølting Brodal" userId="04ef4784-6591-4f86-a140-f5c3b108582a" providerId="ADAL" clId="{6E5DD688-9C5E-458B-9F43-04A60C8F18DE}" dt="2023-03-01T12:31:25.905" v="256" actId="20577"/>
       <pc:docMkLst>
         <pc:docMk/>
       </pc:docMkLst>
+      <pc:sldChg chg="modNotesTx">
+        <pc:chgData name="Gerth Stølting Brodal" userId="04ef4784-6591-4f86-a140-f5c3b108582a" providerId="ADAL" clId="{6E5DD688-9C5E-458B-9F43-04A60C8F18DE}" dt="2023-03-01T12:28:57.204" v="240" actId="20577"/>
+        <pc:sldMkLst>
+          <pc:docMk/>
+          <pc:sldMk cId="2031821264" sldId="515"/>
+        </pc:sldMkLst>
+      </pc:sldChg>
+      <pc:sldChg chg="modSp mod">
+        <pc:chgData name="Gerth Stølting Brodal" userId="04ef4784-6591-4f86-a140-f5c3b108582a" providerId="ADAL" clId="{6E5DD688-9C5E-458B-9F43-04A60C8F18DE}" dt="2023-03-01T12:31:25.905" v="256" actId="20577"/>
+        <pc:sldMkLst>
+          <pc:docMk/>
+          <pc:sldMk cId="88308015" sldId="600"/>
+        </pc:sldMkLst>
+        <pc:spChg chg="mod">
+          <ac:chgData name="Gerth Stølting Brodal" userId="04ef4784-6591-4f86-a140-f5c3b108582a" providerId="ADAL" clId="{6E5DD688-9C5E-458B-9F43-04A60C8F18DE}" dt="2023-03-01T12:31:25.905" v="256" actId="20577"/>
+          <ac:spMkLst>
+            <pc:docMk/>
+            <pc:sldMk cId="88308015" sldId="600"/>
+            <ac:spMk id="3" creationId="{00000000-0000-0000-0000-000000000000}"/>
+          </ac:spMkLst>
+        </pc:spChg>
+      </pc:sldChg>
       <pc:sldChg chg="modSp mod">
         <pc:chgData name="Gerth Stølting Brodal" userId="04ef4784-6591-4f86-a140-f5c3b108582a" providerId="ADAL" clId="{6E5DD688-9C5E-458B-9F43-04A60C8F18DE}" dt="2023-02-26T21:03:44.391" v="14" actId="20577"/>
         <pc:sldMkLst>
@@ -807,7 +829,7 @@
           <a:p>
             <a:fld id="{FB1A172F-81D4-4DC4-9113-1DBD56EC3646}" type="datetimeFigureOut">
               <a:rPr lang="en-US" smtClean="0"/>
-              <a:t>2/26/2023</a:t>
+              <a:t>3/1/2023</a:t>
             </a:fld>
             <a:endParaRPr lang="en-US"/>
           </a:p>
@@ -1186,6 +1208,90 @@
 </p:notes>
 </file>
 
+<file path=ppt/notesSlides/notesSlide10.xml><?xml version="1.0" encoding="utf-8"?>
+<p:notes xmlns:a="http://schemas.openxmlformats.org/drawingml/2006/main" xmlns:r="http://schemas.openxmlformats.org/officeDocument/2006/relationships" xmlns:p="http://schemas.openxmlformats.org/presentationml/2006/main">
+  <p:cSld>
+    <p:spTree>
+      <p:nvGrpSpPr>
+        <p:cNvPr id="1" name=""/>
+        <p:cNvGrpSpPr/>
+        <p:nvPr/>
+      </p:nvGrpSpPr>
+      <p:grpSpPr>
+        <a:xfrm>
+          <a:off x="0" y="0"/>
+          <a:ext cx="0" cy="0"/>
+          <a:chOff x="0" y="0"/>
+          <a:chExt cx="0" cy="0"/>
+        </a:xfrm>
+      </p:grpSpPr>
+      <p:sp>
+        <p:nvSpPr>
+          <p:cNvPr id="2" name="Slide Image Placeholder 1"/>
+          <p:cNvSpPr>
+            <a:spLocks noGrp="1" noRot="1" noChangeAspect="1"/>
+          </p:cNvSpPr>
+          <p:nvPr>
+            <p:ph type="sldImg"/>
+          </p:nvPr>
+        </p:nvSpPr>
+        <p:spPr/>
+      </p:sp>
+      <p:sp>
+        <p:nvSpPr>
+          <p:cNvPr id="3" name="Notes Placeholder 2"/>
+          <p:cNvSpPr>
+            <a:spLocks noGrp="1"/>
+          </p:cNvSpPr>
+          <p:nvPr>
+            <p:ph type="body" idx="1"/>
+          </p:nvPr>
+        </p:nvSpPr>
+        <p:spPr/>
+        <p:txBody>
+          <a:bodyPr/>
+          <a:lstStyle/>
+          <a:p>
+            <a:endParaRPr lang="en-US" dirty="0"/>
+          </a:p>
+        </p:txBody>
+      </p:sp>
+      <p:sp>
+        <p:nvSpPr>
+          <p:cNvPr id="4" name="Slide Number Placeholder 3"/>
+          <p:cNvSpPr>
+            <a:spLocks noGrp="1"/>
+          </p:cNvSpPr>
+          <p:nvPr>
+            <p:ph type="sldNum" sz="quarter" idx="10"/>
+          </p:nvPr>
+        </p:nvSpPr>
+        <p:spPr/>
+        <p:txBody>
+          <a:bodyPr/>
+          <a:lstStyle/>
+          <a:p>
+            <a:fld id="{CD563DD8-32AB-41BE-B1C6-8EAC45222ACE}" type="slidenum">
+              <a:rPr lang="en-US" smtClean="0"/>
+              <a:t>21</a:t>
+            </a:fld>
+            <a:endParaRPr lang="en-US"/>
+          </a:p>
+        </p:txBody>
+      </p:sp>
+    </p:spTree>
+    <p:extLst>
+      <p:ext uri="{BB962C8B-B14F-4D97-AF65-F5344CB8AC3E}">
+        <p14:creationId xmlns:p14="http://schemas.microsoft.com/office/powerpoint/2010/main" val="1679623763"/>
+      </p:ext>
+    </p:extLst>
+  </p:cSld>
+  <p:clrMapOvr>
+    <a:masterClrMapping/>
+  </p:clrMapOvr>
+</p:notes>
+</file>
+
 <file path=ppt/notesSlides/notesSlide2.xml><?xml version="1.0" encoding="utf-8"?>
 <p:notes xmlns:a="http://schemas.openxmlformats.org/drawingml/2006/main" xmlns:r="http://schemas.openxmlformats.org/officeDocument/2006/relationships" xmlns:p="http://schemas.openxmlformats.org/presentationml/2006/main">
   <p:cSld>
@@ -1591,13 +1697,71 @@
           <a:p>
             <a:r>
               <a:rPr lang="en-US" dirty="0"/>
-              <a:t>The usage of L[:]</a:t>
-            </a:r>
-            <a:r>
-              <a:rPr lang="en-US" baseline="0" dirty="0"/>
-              <a:t> and L[:1] makes the implementation polymorph – and works for strings, tuples and lists</a:t>
-            </a:r>
-            <a:endParaRPr lang="en-US" dirty="0"/>
+              <a:t>In a recursive call to </a:t>
+            </a:r>
+            <a:r>
+              <a:rPr lang="en-US" dirty="0" err="1"/>
+              <a:t>gcd_recursive</a:t>
+            </a:r>
+            <a:r>
+              <a:rPr lang="en-US" dirty="0"/>
+              <a:t> the sum </a:t>
+            </a:r>
+            <a:r>
+              <a:rPr lang="en-US" dirty="0" err="1"/>
+              <a:t>x+y</a:t>
+            </a:r>
+            <a:r>
+              <a:rPr lang="en-US" dirty="0"/>
+              <a:t> is at most 2/3 of the previous call =&gt; logarithmic number of calls. </a:t>
+            </a:r>
+          </a:p>
+          <a:p>
+            <a:r>
+              <a:rPr lang="da-DK" dirty="0" err="1"/>
+              <a:t>Fibonacci</a:t>
+            </a:r>
+            <a:r>
+              <a:rPr lang="da-DK" dirty="0"/>
+              <a:t> </a:t>
+            </a:r>
+            <a:r>
+              <a:rPr lang="da-DK" dirty="0" err="1"/>
+              <a:t>numbers</a:t>
+            </a:r>
+            <a:r>
+              <a:rPr lang="da-DK" dirty="0"/>
+              <a:t> </a:t>
+            </a:r>
+            <a:r>
+              <a:rPr lang="da-DK" dirty="0" err="1"/>
+              <a:t>are</a:t>
+            </a:r>
+            <a:r>
+              <a:rPr lang="da-DK" dirty="0"/>
+              <a:t> inputs </a:t>
+            </a:r>
+            <a:r>
+              <a:rPr lang="da-DK" dirty="0" err="1"/>
+              <a:t>causing</a:t>
+            </a:r>
+            <a:r>
+              <a:rPr lang="da-DK" dirty="0"/>
+              <a:t> </a:t>
+            </a:r>
+            <a:r>
+              <a:rPr lang="da-DK" dirty="0" err="1"/>
+              <a:t>deep</a:t>
+            </a:r>
+            <a:r>
+              <a:rPr lang="da-DK" dirty="0"/>
+              <a:t> </a:t>
+            </a:r>
+            <a:r>
+              <a:rPr lang="da-DK" dirty="0" err="1"/>
+              <a:t>recursion</a:t>
+            </a:r>
+            <a:endParaRPr lang="da-DK" dirty="0"/>
           </a:p>
         </p:txBody>
       </p:sp>
@@ -1608,7 +1772,7 @@
             <a:spLocks noGrp="1"/>
           </p:cNvSpPr>
           <p:nvPr>
-            <p:ph type="sldNum" sz="quarter" idx="10"/>
+            <p:ph type="sldNum" sz="quarter" idx="5"/>
           </p:nvPr>
         </p:nvSpPr>
         <p:spPr/>
@@ -1618,7 +1782,7 @@
           <a:p>
             <a:fld id="{CD563DD8-32AB-41BE-B1C6-8EAC45222ACE}" type="slidenum">
               <a:rPr lang="en-US" smtClean="0"/>
-              <a:t>18</a:t>
+              <a:t>17</a:t>
             </a:fld>
             <a:endParaRPr lang="en-US"/>
           </a:p>
@@ -1627,7 +1791,7 @@
     </p:spTree>
     <p:extLst>
       <p:ext uri="{BB962C8B-B14F-4D97-AF65-F5344CB8AC3E}">
-        <p14:creationId xmlns:p14="http://schemas.microsoft.com/office/powerpoint/2010/main" val="2807225134"/>
+        <p14:creationId xmlns:p14="http://schemas.microsoft.com/office/powerpoint/2010/main" val="1377214240"/>
       </p:ext>
     </p:extLst>
   </p:cSld>
@@ -1683,8 +1847,13 @@
           <a:p>
             <a:r>
               <a:rPr lang="en-US" dirty="0"/>
-              <a:t>Exercise is to print the path</a:t>
-            </a:r>
+              <a:t>The usage of L[:]</a:t>
+            </a:r>
+            <a:r>
+              <a:rPr lang="en-US" baseline="0" dirty="0"/>
+              <a:t> and L[:1] makes the implementation polymorph – and works for strings, tuples and lists</a:t>
+            </a:r>
+            <a:endParaRPr lang="en-US" dirty="0"/>
           </a:p>
         </p:txBody>
       </p:sp>
@@ -1705,7 +1874,7 @@
           <a:p>
             <a:fld id="{CD563DD8-32AB-41BE-B1C6-8EAC45222ACE}" type="slidenum">
               <a:rPr lang="en-US" smtClean="0"/>
-              <a:t>19</a:t>
+              <a:t>18</a:t>
             </a:fld>
             <a:endParaRPr lang="en-US"/>
           </a:p>
@@ -1714,7 +1883,7 @@
     </p:spTree>
     <p:extLst>
       <p:ext uri="{BB962C8B-B14F-4D97-AF65-F5344CB8AC3E}">
-        <p14:creationId xmlns:p14="http://schemas.microsoft.com/office/powerpoint/2010/main" val="2889396069"/>
+        <p14:creationId xmlns:p14="http://schemas.microsoft.com/office/powerpoint/2010/main" val="2807225134"/>
       </p:ext>
     </p:extLst>
   </p:cSld>
@@ -1769,12 +1938,8 @@
           <a:lstStyle/>
           <a:p>
             <a:r>
-              <a:rPr lang="en-US"/>
-              <a:t>find </a:t>
-            </a:r>
-            <a:r>
               <a:rPr lang="en-US" dirty="0"/>
-              <a:t>returns -1 if not </a:t>
+              <a:t>Exercise is to print the path</a:t>
             </a:r>
           </a:p>
         </p:txBody>
@@ -1796,7 +1961,7 @@
           <a:p>
             <a:fld id="{CD563DD8-32AB-41BE-B1C6-8EAC45222ACE}" type="slidenum">
               <a:rPr lang="en-US" smtClean="0"/>
-              <a:t>20</a:t>
+              <a:t>19</a:t>
             </a:fld>
             <a:endParaRPr lang="en-US"/>
           </a:p>
@@ -1805,7 +1970,7 @@
     </p:spTree>
     <p:extLst>
       <p:ext uri="{BB962C8B-B14F-4D97-AF65-F5344CB8AC3E}">
-        <p14:creationId xmlns:p14="http://schemas.microsoft.com/office/powerpoint/2010/main" val="568683921"/>
+        <p14:creationId xmlns:p14="http://schemas.microsoft.com/office/powerpoint/2010/main" val="2889396069"/>
       </p:ext>
     </p:extLst>
   </p:cSld>
@@ -1859,7 +2024,14 @@
           <a:bodyPr/>
           <a:lstStyle/>
           <a:p>
-            <a:endParaRPr lang="en-US" dirty="0"/>
+            <a:r>
+              <a:rPr lang="en-US"/>
+              <a:t>find </a:t>
+            </a:r>
+            <a:r>
+              <a:rPr lang="en-US" dirty="0"/>
+              <a:t>returns -1 if not </a:t>
+            </a:r>
           </a:p>
         </p:txBody>
       </p:sp>
@@ -1880,7 +2052,7 @@
           <a:p>
             <a:fld id="{CD563DD8-32AB-41BE-B1C6-8EAC45222ACE}" type="slidenum">
               <a:rPr lang="en-US" smtClean="0"/>
-              <a:t>21</a:t>
+              <a:t>20</a:t>
             </a:fld>
             <a:endParaRPr lang="en-US"/>
           </a:p>
@@ -1889,7 +2061,7 @@
     </p:spTree>
     <p:extLst>
       <p:ext uri="{BB962C8B-B14F-4D97-AF65-F5344CB8AC3E}">
-        <p14:creationId xmlns:p14="http://schemas.microsoft.com/office/powerpoint/2010/main" val="1679623763"/>
+        <p14:creationId xmlns:p14="http://schemas.microsoft.com/office/powerpoint/2010/main" val="568683921"/>
       </p:ext>
     </p:extLst>
   </p:cSld>
@@ -2036,7 +2208,7 @@
           <a:p>
             <a:fld id="{0560A9CD-0304-4E0B-9E82-E7E0115DE05B}" type="datetimeFigureOut">
               <a:rPr lang="en-US" smtClean="0"/>
-              <a:t>2/26/2023</a:t>
+              <a:t>3/1/2023</a:t>
             </a:fld>
             <a:endParaRPr lang="en-US"/>
           </a:p>
@@ -2204,7 +2376,7 @@
           <a:p>
             <a:fld id="{0560A9CD-0304-4E0B-9E82-E7E0115DE05B}" type="datetimeFigureOut">
               <a:rPr lang="en-US" smtClean="0"/>
-              <a:t>2/26/2023</a:t>
+              <a:t>3/1/2023</a:t>
             </a:fld>
             <a:endParaRPr lang="en-US"/>
           </a:p>
@@ -2382,7 +2554,7 @@
           <a:p>
             <a:fld id="{0560A9CD-0304-4E0B-9E82-E7E0115DE05B}" type="datetimeFigureOut">
               <a:rPr lang="en-US" smtClean="0"/>
-              <a:t>2/26/2023</a:t>
+              <a:t>3/1/2023</a:t>
             </a:fld>
             <a:endParaRPr lang="en-US"/>
           </a:p>
@@ -2565,7 +2737,7 @@
           <a:p>
             <a:fld id="{0560A9CD-0304-4E0B-9E82-E7E0115DE05B}" type="datetimeFigureOut">
               <a:rPr lang="en-US" smtClean="0"/>
-              <a:t>2/26/2023</a:t>
+              <a:t>3/1/2023</a:t>
             </a:fld>
             <a:endParaRPr lang="en-US"/>
           </a:p>
@@ -2810,7 +2982,7 @@
           <a:p>
             <a:fld id="{0560A9CD-0304-4E0B-9E82-E7E0115DE05B}" type="datetimeFigureOut">
               <a:rPr lang="en-US" smtClean="0"/>
-              <a:t>2/26/2023</a:t>
+              <a:t>3/1/2023</a:t>
             </a:fld>
             <a:endParaRPr lang="en-US"/>
           </a:p>
@@ -3039,7 +3211,7 @@
           <a:p>
             <a:fld id="{0560A9CD-0304-4E0B-9E82-E7E0115DE05B}" type="datetimeFigureOut">
               <a:rPr lang="en-US" smtClean="0"/>
-              <a:t>2/26/2023</a:t>
+              <a:t>3/1/2023</a:t>
             </a:fld>
             <a:endParaRPr lang="en-US"/>
           </a:p>
@@ -3403,7 +3575,7 @@
           <a:p>
             <a:fld id="{0560A9CD-0304-4E0B-9E82-E7E0115DE05B}" type="datetimeFigureOut">
               <a:rPr lang="en-US" smtClean="0"/>
-              <a:t>2/26/2023</a:t>
+              <a:t>3/1/2023</a:t>
             </a:fld>
             <a:endParaRPr lang="en-US"/>
           </a:p>
@@ -3520,7 +3692,7 @@
           <a:p>
             <a:fld id="{0560A9CD-0304-4E0B-9E82-E7E0115DE05B}" type="datetimeFigureOut">
               <a:rPr lang="en-US" smtClean="0"/>
-              <a:t>2/26/2023</a:t>
+              <a:t>3/1/2023</a:t>
             </a:fld>
             <a:endParaRPr lang="en-US"/>
           </a:p>
@@ -3615,7 +3787,7 @@
           <a:p>
             <a:fld id="{0560A9CD-0304-4E0B-9E82-E7E0115DE05B}" type="datetimeFigureOut">
               <a:rPr lang="en-US" smtClean="0"/>
-              <a:t>2/26/2023</a:t>
+              <a:t>3/1/2023</a:t>
             </a:fld>
             <a:endParaRPr lang="en-US"/>
           </a:p>
@@ -3890,7 +4062,7 @@
           <a:p>
             <a:fld id="{0560A9CD-0304-4E0B-9E82-E7E0115DE05B}" type="datetimeFigureOut">
               <a:rPr lang="en-US" smtClean="0"/>
-              <a:t>2/26/2023</a:t>
+              <a:t>3/1/2023</a:t>
             </a:fld>
             <a:endParaRPr lang="en-US"/>
           </a:p>
@@ -4142,7 +4314,7 @@
           <a:p>
             <a:fld id="{0560A9CD-0304-4E0B-9E82-E7E0115DE05B}" type="datetimeFigureOut">
               <a:rPr lang="en-US" smtClean="0"/>
-              <a:t>2/26/2023</a:t>
+              <a:t>3/1/2023</a:t>
             </a:fld>
             <a:endParaRPr lang="en-US"/>
           </a:p>
@@ -4353,7 +4525,7 @@
           <a:p>
             <a:fld id="{0560A9CD-0304-4E0B-9E82-E7E0115DE05B}" type="datetimeFigureOut">
               <a:rPr lang="en-US" smtClean="0"/>
-              <a:t>2/26/2023</a:t>
+              <a:t>3/1/2023</a:t>
             </a:fld>
             <a:endParaRPr lang="en-US"/>
           </a:p>
@@ -17762,7 +17934,7 @@
         <p:spPr>
           <a:xfrm>
             <a:off x="838200" y="1560579"/>
-            <a:ext cx="10515600" cy="5118517"/>
+            <a:ext cx="10957560" cy="5118517"/>
           </a:xfrm>
         </p:spPr>
         <p:txBody>
@@ -17803,15 +17975,27 @@
           <a:p>
             <a:r>
               <a:rPr lang="en-US" dirty="0"/>
-              <a:t>An implementation of "permutations" exists in the "</a:t>
-            </a:r>
-            <a:r>
-              <a:rPr lang="en-US" dirty="0" err="1"/>
+              <a:t>An implementation of </a:t>
+            </a:r>
+            <a:r>
+              <a:rPr lang="en-US" dirty="0">
+                <a:latin typeface="Courier"/>
+              </a:rPr>
+              <a:t>permutations</a:t>
+            </a:r>
+            <a:r>
+              <a:rPr lang="en-US" dirty="0"/>
+              <a:t> exists in the </a:t>
+            </a:r>
+            <a:r>
+              <a:rPr lang="en-US" dirty="0" err="1">
+                <a:hlinkClick r:id="rId3"/>
+              </a:rPr>
               <a:t>itertools</a:t>
             </a:r>
             <a:r>
               <a:rPr lang="en-US" dirty="0"/>
-              <a:t>" library</a:t>
+              <a:t> module</a:t>
             </a:r>
           </a:p>
         </p:txBody>

--- a/ipsa/slides/recursion_iteration.pptx
+++ b/ipsa/slides/recursion_iteration.pptx
@@ -135,16 +135,61 @@
 </p:presentation>
 </file>
 
-<file path=ppt/revisionInfo.xml><?xml version="1.0" encoding="utf-8"?>
-<p1510:revInfo xmlns:a="http://schemas.openxmlformats.org/drawingml/2006/main" xmlns:r="http://schemas.openxmlformats.org/officeDocument/2006/relationships" xmlns:p1510="http://schemas.microsoft.com/office/powerpoint/2015/10/main">
-  <p1510:revLst>
-    <p1510:client id="{6E5DD688-9C5E-458B-9F43-04A60C8F18DE}" v="14" dt="2023-03-01T12:31:25.905"/>
-  </p1510:revLst>
-</p1510:revInfo>
-</file>
-
 <file path=ppt/changesInfos/changesInfo1.xml><?xml version="1.0" encoding="utf-8"?>
 <pc:chgInfo xmlns:a="http://schemas.openxmlformats.org/drawingml/2006/main" xmlns:r="http://schemas.openxmlformats.org/officeDocument/2006/relationships" xmlns:ac="http://schemas.microsoft.com/office/drawing/2013/main/command" xmlns:pc="http://schemas.microsoft.com/office/powerpoint/2013/main/command">
+  <pc:docChgLst>
+    <pc:chgData name="Gerth Stølting Brodal" userId="04ef4784-6591-4f86-a140-f5c3b108582a" providerId="ADAL" clId="{46CBCB9D-8672-4CB5-85B4-5F79DD33B1F8}"/>
+    <pc:docChg chg="undo custSel modSld">
+      <pc:chgData name="Gerth Stølting Brodal" userId="04ef4784-6591-4f86-a140-f5c3b108582a" providerId="ADAL" clId="{46CBCB9D-8672-4CB5-85B4-5F79DD33B1F8}" dt="2024-02-26T08:45:43.609" v="181" actId="20577"/>
+      <pc:docMkLst>
+        <pc:docMk/>
+      </pc:docMkLst>
+      <pc:sldChg chg="modSp mod">
+        <pc:chgData name="Gerth Stølting Brodal" userId="04ef4784-6591-4f86-a140-f5c3b108582a" providerId="ADAL" clId="{46CBCB9D-8672-4CB5-85B4-5F79DD33B1F8}" dt="2024-02-26T08:37:09.557" v="158" actId="207"/>
+        <pc:sldMkLst>
+          <pc:docMk/>
+          <pc:sldMk cId="88308015" sldId="600"/>
+        </pc:sldMkLst>
+        <pc:graphicFrameChg chg="modGraphic">
+          <ac:chgData name="Gerth Stølting Brodal" userId="04ef4784-6591-4f86-a140-f5c3b108582a" providerId="ADAL" clId="{46CBCB9D-8672-4CB5-85B4-5F79DD33B1F8}" dt="2024-02-26T08:37:09.557" v="158" actId="207"/>
+          <ac:graphicFrameMkLst>
+            <pc:docMk/>
+            <pc:sldMk cId="88308015" sldId="600"/>
+            <ac:graphicFrameMk id="5" creationId="{00000000-0000-0000-0000-000000000000}"/>
+          </ac:graphicFrameMkLst>
+        </pc:graphicFrameChg>
+      </pc:sldChg>
+      <pc:sldChg chg="modNotesTx">
+        <pc:chgData name="Gerth Stølting Brodal" userId="04ef4784-6591-4f86-a140-f5c3b108582a" providerId="ADAL" clId="{46CBCB9D-8672-4CB5-85B4-5F79DD33B1F8}" dt="2024-02-26T08:15:11.656" v="157" actId="20577"/>
+        <pc:sldMkLst>
+          <pc:docMk/>
+          <pc:sldMk cId="1759374402" sldId="614"/>
+        </pc:sldMkLst>
+      </pc:sldChg>
+      <pc:sldChg chg="modSp mod">
+        <pc:chgData name="Gerth Stølting Brodal" userId="04ef4784-6591-4f86-a140-f5c3b108582a" providerId="ADAL" clId="{46CBCB9D-8672-4CB5-85B4-5F79DD33B1F8}" dt="2024-02-25T19:25:18.357" v="15" actId="20577"/>
+        <pc:sldMkLst>
+          <pc:docMk/>
+          <pc:sldMk cId="3760098750" sldId="620"/>
+        </pc:sldMkLst>
+        <pc:graphicFrameChg chg="modGraphic">
+          <ac:chgData name="Gerth Stølting Brodal" userId="04ef4784-6591-4f86-a140-f5c3b108582a" providerId="ADAL" clId="{46CBCB9D-8672-4CB5-85B4-5F79DD33B1F8}" dt="2024-02-25T19:25:18.357" v="15" actId="20577"/>
+          <ac:graphicFrameMkLst>
+            <pc:docMk/>
+            <pc:sldMk cId="3760098750" sldId="620"/>
+            <ac:graphicFrameMk id="5" creationId="{00000000-0000-0000-0000-000000000000}"/>
+          </ac:graphicFrameMkLst>
+        </pc:graphicFrameChg>
+      </pc:sldChg>
+      <pc:sldChg chg="modNotesTx">
+        <pc:chgData name="Gerth Stølting Brodal" userId="04ef4784-6591-4f86-a140-f5c3b108582a" providerId="ADAL" clId="{46CBCB9D-8672-4CB5-85B4-5F79DD33B1F8}" dt="2024-02-26T08:45:43.609" v="181" actId="20577"/>
+        <pc:sldMkLst>
+          <pc:docMk/>
+          <pc:sldMk cId="3927913750" sldId="621"/>
+        </pc:sldMkLst>
+      </pc:sldChg>
+    </pc:docChg>
+  </pc:docChgLst>
   <pc:docChgLst>
     <pc:chgData name="Gerth Stølting Brodal" userId="04ef4784-6591-4f86-a140-f5c3b108582a" providerId="ADAL" clId="{4C77F289-1D79-447E-8D56-FDAB373F4768}"/>
     <pc:docChg chg="undo custSel modSld">
@@ -829,7 +874,7 @@
           <a:p>
             <a:fld id="{FB1A172F-81D4-4DC4-9113-1DBD56EC3646}" type="datetimeFigureOut">
               <a:rPr lang="en-US" smtClean="0"/>
-              <a:t>3/1/2023</a:t>
+              <a:t>2/26/2024</a:t>
             </a:fld>
             <a:endParaRPr lang="en-US"/>
           </a:p>
@@ -1142,6 +1187,49 @@
           <a:p>
             <a:r>
               <a:rPr lang="da-DK" dirty="0"/>
+              <a:t>L[:] </a:t>
+            </a:r>
+            <a:r>
+              <a:rPr lang="da-DK" dirty="0" err="1"/>
+              <a:t>makes</a:t>
+            </a:r>
+            <a:r>
+              <a:rPr lang="da-DK" dirty="0"/>
+              <a:t> </a:t>
+            </a:r>
+            <a:r>
+              <a:rPr lang="da-DK" dirty="0" err="1"/>
+              <a:t>copy</a:t>
+            </a:r>
+            <a:r>
+              <a:rPr lang="da-DK" dirty="0"/>
+              <a:t> to </a:t>
+            </a:r>
+            <a:r>
+              <a:rPr lang="da-DK" dirty="0" err="1"/>
+              <a:t>ensure</a:t>
+            </a:r>
+            <a:r>
+              <a:rPr lang="da-DK" dirty="0"/>
+              <a:t> L </a:t>
+            </a:r>
+            <a:r>
+              <a:rPr lang="da-DK" dirty="0" err="1"/>
+              <a:t>remains</a:t>
+            </a:r>
+            <a:r>
+              <a:rPr lang="da-DK" dirty="0"/>
+              <a:t> </a:t>
+            </a:r>
+            <a:r>
+              <a:rPr lang="da-DK" dirty="0" err="1"/>
+              <a:t>unchanged</a:t>
+            </a:r>
+            <a:endParaRPr lang="da-DK" dirty="0"/>
+          </a:p>
+          <a:p>
+            <a:r>
+              <a:rPr lang="da-DK" dirty="0"/>
               <a:t>L = [3, 2, 1, 5, 7]</a:t>
             </a:r>
           </a:p>
@@ -1252,7 +1340,26 @@
           <a:bodyPr/>
           <a:lstStyle/>
           <a:p>
-            <a:endParaRPr lang="en-US" dirty="0"/>
+            <a:r>
+              <a:rPr lang="en-US" dirty="0"/>
+              <a:t>Only "explore</a:t>
+            </a:r>
+            <a:r>
+              <a:rPr lang="en-US"/>
+              <a:t>" changed</a:t>
+            </a:r>
+          </a:p>
+          <a:p>
+            <a:r>
+              <a:rPr lang="en-US" dirty="0"/>
+              <a:t>Could add "break" when solution found</a:t>
+            </a:r>
+          </a:p>
+          <a:p>
+            <a:r>
+              <a:rPr lang="en-US" dirty="0"/>
+              <a:t>Visited could be a set of cells found</a:t>
+            </a:r>
           </a:p>
         </p:txBody>
       </p:sp>
@@ -2208,7 +2315,7 @@
           <a:p>
             <a:fld id="{0560A9CD-0304-4E0B-9E82-E7E0115DE05B}" type="datetimeFigureOut">
               <a:rPr lang="en-US" smtClean="0"/>
-              <a:t>3/1/2023</a:t>
+              <a:t>2/26/2024</a:t>
             </a:fld>
             <a:endParaRPr lang="en-US"/>
           </a:p>
@@ -2376,7 +2483,7 @@
           <a:p>
             <a:fld id="{0560A9CD-0304-4E0B-9E82-E7E0115DE05B}" type="datetimeFigureOut">
               <a:rPr lang="en-US" smtClean="0"/>
-              <a:t>3/1/2023</a:t>
+              <a:t>2/26/2024</a:t>
             </a:fld>
             <a:endParaRPr lang="en-US"/>
           </a:p>
@@ -2554,7 +2661,7 @@
           <a:p>
             <a:fld id="{0560A9CD-0304-4E0B-9E82-E7E0115DE05B}" type="datetimeFigureOut">
               <a:rPr lang="en-US" smtClean="0"/>
-              <a:t>3/1/2023</a:t>
+              <a:t>2/26/2024</a:t>
             </a:fld>
             <a:endParaRPr lang="en-US"/>
           </a:p>
@@ -2737,7 +2844,7 @@
           <a:p>
             <a:fld id="{0560A9CD-0304-4E0B-9E82-E7E0115DE05B}" type="datetimeFigureOut">
               <a:rPr lang="en-US" smtClean="0"/>
-              <a:t>3/1/2023</a:t>
+              <a:t>2/26/2024</a:t>
             </a:fld>
             <a:endParaRPr lang="en-US"/>
           </a:p>
@@ -2982,7 +3089,7 @@
           <a:p>
             <a:fld id="{0560A9CD-0304-4E0B-9E82-E7E0115DE05B}" type="datetimeFigureOut">
               <a:rPr lang="en-US" smtClean="0"/>
-              <a:t>3/1/2023</a:t>
+              <a:t>2/26/2024</a:t>
             </a:fld>
             <a:endParaRPr lang="en-US"/>
           </a:p>
@@ -3211,7 +3318,7 @@
           <a:p>
             <a:fld id="{0560A9CD-0304-4E0B-9E82-E7E0115DE05B}" type="datetimeFigureOut">
               <a:rPr lang="en-US" smtClean="0"/>
-              <a:t>3/1/2023</a:t>
+              <a:t>2/26/2024</a:t>
             </a:fld>
             <a:endParaRPr lang="en-US"/>
           </a:p>
@@ -3575,7 +3682,7 @@
           <a:p>
             <a:fld id="{0560A9CD-0304-4E0B-9E82-E7E0115DE05B}" type="datetimeFigureOut">
               <a:rPr lang="en-US" smtClean="0"/>
-              <a:t>3/1/2023</a:t>
+              <a:t>2/26/2024</a:t>
             </a:fld>
             <a:endParaRPr lang="en-US"/>
           </a:p>
@@ -3692,7 +3799,7 @@
           <a:p>
             <a:fld id="{0560A9CD-0304-4E0B-9E82-E7E0115DE05B}" type="datetimeFigureOut">
               <a:rPr lang="en-US" smtClean="0"/>
-              <a:t>3/1/2023</a:t>
+              <a:t>2/26/2024</a:t>
             </a:fld>
             <a:endParaRPr lang="en-US"/>
           </a:p>
@@ -3787,7 +3894,7 @@
           <a:p>
             <a:fld id="{0560A9CD-0304-4E0B-9E82-E7E0115DE05B}" type="datetimeFigureOut">
               <a:rPr lang="en-US" smtClean="0"/>
-              <a:t>3/1/2023</a:t>
+              <a:t>2/26/2024</a:t>
             </a:fld>
             <a:endParaRPr lang="en-US"/>
           </a:p>
@@ -4062,7 +4169,7 @@
           <a:p>
             <a:fld id="{0560A9CD-0304-4E0B-9E82-E7E0115DE05B}" type="datetimeFigureOut">
               <a:rPr lang="en-US" smtClean="0"/>
-              <a:t>3/1/2023</a:t>
+              <a:t>2/26/2024</a:t>
             </a:fld>
             <a:endParaRPr lang="en-US"/>
           </a:p>
@@ -4314,7 +4421,7 @@
           <a:p>
             <a:fld id="{0560A9CD-0304-4E0B-9E82-E7E0115DE05B}" type="datetimeFigureOut">
               <a:rPr lang="en-US" smtClean="0"/>
-              <a:t>3/1/2023</a:t>
+              <a:t>2/26/2024</a:t>
             </a:fld>
             <a:endParaRPr lang="en-US"/>
           </a:p>
@@ -4525,7 +4632,7 @@
           <a:p>
             <a:fld id="{0560A9CD-0304-4E0B-9E82-E7E0115DE05B}" type="datetimeFigureOut">
               <a:rPr lang="en-US" smtClean="0"/>
-              <a:t>3/1/2023</a:t>
+              <a:t>2/26/2024</a:t>
             </a:fld>
             <a:endParaRPr lang="en-US"/>
           </a:p>
@@ -18340,7 +18447,7 @@
           <p:nvPr>
             <p:extLst>
               <p:ext uri="{D42A27DB-BD31-4B8C-83A1-F6EECF244321}">
-                <p14:modId xmlns:p14="http://schemas.microsoft.com/office/powerpoint/2010/main" val="603214738"/>
+                <p14:modId xmlns:p14="http://schemas.microsoft.com/office/powerpoint/2010/main" val="784370174"/>
               </p:ext>
             </p:extLst>
           </p:nvPr>
@@ -18469,10 +18576,20 @@
                       </a:pPr>
                       <a:r>
                         <a:rPr lang="pt-BR" sz="1800" b="1" baseline="0" dirty="0">
-                          <a:latin typeface="Courier New" panose="02070309020205020404" pitchFamily="49" charset="0"/>
-                          <a:cs typeface="Courier New" panose="02070309020205020404" pitchFamily="49" charset="0"/>
-                        </a:rPr>
-                        <a:t>permutations(('a', 'b', 'c'))</a:t>
+                          <a:solidFill>
+                            <a:srgbClr val="C00000"/>
+                          </a:solidFill>
+                          <a:latin typeface="Courier New" panose="02070309020205020404" pitchFamily="49" charset="0"/>
+                          <a:cs typeface="Courier New" panose="02070309020205020404" pitchFamily="49" charset="0"/>
+                        </a:rPr>
+                        <a:t>permutations</a:t>
+                      </a:r>
+                      <a:r>
+                        <a:rPr lang="pt-BR" sz="1800" b="1" baseline="0" dirty="0">
+                          <a:latin typeface="Courier New" panose="02070309020205020404" pitchFamily="49" charset="0"/>
+                          <a:cs typeface="Courier New" panose="02070309020205020404" pitchFamily="49" charset="0"/>
+                        </a:rPr>
+                        <a:t>(('a', 'b', 'c'))</a:t>
                       </a:r>
                     </a:p>
                     <a:p>
@@ -20110,7 +20227,7 @@
           <p:nvPr>
             <p:extLst>
               <p:ext uri="{D42A27DB-BD31-4B8C-83A1-F6EECF244321}">
-                <p14:modId xmlns:p14="http://schemas.microsoft.com/office/powerpoint/2010/main" val="387280852"/>
+                <p14:modId xmlns:p14="http://schemas.microsoft.com/office/powerpoint/2010/main" val="2576539019"/>
               </p:ext>
             </p:extLst>
           </p:nvPr>
@@ -20355,7 +20472,7 @@
                           <a:latin typeface="Courier New" panose="02070309020205020404" pitchFamily="49" charset="0"/>
                           <a:cs typeface="Courier New" panose="02070309020205020404" pitchFamily="49" charset="0"/>
                         </a:rPr>
-                        <a:t>        maze[i][j] != "#" and not visited[i][j]):</a:t>
+                        <a:t>        maze[i][j] != '#' and not visited[i][j]):</a:t>
                       </a:r>
                     </a:p>
                     <a:p>
@@ -20808,7 +20925,7 @@
                           <a:latin typeface="Courier New" panose="02070309020205020404" pitchFamily="49" charset="0"/>
                           <a:cs typeface="Courier New" panose="02070309020205020404" pitchFamily="49" charset="0"/>
                         </a:rPr>
-                        <a:t>    print("path from A to B exists")</a:t>
+                        <a:t>    print('path from A to B exists')</a:t>
                       </a:r>
                     </a:p>
                     <a:p>
@@ -20826,7 +20943,7 @@
                           <a:latin typeface="Courier New" panose="02070309020205020404" pitchFamily="49" charset="0"/>
                           <a:cs typeface="Courier New" panose="02070309020205020404" pitchFamily="49" charset="0"/>
                         </a:rPr>
-                        <a:t>    print("no path")</a:t>
+                        <a:t>    print('no path')</a:t>
                       </a:r>
                     </a:p>
                   </a:txBody>

--- a/ipsa/slides/recursion_iteration.pptx
+++ b/ipsa/slides/recursion_iteration.pptx
@@ -5,7 +5,7 @@
     <p:sldMasterId id="2147483648" r:id="rId1"/>
   </p:sldMasterIdLst>
   <p:notesMasterIdLst>
-    <p:notesMasterId r:id="rId23"/>
+    <p:notesMasterId r:id="rId24"/>
   </p:notesMasterIdLst>
   <p:sldIdLst>
     <p:sldId id="482" r:id="rId2"/>
@@ -15,20 +15,21 @@
     <p:sldId id="608" r:id="rId6"/>
     <p:sldId id="609" r:id="rId7"/>
     <p:sldId id="619" r:id="rId8"/>
-    <p:sldId id="612" r:id="rId9"/>
-    <p:sldId id="613" r:id="rId10"/>
-    <p:sldId id="524" r:id="rId11"/>
-    <p:sldId id="615" r:id="rId12"/>
-    <p:sldId id="616" r:id="rId13"/>
-    <p:sldId id="617" r:id="rId14"/>
-    <p:sldId id="618" r:id="rId15"/>
-    <p:sldId id="622" r:id="rId16"/>
-    <p:sldId id="407" r:id="rId17"/>
-    <p:sldId id="515" r:id="rId18"/>
-    <p:sldId id="600" r:id="rId19"/>
-    <p:sldId id="602" r:id="rId20"/>
-    <p:sldId id="620" r:id="rId21"/>
-    <p:sldId id="621" r:id="rId22"/>
+    <p:sldId id="623" r:id="rId9"/>
+    <p:sldId id="612" r:id="rId10"/>
+    <p:sldId id="613" r:id="rId11"/>
+    <p:sldId id="524" r:id="rId12"/>
+    <p:sldId id="615" r:id="rId13"/>
+    <p:sldId id="616" r:id="rId14"/>
+    <p:sldId id="617" r:id="rId15"/>
+    <p:sldId id="618" r:id="rId16"/>
+    <p:sldId id="622" r:id="rId17"/>
+    <p:sldId id="407" r:id="rId18"/>
+    <p:sldId id="515" r:id="rId19"/>
+    <p:sldId id="600" r:id="rId20"/>
+    <p:sldId id="602" r:id="rId21"/>
+    <p:sldId id="620" r:id="rId22"/>
+    <p:sldId id="621" r:id="rId23"/>
   </p:sldIdLst>
   <p:sldSz cx="12192000" cy="6858000"/>
   <p:notesSz cx="6858000" cy="9144000"/>
@@ -150,14 +151,6 @@
           <pc:docMk/>
           <pc:sldMk cId="88308015" sldId="600"/>
         </pc:sldMkLst>
-        <pc:graphicFrameChg chg="modGraphic">
-          <ac:chgData name="Gerth Stølting Brodal" userId="04ef4784-6591-4f86-a140-f5c3b108582a" providerId="ADAL" clId="{46CBCB9D-8672-4CB5-85B4-5F79DD33B1F8}" dt="2024-02-26T08:37:09.557" v="158" actId="207"/>
-          <ac:graphicFrameMkLst>
-            <pc:docMk/>
-            <pc:sldMk cId="88308015" sldId="600"/>
-            <ac:graphicFrameMk id="5" creationId="{00000000-0000-0000-0000-000000000000}"/>
-          </ac:graphicFrameMkLst>
-        </pc:graphicFrameChg>
       </pc:sldChg>
       <pc:sldChg chg="modNotesTx">
         <pc:chgData name="Gerth Stølting Brodal" userId="04ef4784-6591-4f86-a140-f5c3b108582a" providerId="ADAL" clId="{46CBCB9D-8672-4CB5-85B4-5F79DD33B1F8}" dt="2024-02-26T08:15:11.656" v="157" actId="20577"/>
@@ -172,14 +165,6 @@
           <pc:docMk/>
           <pc:sldMk cId="3760098750" sldId="620"/>
         </pc:sldMkLst>
-        <pc:graphicFrameChg chg="modGraphic">
-          <ac:chgData name="Gerth Stølting Brodal" userId="04ef4784-6591-4f86-a140-f5c3b108582a" providerId="ADAL" clId="{46CBCB9D-8672-4CB5-85B4-5F79DD33B1F8}" dt="2024-02-25T19:25:18.357" v="15" actId="20577"/>
-          <ac:graphicFrameMkLst>
-            <pc:docMk/>
-            <pc:sldMk cId="3760098750" sldId="620"/>
-            <ac:graphicFrameMk id="5" creationId="{00000000-0000-0000-0000-000000000000}"/>
-          </ac:graphicFrameMkLst>
-        </pc:graphicFrameChg>
       </pc:sldChg>
       <pc:sldChg chg="modNotesTx">
         <pc:chgData name="Gerth Stølting Brodal" userId="04ef4784-6591-4f86-a140-f5c3b108582a" providerId="ADAL" clId="{46CBCB9D-8672-4CB5-85B4-5F79DD33B1F8}" dt="2024-02-26T08:45:43.609" v="181" actId="20577"/>
@@ -187,197 +172,6 @@
           <pc:docMk/>
           <pc:sldMk cId="3927913750" sldId="621"/>
         </pc:sldMkLst>
-      </pc:sldChg>
-    </pc:docChg>
-  </pc:docChgLst>
-  <pc:docChgLst>
-    <pc:chgData name="Gerth Stølting Brodal" userId="04ef4784-6591-4f86-a140-f5c3b108582a" providerId="ADAL" clId="{4C77F289-1D79-447E-8D56-FDAB373F4768}"/>
-    <pc:docChg chg="undo custSel modSld">
-      <pc:chgData name="Gerth Stølting Brodal" userId="04ef4784-6591-4f86-a140-f5c3b108582a" providerId="ADAL" clId="{4C77F289-1D79-447E-8D56-FDAB373F4768}" dt="2022-10-22T11:43:05.281" v="790" actId="1076"/>
-      <pc:docMkLst>
-        <pc:docMk/>
-      </pc:docMkLst>
-      <pc:sldChg chg="addSp modSp mod modNotesTx">
-        <pc:chgData name="Gerth Stølting Brodal" userId="04ef4784-6591-4f86-a140-f5c3b108582a" providerId="ADAL" clId="{4C77F289-1D79-447E-8D56-FDAB373F4768}" dt="2022-10-22T11:43:05.281" v="790" actId="1076"/>
-        <pc:sldMkLst>
-          <pc:docMk/>
-          <pc:sldMk cId="3839973964" sldId="615"/>
-        </pc:sldMkLst>
-        <pc:spChg chg="mod">
-          <ac:chgData name="Gerth Stølting Brodal" userId="04ef4784-6591-4f86-a140-f5c3b108582a" providerId="ADAL" clId="{4C77F289-1D79-447E-8D56-FDAB373F4768}" dt="2022-10-22T10:43:46.890" v="84" actId="164"/>
-          <ac:spMkLst>
-            <pc:docMk/>
-            <pc:sldMk cId="3839973964" sldId="615"/>
-            <ac:spMk id="7" creationId="{00000000-0000-0000-0000-000000000000}"/>
-          </ac:spMkLst>
-        </pc:spChg>
-        <pc:spChg chg="mod">
-          <ac:chgData name="Gerth Stølting Brodal" userId="04ef4784-6591-4f86-a140-f5c3b108582a" providerId="ADAL" clId="{4C77F289-1D79-447E-8D56-FDAB373F4768}" dt="2022-10-22T10:46:24.570" v="185" actId="164"/>
-          <ac:spMkLst>
-            <pc:docMk/>
-            <pc:sldMk cId="3839973964" sldId="615"/>
-            <ac:spMk id="8" creationId="{00000000-0000-0000-0000-000000000000}"/>
-          </ac:spMkLst>
-        </pc:spChg>
-        <pc:spChg chg="mod">
-          <ac:chgData name="Gerth Stølting Brodal" userId="04ef4784-6591-4f86-a140-f5c3b108582a" providerId="ADAL" clId="{4C77F289-1D79-447E-8D56-FDAB373F4768}" dt="2022-10-22T10:48:42.847" v="249" actId="164"/>
-          <ac:spMkLst>
-            <pc:docMk/>
-            <pc:sldMk cId="3839973964" sldId="615"/>
-            <ac:spMk id="9" creationId="{00000000-0000-0000-0000-000000000000}"/>
-          </ac:spMkLst>
-        </pc:spChg>
-        <pc:spChg chg="mod">
-          <ac:chgData name="Gerth Stølting Brodal" userId="04ef4784-6591-4f86-a140-f5c3b108582a" providerId="ADAL" clId="{4C77F289-1D79-447E-8D56-FDAB373F4768}" dt="2022-10-22T11:14:14.592" v="763" actId="1036"/>
-          <ac:spMkLst>
-            <pc:docMk/>
-            <pc:sldMk cId="3839973964" sldId="615"/>
-            <ac:spMk id="10" creationId="{00000000-0000-0000-0000-000000000000}"/>
-          </ac:spMkLst>
-        </pc:spChg>
-        <pc:spChg chg="mod">
-          <ac:chgData name="Gerth Stølting Brodal" userId="04ef4784-6591-4f86-a140-f5c3b108582a" providerId="ADAL" clId="{4C77F289-1D79-447E-8D56-FDAB373F4768}" dt="2022-10-22T10:43:46.890" v="84" actId="164"/>
-          <ac:spMkLst>
-            <pc:docMk/>
-            <pc:sldMk cId="3839973964" sldId="615"/>
-            <ac:spMk id="11" creationId="{00000000-0000-0000-0000-000000000000}"/>
-          </ac:spMkLst>
-        </pc:spChg>
-        <pc:spChg chg="add mod">
-          <ac:chgData name="Gerth Stølting Brodal" userId="04ef4784-6591-4f86-a140-f5c3b108582a" providerId="ADAL" clId="{4C77F289-1D79-447E-8D56-FDAB373F4768}" dt="2022-10-22T11:43:05.281" v="790" actId="1076"/>
-          <ac:spMkLst>
-            <pc:docMk/>
-            <pc:sldMk cId="3839973964" sldId="615"/>
-            <ac:spMk id="12" creationId="{D19A473F-637F-462C-A00E-33952440063E}"/>
-          </ac:spMkLst>
-        </pc:spChg>
-        <pc:spChg chg="mod">
-          <ac:chgData name="Gerth Stølting Brodal" userId="04ef4784-6591-4f86-a140-f5c3b108582a" providerId="ADAL" clId="{4C77F289-1D79-447E-8D56-FDAB373F4768}" dt="2022-10-22T10:46:24.570" v="185" actId="164"/>
-          <ac:spMkLst>
-            <pc:docMk/>
-            <pc:sldMk cId="3839973964" sldId="615"/>
-            <ac:spMk id="13" creationId="{00000000-0000-0000-0000-000000000000}"/>
-          </ac:spMkLst>
-        </pc:spChg>
-        <pc:spChg chg="mod">
-          <ac:chgData name="Gerth Stølting Brodal" userId="04ef4784-6591-4f86-a140-f5c3b108582a" providerId="ADAL" clId="{4C77F289-1D79-447E-8D56-FDAB373F4768}" dt="2022-10-22T10:48:42.847" v="249" actId="164"/>
-          <ac:spMkLst>
-            <pc:docMk/>
-            <pc:sldMk cId="3839973964" sldId="615"/>
-            <ac:spMk id="14" creationId="{00000000-0000-0000-0000-000000000000}"/>
-          </ac:spMkLst>
-        </pc:spChg>
-        <pc:spChg chg="mod">
-          <ac:chgData name="Gerth Stølting Brodal" userId="04ef4784-6591-4f86-a140-f5c3b108582a" providerId="ADAL" clId="{4C77F289-1D79-447E-8D56-FDAB373F4768}" dt="2022-10-22T11:14:14.592" v="763" actId="1036"/>
-          <ac:spMkLst>
-            <pc:docMk/>
-            <pc:sldMk cId="3839973964" sldId="615"/>
-            <ac:spMk id="15" creationId="{00000000-0000-0000-0000-000000000000}"/>
-          </ac:spMkLst>
-        </pc:spChg>
-        <pc:spChg chg="mod">
-          <ac:chgData name="Gerth Stølting Brodal" userId="04ef4784-6591-4f86-a140-f5c3b108582a" providerId="ADAL" clId="{4C77F289-1D79-447E-8D56-FDAB373F4768}" dt="2022-10-22T11:14:14.592" v="763" actId="1036"/>
-          <ac:spMkLst>
-            <pc:docMk/>
-            <pc:sldMk cId="3839973964" sldId="615"/>
-            <ac:spMk id="16" creationId="{00000000-0000-0000-0000-000000000000}"/>
-          </ac:spMkLst>
-        </pc:spChg>
-        <pc:spChg chg="mod">
-          <ac:chgData name="Gerth Stølting Brodal" userId="04ef4784-6591-4f86-a140-f5c3b108582a" providerId="ADAL" clId="{4C77F289-1D79-447E-8D56-FDAB373F4768}" dt="2022-10-22T11:14:14.592" v="763" actId="1036"/>
-          <ac:spMkLst>
-            <pc:docMk/>
-            <pc:sldMk cId="3839973964" sldId="615"/>
-            <ac:spMk id="17" creationId="{00000000-0000-0000-0000-000000000000}"/>
-          </ac:spMkLst>
-        </pc:spChg>
-        <pc:spChg chg="add mod">
-          <ac:chgData name="Gerth Stølting Brodal" userId="04ef4784-6591-4f86-a140-f5c3b108582a" providerId="ADAL" clId="{4C77F289-1D79-447E-8D56-FDAB373F4768}" dt="2022-10-22T11:14:14.592" v="763" actId="1036"/>
-          <ac:spMkLst>
-            <pc:docMk/>
-            <pc:sldMk cId="3839973964" sldId="615"/>
-            <ac:spMk id="18" creationId="{EB718E4A-76C9-4CF2-B3C3-85011B6C482A}"/>
-          </ac:spMkLst>
-        </pc:spChg>
-        <pc:spChg chg="add mod">
-          <ac:chgData name="Gerth Stølting Brodal" userId="04ef4784-6591-4f86-a140-f5c3b108582a" providerId="ADAL" clId="{4C77F289-1D79-447E-8D56-FDAB373F4768}" dt="2022-10-22T11:14:14.592" v="763" actId="1036"/>
-          <ac:spMkLst>
-            <pc:docMk/>
-            <pc:sldMk cId="3839973964" sldId="615"/>
-            <ac:spMk id="19" creationId="{F5F0DEC8-1BE2-4CAB-8B3E-BC9231DFA8B3}"/>
-          </ac:spMkLst>
-        </pc:spChg>
-        <pc:spChg chg="add mod">
-          <ac:chgData name="Gerth Stølting Brodal" userId="04ef4784-6591-4f86-a140-f5c3b108582a" providerId="ADAL" clId="{4C77F289-1D79-447E-8D56-FDAB373F4768}" dt="2022-10-22T11:14:21.358" v="773" actId="1036"/>
-          <ac:spMkLst>
-            <pc:docMk/>
-            <pc:sldMk cId="3839973964" sldId="615"/>
-            <ac:spMk id="20" creationId="{4267E5AF-830E-4994-95BB-20201D8A23FA}"/>
-          </ac:spMkLst>
-        </pc:spChg>
-        <pc:grpChg chg="add mod">
-          <ac:chgData name="Gerth Stølting Brodal" userId="04ef4784-6591-4f86-a140-f5c3b108582a" providerId="ADAL" clId="{4C77F289-1D79-447E-8D56-FDAB373F4768}" dt="2022-10-22T11:14:14.592" v="763" actId="1036"/>
-          <ac:grpSpMkLst>
-            <pc:docMk/>
-            <pc:sldMk cId="3839973964" sldId="615"/>
-            <ac:grpSpMk id="3" creationId="{F8A046E7-410B-40BA-B396-969E88C1B323}"/>
-          </ac:grpSpMkLst>
-        </pc:grpChg>
-        <pc:grpChg chg="add mod">
-          <ac:chgData name="Gerth Stølting Brodal" userId="04ef4784-6591-4f86-a140-f5c3b108582a" providerId="ADAL" clId="{4C77F289-1D79-447E-8D56-FDAB373F4768}" dt="2022-10-22T11:14:14.592" v="763" actId="1036"/>
-          <ac:grpSpMkLst>
-            <pc:docMk/>
-            <pc:sldMk cId="3839973964" sldId="615"/>
-            <ac:grpSpMk id="4" creationId="{38982B1C-F64F-4F00-BF12-A28C8D52300A}"/>
-          </ac:grpSpMkLst>
-        </pc:grpChg>
-        <pc:grpChg chg="add mod">
-          <ac:chgData name="Gerth Stølting Brodal" userId="04ef4784-6591-4f86-a140-f5c3b108582a" providerId="ADAL" clId="{4C77F289-1D79-447E-8D56-FDAB373F4768}" dt="2022-10-22T11:14:14.592" v="763" actId="1036"/>
-          <ac:grpSpMkLst>
-            <pc:docMk/>
-            <pc:sldMk cId="3839973964" sldId="615"/>
-            <ac:grpSpMk id="6" creationId="{5A1A269C-C826-408E-B2AF-DEB2FE2D0877}"/>
-          </ac:grpSpMkLst>
-        </pc:grpChg>
-        <pc:graphicFrameChg chg="mod modGraphic">
-          <ac:chgData name="Gerth Stølting Brodal" userId="04ef4784-6591-4f86-a140-f5c3b108582a" providerId="ADAL" clId="{4C77F289-1D79-447E-8D56-FDAB373F4768}" dt="2022-10-22T11:14:14.592" v="763" actId="1036"/>
-          <ac:graphicFrameMkLst>
-            <pc:docMk/>
-            <pc:sldMk cId="3839973964" sldId="615"/>
-            <ac:graphicFrameMk id="5" creationId="{00000000-0000-0000-0000-000000000000}"/>
-          </ac:graphicFrameMkLst>
-        </pc:graphicFrameChg>
-      </pc:sldChg>
-      <pc:sldChg chg="addSp delSp modSp mod">
-        <pc:chgData name="Gerth Stølting Brodal" userId="04ef4784-6591-4f86-a140-f5c3b108582a" providerId="ADAL" clId="{4C77F289-1D79-447E-8D56-FDAB373F4768}" dt="2022-10-22T10:39:52.466" v="27" actId="1076"/>
-        <pc:sldMkLst>
-          <pc:docMk/>
-          <pc:sldMk cId="554381377" sldId="616"/>
-        </pc:sldMkLst>
-        <pc:picChg chg="add del mod ord">
-          <ac:chgData name="Gerth Stølting Brodal" userId="04ef4784-6591-4f86-a140-f5c3b108582a" providerId="ADAL" clId="{4C77F289-1D79-447E-8D56-FDAB373F4768}" dt="2022-10-22T10:25:58.468" v="16" actId="22"/>
-          <ac:picMkLst>
-            <pc:docMk/>
-            <pc:sldMk cId="554381377" sldId="616"/>
-            <ac:picMk id="3" creationId="{CAEABF39-7420-4C98-9731-61613D49DBEB}"/>
-          </ac:picMkLst>
-        </pc:picChg>
-        <pc:picChg chg="add mod ord">
-          <ac:chgData name="Gerth Stølting Brodal" userId="04ef4784-6591-4f86-a140-f5c3b108582a" providerId="ADAL" clId="{4C77F289-1D79-447E-8D56-FDAB373F4768}" dt="2022-10-22T10:39:52.466" v="27" actId="1076"/>
-          <ac:picMkLst>
-            <pc:docMk/>
-            <pc:sldMk cId="554381377" sldId="616"/>
-            <ac:picMk id="5" creationId="{83722B26-7303-44B0-96F8-AD239943E895}"/>
-          </ac:picMkLst>
-        </pc:picChg>
-        <pc:picChg chg="add del">
-          <ac:chgData name="Gerth Stølting Brodal" userId="04ef4784-6591-4f86-a140-f5c3b108582a" providerId="ADAL" clId="{4C77F289-1D79-447E-8D56-FDAB373F4768}" dt="2022-10-22T10:39:34.500" v="23" actId="478"/>
-          <ac:picMkLst>
-            <pc:docMk/>
-            <pc:sldMk cId="554381377" sldId="616"/>
-            <ac:picMk id="7" creationId="{00000000-0000-0000-0000-000000000000}"/>
-          </ac:picMkLst>
-        </pc:picChg>
       </pc:sldChg>
     </pc:docChg>
   </pc:docChgLst>
@@ -401,14 +195,6 @@
           <pc:docMk/>
           <pc:sldMk cId="88308015" sldId="600"/>
         </pc:sldMkLst>
-        <pc:spChg chg="mod">
-          <ac:chgData name="Gerth Stølting Brodal" userId="04ef4784-6591-4f86-a140-f5c3b108582a" providerId="ADAL" clId="{6E5DD688-9C5E-458B-9F43-04A60C8F18DE}" dt="2023-03-01T12:31:25.905" v="256" actId="20577"/>
-          <ac:spMkLst>
-            <pc:docMk/>
-            <pc:sldMk cId="88308015" sldId="600"/>
-            <ac:spMk id="3" creationId="{00000000-0000-0000-0000-000000000000}"/>
-          </ac:spMkLst>
-        </pc:spChg>
       </pc:sldChg>
       <pc:sldChg chg="modSp mod">
         <pc:chgData name="Gerth Stølting Brodal" userId="04ef4784-6591-4f86-a140-f5c3b108582a" providerId="ADAL" clId="{6E5DD688-9C5E-458B-9F43-04A60C8F18DE}" dt="2023-02-26T21:03:44.391" v="14" actId="20577"/>
@@ -416,14 +202,6 @@
           <pc:docMk/>
           <pc:sldMk cId="3760098750" sldId="620"/>
         </pc:sldMkLst>
-        <pc:graphicFrameChg chg="mod modGraphic">
-          <ac:chgData name="Gerth Stølting Brodal" userId="04ef4784-6591-4f86-a140-f5c3b108582a" providerId="ADAL" clId="{6E5DD688-9C5E-458B-9F43-04A60C8F18DE}" dt="2023-02-26T21:03:44.391" v="14" actId="20577"/>
-          <ac:graphicFrameMkLst>
-            <pc:docMk/>
-            <pc:sldMk cId="3760098750" sldId="620"/>
-            <ac:graphicFrameMk id="5" creationId="{00000000-0000-0000-0000-000000000000}"/>
-          </ac:graphicFrameMkLst>
-        </pc:graphicFrameChg>
       </pc:sldChg>
       <pc:sldChg chg="modSp mod">
         <pc:chgData name="Gerth Stølting Brodal" userId="04ef4784-6591-4f86-a140-f5c3b108582a" providerId="ADAL" clId="{6E5DD688-9C5E-458B-9F43-04A60C8F18DE}" dt="2023-02-26T21:04:05.778" v="25" actId="20577"/>
@@ -431,14 +209,136 @@
           <pc:docMk/>
           <pc:sldMk cId="3927913750" sldId="621"/>
         </pc:sldMkLst>
-        <pc:graphicFrameChg chg="mod modGraphic">
-          <ac:chgData name="Gerth Stølting Brodal" userId="04ef4784-6591-4f86-a140-f5c3b108582a" providerId="ADAL" clId="{6E5DD688-9C5E-458B-9F43-04A60C8F18DE}" dt="2023-02-26T21:04:05.778" v="25" actId="20577"/>
+      </pc:sldChg>
+    </pc:docChg>
+  </pc:docChgLst>
+  <pc:docChgLst>
+    <pc:chgData name="Gerth Stølting Brodal" userId="04ef4784-6591-4f86-a140-f5c3b108582a" providerId="ADAL" clId="{16D418B6-0C90-46E8-B70B-D9752314CCC1}"/>
+    <pc:docChg chg="undo custSel addSld modSld">
+      <pc:chgData name="Gerth Stølting Brodal" userId="04ef4784-6591-4f86-a140-f5c3b108582a" providerId="ADAL" clId="{16D418B6-0C90-46E8-B70B-D9752314CCC1}" dt="2025-02-26T10:48:17.819" v="101" actId="1035"/>
+      <pc:docMkLst>
+        <pc:docMk/>
+      </pc:docMkLst>
+      <pc:sldChg chg="modSp mod">
+        <pc:chgData name="Gerth Stølting Brodal" userId="04ef4784-6591-4f86-a140-f5c3b108582a" providerId="ADAL" clId="{16D418B6-0C90-46E8-B70B-D9752314CCC1}" dt="2025-02-26T07:44:18.747" v="99" actId="20577"/>
+        <pc:sldMkLst>
+          <pc:docMk/>
+          <pc:sldMk cId="2532045085" sldId="524"/>
+        </pc:sldMkLst>
+        <pc:graphicFrameChg chg="modGraphic">
+          <ac:chgData name="Gerth Stølting Brodal" userId="04ef4784-6591-4f86-a140-f5c3b108582a" providerId="ADAL" clId="{16D418B6-0C90-46E8-B70B-D9752314CCC1}" dt="2025-02-26T07:44:18.747" v="99" actId="20577"/>
           <ac:graphicFrameMkLst>
             <pc:docMk/>
-            <pc:sldMk cId="3927913750" sldId="621"/>
-            <ac:graphicFrameMk id="4" creationId="{00000000-0000-0000-0000-000000000000}"/>
+            <pc:sldMk cId="2532045085" sldId="524"/>
+            <ac:graphicFrameMk id="5" creationId="{00000000-0000-0000-0000-000000000000}"/>
           </ac:graphicFrameMkLst>
         </pc:graphicFrameChg>
+      </pc:sldChg>
+      <pc:sldChg chg="modSp mod">
+        <pc:chgData name="Gerth Stølting Brodal" userId="04ef4784-6591-4f86-a140-f5c3b108582a" providerId="ADAL" clId="{16D418B6-0C90-46E8-B70B-D9752314CCC1}" dt="2025-02-26T10:48:17.819" v="101" actId="1035"/>
+        <pc:sldMkLst>
+          <pc:docMk/>
+          <pc:sldMk cId="3760098750" sldId="620"/>
+        </pc:sldMkLst>
+        <pc:picChg chg="mod">
+          <ac:chgData name="Gerth Stølting Brodal" userId="04ef4784-6591-4f86-a140-f5c3b108582a" providerId="ADAL" clId="{16D418B6-0C90-46E8-B70B-D9752314CCC1}" dt="2025-02-26T10:48:17.819" v="101" actId="1035"/>
+          <ac:picMkLst>
+            <pc:docMk/>
+            <pc:sldMk cId="3760098750" sldId="620"/>
+            <ac:picMk id="3" creationId="{EE7E1E12-119F-4B25-9FAE-4FB6A80D4987}"/>
+          </ac:picMkLst>
+        </pc:picChg>
+      </pc:sldChg>
+      <pc:sldChg chg="addSp modSp new mod">
+        <pc:chgData name="Gerth Stølting Brodal" userId="04ef4784-6591-4f86-a140-f5c3b108582a" providerId="ADAL" clId="{16D418B6-0C90-46E8-B70B-D9752314CCC1}" dt="2025-02-26T07:34:19.257" v="84" actId="1036"/>
+        <pc:sldMkLst>
+          <pc:docMk/>
+          <pc:sldMk cId="3562935653" sldId="623"/>
+        </pc:sldMkLst>
+        <pc:spChg chg="mod">
+          <ac:chgData name="Gerth Stølting Brodal" userId="04ef4784-6591-4f86-a140-f5c3b108582a" providerId="ADAL" clId="{16D418B6-0C90-46E8-B70B-D9752314CCC1}" dt="2025-02-26T07:34:19.257" v="84" actId="1036"/>
+          <ac:spMkLst>
+            <pc:docMk/>
+            <pc:sldMk cId="3562935653" sldId="623"/>
+            <ac:spMk id="2" creationId="{DD7D1BC2-4388-3CA1-2BEB-7334EBB38034}"/>
+          </ac:spMkLst>
+        </pc:spChg>
+        <pc:picChg chg="add mod">
+          <ac:chgData name="Gerth Stølting Brodal" userId="04ef4784-6591-4f86-a140-f5c3b108582a" providerId="ADAL" clId="{16D418B6-0C90-46E8-B70B-D9752314CCC1}" dt="2025-02-26T07:34:07.368" v="45" actId="1076"/>
+          <ac:picMkLst>
+            <pc:docMk/>
+            <pc:sldMk cId="3562935653" sldId="623"/>
+            <ac:picMk id="5" creationId="{7EC79B60-F7CB-3481-C55D-1EC68965A090}"/>
+          </ac:picMkLst>
+        </pc:picChg>
+        <pc:picChg chg="add mod">
+          <ac:chgData name="Gerth Stølting Brodal" userId="04ef4784-6591-4f86-a140-f5c3b108582a" providerId="ADAL" clId="{16D418B6-0C90-46E8-B70B-D9752314CCC1}" dt="2025-02-26T07:34:04.691" v="44" actId="1076"/>
+          <ac:picMkLst>
+            <pc:docMk/>
+            <pc:sldMk cId="3562935653" sldId="623"/>
+            <ac:picMk id="7" creationId="{6A107B25-9DA8-C601-E0BF-41C3C7AA642A}"/>
+          </ac:picMkLst>
+        </pc:picChg>
+      </pc:sldChg>
+    </pc:docChg>
+  </pc:docChgLst>
+  <pc:docChgLst>
+    <pc:chgData name="Gerth Stølting Brodal" userId="04ef4784-6591-4f86-a140-f5c3b108582a" providerId="ADAL" clId="{4C77F289-1D79-447E-8D56-FDAB373F4768}"/>
+    <pc:docChg chg="undo custSel modSld">
+      <pc:chgData name="Gerth Stølting Brodal" userId="04ef4784-6591-4f86-a140-f5c3b108582a" providerId="ADAL" clId="{4C77F289-1D79-447E-8D56-FDAB373F4768}" dt="2022-10-22T11:43:05.281" v="790" actId="1076"/>
+      <pc:docMkLst>
+        <pc:docMk/>
+      </pc:docMkLst>
+      <pc:sldChg chg="addSp modSp mod modNotesTx">
+        <pc:chgData name="Gerth Stølting Brodal" userId="04ef4784-6591-4f86-a140-f5c3b108582a" providerId="ADAL" clId="{4C77F289-1D79-447E-8D56-FDAB373F4768}" dt="2022-10-22T11:43:05.281" v="790" actId="1076"/>
+        <pc:sldMkLst>
+          <pc:docMk/>
+          <pc:sldMk cId="3839973964" sldId="615"/>
+        </pc:sldMkLst>
+      </pc:sldChg>
+      <pc:sldChg chg="addSp delSp modSp mod">
+        <pc:chgData name="Gerth Stølting Brodal" userId="04ef4784-6591-4f86-a140-f5c3b108582a" providerId="ADAL" clId="{4C77F289-1D79-447E-8D56-FDAB373F4768}" dt="2022-10-22T10:39:52.466" v="27" actId="1076"/>
+        <pc:sldMkLst>
+          <pc:docMk/>
+          <pc:sldMk cId="554381377" sldId="616"/>
+        </pc:sldMkLst>
+      </pc:sldChg>
+    </pc:docChg>
+  </pc:docChgLst>
+  <pc:docChgLst>
+    <pc:chgData name="Gerth Stølting Brodal" userId="04ef4784-6591-4f86-a140-f5c3b108582a" providerId="ADAL" clId="{F91C167E-A4E2-4A94-A8CC-037D6DC51703}"/>
+    <pc:docChg chg="custSel modSld">
+      <pc:chgData name="Gerth Stølting Brodal" userId="04ef4784-6591-4f86-a140-f5c3b108582a" providerId="ADAL" clId="{F91C167E-A4E2-4A94-A8CC-037D6DC51703}" dt="2022-02-28T07:23:17.097" v="91" actId="20577"/>
+      <pc:docMkLst>
+        <pc:docMk/>
+      </pc:docMkLst>
+      <pc:sldChg chg="modSp mod">
+        <pc:chgData name="Gerth Stølting Brodal" userId="04ef4784-6591-4f86-a140-f5c3b108582a" providerId="ADAL" clId="{F91C167E-A4E2-4A94-A8CC-037D6DC51703}" dt="2022-02-26T22:51:19.928" v="0" actId="20577"/>
+        <pc:sldMkLst>
+          <pc:docMk/>
+          <pc:sldMk cId="2532045085" sldId="524"/>
+        </pc:sldMkLst>
+      </pc:sldChg>
+      <pc:sldChg chg="modSp mod">
+        <pc:chgData name="Gerth Stølting Brodal" userId="04ef4784-6591-4f86-a140-f5c3b108582a" providerId="ADAL" clId="{F91C167E-A4E2-4A94-A8CC-037D6DC51703}" dt="2022-02-26T22:58:33.783" v="2" actId="1076"/>
+        <pc:sldMkLst>
+          <pc:docMk/>
+          <pc:sldMk cId="88308015" sldId="600"/>
+        </pc:sldMkLst>
+      </pc:sldChg>
+      <pc:sldChg chg="modNotesTx">
+        <pc:chgData name="Gerth Stølting Brodal" userId="04ef4784-6591-4f86-a140-f5c3b108582a" providerId="ADAL" clId="{F91C167E-A4E2-4A94-A8CC-037D6DC51703}" dt="2022-02-28T07:23:17.097" v="91" actId="20577"/>
+        <pc:sldMkLst>
+          <pc:docMk/>
+          <pc:sldMk cId="1759374402" sldId="614"/>
+        </pc:sldMkLst>
+      </pc:sldChg>
+      <pc:sldChg chg="modSp mod modNotesTx">
+        <pc:chgData name="Gerth Stølting Brodal" userId="04ef4784-6591-4f86-a140-f5c3b108582a" providerId="ADAL" clId="{F91C167E-A4E2-4A94-A8CC-037D6DC51703}" dt="2022-02-26T23:06:13.603" v="30" actId="6549"/>
+        <pc:sldMkLst>
+          <pc:docMk/>
+          <pc:sldMk cId="3760098750" sldId="620"/>
+        </pc:sldMkLst>
       </pc:sldChg>
     </pc:docChg>
   </pc:docChgLst>
@@ -455,22 +355,6 @@
           <pc:docMk/>
           <pc:sldMk cId="1276516941" sldId="407"/>
         </pc:sldMkLst>
-        <pc:spChg chg="mod">
-          <ac:chgData name="Gerth Stølting Brodal" userId="04ef4784-6591-4f86-a140-f5c3b108582a" providerId="ADAL" clId="{AB490710-A46B-476D-B419-920605A727E2}" dt="2021-03-02T10:39:09.027" v="447" actId="20577"/>
-          <ac:spMkLst>
-            <pc:docMk/>
-            <pc:sldMk cId="1276516941" sldId="407"/>
-            <ac:spMk id="3" creationId="{00000000-0000-0000-0000-000000000000}"/>
-          </ac:spMkLst>
-        </pc:spChg>
-        <pc:spChg chg="mod">
-          <ac:chgData name="Gerth Stølting Brodal" userId="04ef4784-6591-4f86-a140-f5c3b108582a" providerId="ADAL" clId="{AB490710-A46B-476D-B419-920605A727E2}" dt="2021-03-02T10:37:17.521" v="404" actId="1076"/>
-          <ac:spMkLst>
-            <pc:docMk/>
-            <pc:sldMk cId="1276516941" sldId="407"/>
-            <ac:spMk id="4" creationId="{00000000-0000-0000-0000-000000000000}"/>
-          </ac:spMkLst>
-        </pc:spChg>
       </pc:sldChg>
       <pc:sldChg chg="modSp mod modNotesTx">
         <pc:chgData name="Gerth Stølting Brodal" userId="04ef4784-6591-4f86-a140-f5c3b108582a" providerId="ADAL" clId="{AB490710-A46B-476D-B419-920605A727E2}" dt="2021-03-02T10:18:55.115" v="254" actId="6549"/>
@@ -478,14 +362,6 @@
           <pc:docMk/>
           <pc:sldMk cId="2532045085" sldId="524"/>
         </pc:sldMkLst>
-        <pc:graphicFrameChg chg="modGraphic">
-          <ac:chgData name="Gerth Stølting Brodal" userId="04ef4784-6591-4f86-a140-f5c3b108582a" providerId="ADAL" clId="{AB490710-A46B-476D-B419-920605A727E2}" dt="2021-03-02T10:17:46.686" v="216" actId="20577"/>
-          <ac:graphicFrameMkLst>
-            <pc:docMk/>
-            <pc:sldMk cId="2532045085" sldId="524"/>
-            <ac:graphicFrameMk id="5" creationId="{00000000-0000-0000-0000-000000000000}"/>
-          </ac:graphicFrameMkLst>
-        </pc:graphicFrameChg>
       </pc:sldChg>
       <pc:sldChg chg="modSp mod">
         <pc:chgData name="Gerth Stølting Brodal" userId="04ef4784-6591-4f86-a140-f5c3b108582a" providerId="ADAL" clId="{AB490710-A46B-476D-B419-920605A727E2}" dt="2021-03-02T16:43:47.186" v="538" actId="313"/>
@@ -493,30 +369,6 @@
           <pc:docMk/>
           <pc:sldMk cId="88308015" sldId="600"/>
         </pc:sldMkLst>
-        <pc:spChg chg="mod">
-          <ac:chgData name="Gerth Stølting Brodal" userId="04ef4784-6591-4f86-a140-f5c3b108582a" providerId="ADAL" clId="{AB490710-A46B-476D-B419-920605A727E2}" dt="2021-03-02T10:45:36.168" v="461" actId="20577"/>
-          <ac:spMkLst>
-            <pc:docMk/>
-            <pc:sldMk cId="88308015" sldId="600"/>
-            <ac:spMk id="3" creationId="{00000000-0000-0000-0000-000000000000}"/>
-          </ac:spMkLst>
-        </pc:spChg>
-        <pc:graphicFrameChg chg="modGraphic">
-          <ac:chgData name="Gerth Stølting Brodal" userId="04ef4784-6591-4f86-a140-f5c3b108582a" providerId="ADAL" clId="{AB490710-A46B-476D-B419-920605A727E2}" dt="2021-03-02T10:46:29.731" v="521" actId="20577"/>
-          <ac:graphicFrameMkLst>
-            <pc:docMk/>
-            <pc:sldMk cId="88308015" sldId="600"/>
-            <ac:graphicFrameMk id="4" creationId="{00000000-0000-0000-0000-000000000000}"/>
-          </ac:graphicFrameMkLst>
-        </pc:graphicFrameChg>
-        <pc:graphicFrameChg chg="modGraphic">
-          <ac:chgData name="Gerth Stølting Brodal" userId="04ef4784-6591-4f86-a140-f5c3b108582a" providerId="ADAL" clId="{AB490710-A46B-476D-B419-920605A727E2}" dt="2021-03-02T16:43:47.186" v="538" actId="313"/>
-          <ac:graphicFrameMkLst>
-            <pc:docMk/>
-            <pc:sldMk cId="88308015" sldId="600"/>
-            <ac:graphicFrameMk id="5" creationId="{00000000-0000-0000-0000-000000000000}"/>
-          </ac:graphicFrameMkLst>
-        </pc:graphicFrameChg>
       </pc:sldChg>
       <pc:sldChg chg="addSp modSp mod modNotesTx">
         <pc:chgData name="Gerth Stølting Brodal" userId="04ef4784-6591-4f86-a140-f5c3b108582a" providerId="ADAL" clId="{AB490710-A46B-476D-B419-920605A727E2}" dt="2021-03-02T10:06:51.235" v="103" actId="20577"/>
@@ -524,30 +376,6 @@
           <pc:docMk/>
           <pc:sldMk cId="985042246" sldId="608"/>
         </pc:sldMkLst>
-        <pc:spChg chg="mod">
-          <ac:chgData name="Gerth Stølting Brodal" userId="04ef4784-6591-4f86-a140-f5c3b108582a" providerId="ADAL" clId="{AB490710-A46B-476D-B419-920605A727E2}" dt="2021-03-02T10:01:20.375" v="25" actId="207"/>
-          <ac:spMkLst>
-            <pc:docMk/>
-            <pc:sldMk cId="985042246" sldId="608"/>
-            <ac:spMk id="25" creationId="{00000000-0000-0000-0000-000000000000}"/>
-          </ac:spMkLst>
-        </pc:spChg>
-        <pc:spChg chg="add mod">
-          <ac:chgData name="Gerth Stølting Brodal" userId="04ef4784-6591-4f86-a140-f5c3b108582a" providerId="ADAL" clId="{AB490710-A46B-476D-B419-920605A727E2}" dt="2021-03-02T10:00:07.032" v="24" actId="14100"/>
-          <ac:spMkLst>
-            <pc:docMk/>
-            <pc:sldMk cId="985042246" sldId="608"/>
-            <ac:spMk id="32" creationId="{61D3FE85-C0AF-4EA7-A065-14C01176DE60}"/>
-          </ac:spMkLst>
-        </pc:spChg>
-        <pc:graphicFrameChg chg="mod modGraphic">
-          <ac:chgData name="Gerth Stølting Brodal" userId="04ef4784-6591-4f86-a140-f5c3b108582a" providerId="ADAL" clId="{AB490710-A46B-476D-B419-920605A727E2}" dt="2021-03-02T09:59:15.971" v="18" actId="1076"/>
-          <ac:graphicFrameMkLst>
-            <pc:docMk/>
-            <pc:sldMk cId="985042246" sldId="608"/>
-            <ac:graphicFrameMk id="4" creationId="{00000000-0000-0000-0000-000000000000}"/>
-          </ac:graphicFrameMkLst>
-        </pc:graphicFrameChg>
       </pc:sldChg>
       <pc:sldChg chg="addSp delSp modSp mod addAnim delAnim modAnim">
         <pc:chgData name="Gerth Stølting Brodal" userId="04ef4784-6591-4f86-a140-f5c3b108582a" providerId="ADAL" clId="{AB490710-A46B-476D-B419-920605A727E2}" dt="2021-03-02T10:11:16.075" v="212"/>
@@ -555,62 +383,6 @@
           <pc:docMk/>
           <pc:sldMk cId="3719311819" sldId="609"/>
         </pc:sldMkLst>
-        <pc:spChg chg="add mod">
-          <ac:chgData name="Gerth Stølting Brodal" userId="04ef4784-6591-4f86-a140-f5c3b108582a" providerId="ADAL" clId="{AB490710-A46B-476D-B419-920605A727E2}" dt="2021-03-02T10:10:35.563" v="208" actId="1076"/>
-          <ac:spMkLst>
-            <pc:docMk/>
-            <pc:sldMk cId="3719311819" sldId="609"/>
-            <ac:spMk id="7" creationId="{3116208C-34B0-4694-B8AE-2011BD797F5E}"/>
-          </ac:spMkLst>
-        </pc:spChg>
-        <pc:spChg chg="add del mod">
-          <ac:chgData name="Gerth Stølting Brodal" userId="04ef4784-6591-4f86-a140-f5c3b108582a" providerId="ADAL" clId="{AB490710-A46B-476D-B419-920605A727E2}" dt="2021-03-02T10:11:12.323" v="211" actId="478"/>
-          <ac:spMkLst>
-            <pc:docMk/>
-            <pc:sldMk cId="3719311819" sldId="609"/>
-            <ac:spMk id="10" creationId="{00000000-0000-0000-0000-000000000000}"/>
-          </ac:spMkLst>
-        </pc:spChg>
-        <pc:spChg chg="add del mod">
-          <ac:chgData name="Gerth Stølting Brodal" userId="04ef4784-6591-4f86-a140-f5c3b108582a" providerId="ADAL" clId="{AB490710-A46B-476D-B419-920605A727E2}" dt="2021-03-02T10:11:12.323" v="211" actId="478"/>
-          <ac:spMkLst>
-            <pc:docMk/>
-            <pc:sldMk cId="3719311819" sldId="609"/>
-            <ac:spMk id="11" creationId="{00000000-0000-0000-0000-000000000000}"/>
-          </ac:spMkLst>
-        </pc:spChg>
-        <pc:graphicFrameChg chg="add del mod">
-          <ac:chgData name="Gerth Stølting Brodal" userId="04ef4784-6591-4f86-a140-f5c3b108582a" providerId="ADAL" clId="{AB490710-A46B-476D-B419-920605A727E2}" dt="2021-03-02T10:11:12.323" v="211" actId="478"/>
-          <ac:graphicFrameMkLst>
-            <pc:docMk/>
-            <pc:sldMk cId="3719311819" sldId="609"/>
-            <ac:graphicFrameMk id="4" creationId="{00000000-0000-0000-0000-000000000000}"/>
-          </ac:graphicFrameMkLst>
-        </pc:graphicFrameChg>
-        <pc:graphicFrameChg chg="add del mod">
-          <ac:chgData name="Gerth Stølting Brodal" userId="04ef4784-6591-4f86-a140-f5c3b108582a" providerId="ADAL" clId="{AB490710-A46B-476D-B419-920605A727E2}" dt="2021-03-02T10:11:12.323" v="211" actId="478"/>
-          <ac:graphicFrameMkLst>
-            <pc:docMk/>
-            <pc:sldMk cId="3719311819" sldId="609"/>
-            <ac:graphicFrameMk id="5" creationId="{00000000-0000-0000-0000-000000000000}"/>
-          </ac:graphicFrameMkLst>
-        </pc:graphicFrameChg>
-        <pc:graphicFrameChg chg="add del mod">
-          <ac:chgData name="Gerth Stølting Brodal" userId="04ef4784-6591-4f86-a140-f5c3b108582a" providerId="ADAL" clId="{AB490710-A46B-476D-B419-920605A727E2}" dt="2021-03-02T10:11:12.323" v="211" actId="478"/>
-          <ac:graphicFrameMkLst>
-            <pc:docMk/>
-            <pc:sldMk cId="3719311819" sldId="609"/>
-            <ac:graphicFrameMk id="6" creationId="{00000000-0000-0000-0000-000000000000}"/>
-          </ac:graphicFrameMkLst>
-        </pc:graphicFrameChg>
-        <pc:graphicFrameChg chg="add del mod">
-          <ac:chgData name="Gerth Stølting Brodal" userId="04ef4784-6591-4f86-a140-f5c3b108582a" providerId="ADAL" clId="{AB490710-A46B-476D-B419-920605A727E2}" dt="2021-03-02T10:11:12.323" v="211" actId="478"/>
-          <ac:graphicFrameMkLst>
-            <pc:docMk/>
-            <pc:sldMk cId="3719311819" sldId="609"/>
-            <ac:graphicFrameMk id="8" creationId="{00000000-0000-0000-0000-000000000000}"/>
-          </ac:graphicFrameMkLst>
-        </pc:graphicFrameChg>
       </pc:sldChg>
       <pc:sldChg chg="modNotesTx">
         <pc:chgData name="Gerth Stølting Brodal" userId="04ef4784-6591-4f86-a140-f5c3b108582a" providerId="ADAL" clId="{AB490710-A46B-476D-B419-920605A727E2}" dt="2021-03-02T10:22:21.956" v="288" actId="20577"/>
@@ -625,22 +397,6 @@
           <pc:docMk/>
           <pc:sldMk cId="1175075704" sldId="617"/>
         </pc:sldMkLst>
-        <pc:spChg chg="add del mod">
-          <ac:chgData name="Gerth Stølting Brodal" userId="04ef4784-6591-4f86-a140-f5c3b108582a" providerId="ADAL" clId="{AB490710-A46B-476D-B419-920605A727E2}" dt="2021-03-02T10:27:49.086" v="359" actId="478"/>
-          <ac:spMkLst>
-            <pc:docMk/>
-            <pc:sldMk cId="1175075704" sldId="617"/>
-            <ac:spMk id="3" creationId="{820716B5-06DA-45C1-8C7D-8E126EA8BE3A}"/>
-          </ac:spMkLst>
-        </pc:spChg>
-        <pc:spChg chg="add del mod">
-          <ac:chgData name="Gerth Stølting Brodal" userId="04ef4784-6591-4f86-a140-f5c3b108582a" providerId="ADAL" clId="{AB490710-A46B-476D-B419-920605A727E2}" dt="2021-03-02T10:27:46.737" v="358" actId="478"/>
-          <ac:spMkLst>
-            <pc:docMk/>
-            <pc:sldMk cId="1175075704" sldId="617"/>
-            <ac:spMk id="11" creationId="{6D773499-528B-499A-8204-3BAF7C530085}"/>
-          </ac:spMkLst>
-        </pc:spChg>
       </pc:sldChg>
       <pc:sldChg chg="addSp delSp modSp mod delAnim">
         <pc:chgData name="Gerth Stølting Brodal" userId="04ef4784-6591-4f86-a140-f5c3b108582a" providerId="ADAL" clId="{AB490710-A46B-476D-B419-920605A727E2}" dt="2021-03-02T10:33:08.438" v="374" actId="20577"/>
@@ -648,38 +404,6 @@
           <pc:docMk/>
           <pc:sldMk cId="1689941904" sldId="618"/>
         </pc:sldMkLst>
-        <pc:spChg chg="add del mod">
-          <ac:chgData name="Gerth Stølting Brodal" userId="04ef4784-6591-4f86-a140-f5c3b108582a" providerId="ADAL" clId="{AB490710-A46B-476D-B419-920605A727E2}" dt="2021-03-02T10:29:21.566" v="363" actId="478"/>
-          <ac:spMkLst>
-            <pc:docMk/>
-            <pc:sldMk cId="1689941904" sldId="618"/>
-            <ac:spMk id="4" creationId="{975BACD6-AC1B-4DEF-A287-20C95E502D41}"/>
-          </ac:spMkLst>
-        </pc:spChg>
-        <pc:graphicFrameChg chg="del">
-          <ac:chgData name="Gerth Stølting Brodal" userId="04ef4784-6591-4f86-a140-f5c3b108582a" providerId="ADAL" clId="{AB490710-A46B-476D-B419-920605A727E2}" dt="2021-03-02T10:29:17.045" v="362" actId="478"/>
-          <ac:graphicFrameMkLst>
-            <pc:docMk/>
-            <pc:sldMk cId="1689941904" sldId="618"/>
-            <ac:graphicFrameMk id="5" creationId="{00000000-0000-0000-0000-000000000000}"/>
-          </ac:graphicFrameMkLst>
-        </pc:graphicFrameChg>
-        <pc:graphicFrameChg chg="modGraphic">
-          <ac:chgData name="Gerth Stølting Brodal" userId="04ef4784-6591-4f86-a140-f5c3b108582a" providerId="ADAL" clId="{AB490710-A46B-476D-B419-920605A727E2}" dt="2021-03-02T10:33:08.438" v="374" actId="20577"/>
-          <ac:graphicFrameMkLst>
-            <pc:docMk/>
-            <pc:sldMk cId="1689941904" sldId="618"/>
-            <ac:graphicFrameMk id="6" creationId="{00000000-0000-0000-0000-000000000000}"/>
-          </ac:graphicFrameMkLst>
-        </pc:graphicFrameChg>
-        <pc:picChg chg="add mod">
-          <ac:chgData name="Gerth Stølting Brodal" userId="04ef4784-6591-4f86-a140-f5c3b108582a" providerId="ADAL" clId="{AB490710-A46B-476D-B419-920605A727E2}" dt="2021-03-02T10:30:00.266" v="367" actId="1582"/>
-          <ac:picMkLst>
-            <pc:docMk/>
-            <pc:sldMk cId="1689941904" sldId="618"/>
-            <ac:picMk id="2" creationId="{49C85841-842B-45DA-B862-66EDC31A50C5}"/>
-          </ac:picMkLst>
-        </pc:picChg>
       </pc:sldChg>
       <pc:sldChg chg="addSp modSp mod">
         <pc:chgData name="Gerth Stølting Brodal" userId="04ef4784-6591-4f86-a140-f5c3b108582a" providerId="ADAL" clId="{AB490710-A46B-476D-B419-920605A727E2}" dt="2021-03-02T10:55:12.652" v="526" actId="1076"/>
@@ -687,14 +411,6 @@
           <pc:docMk/>
           <pc:sldMk cId="3760098750" sldId="620"/>
         </pc:sldMkLst>
-        <pc:picChg chg="add mod">
-          <ac:chgData name="Gerth Stølting Brodal" userId="04ef4784-6591-4f86-a140-f5c3b108582a" providerId="ADAL" clId="{AB490710-A46B-476D-B419-920605A727E2}" dt="2021-03-02T10:55:12.652" v="526" actId="1076"/>
-          <ac:picMkLst>
-            <pc:docMk/>
-            <pc:sldMk cId="3760098750" sldId="620"/>
-            <ac:picMk id="3" creationId="{EE7E1E12-119F-4B25-9FAE-4FB6A80D4987}"/>
-          </ac:picMkLst>
-        </pc:picChg>
       </pc:sldChg>
       <pc:sldChg chg="modSp mod">
         <pc:chgData name="Gerth Stølting Brodal" userId="04ef4784-6591-4f86-a140-f5c3b108582a" providerId="ADAL" clId="{AB490710-A46B-476D-B419-920605A727E2}" dt="2021-03-02T11:03:39.682" v="528" actId="207"/>
@@ -702,14 +418,6 @@
           <pc:docMk/>
           <pc:sldMk cId="3927913750" sldId="621"/>
         </pc:sldMkLst>
-        <pc:graphicFrameChg chg="modGraphic">
-          <ac:chgData name="Gerth Stølting Brodal" userId="04ef4784-6591-4f86-a140-f5c3b108582a" providerId="ADAL" clId="{AB490710-A46B-476D-B419-920605A727E2}" dt="2021-03-02T11:03:39.682" v="528" actId="207"/>
-          <ac:graphicFrameMkLst>
-            <pc:docMk/>
-            <pc:sldMk cId="3927913750" sldId="621"/>
-            <ac:graphicFrameMk id="4" creationId="{00000000-0000-0000-0000-000000000000}"/>
-          </ac:graphicFrameMkLst>
-        </pc:graphicFrameChg>
       </pc:sldChg>
       <pc:sldChg chg="modSp add mod modAnim">
         <pc:chgData name="Gerth Stølting Brodal" userId="04ef4784-6591-4f86-a140-f5c3b108582a" providerId="ADAL" clId="{AB490710-A46B-476D-B419-920605A727E2}" dt="2021-03-02T16:45:36.175" v="540" actId="20577"/>
@@ -717,75 +425,6 @@
           <pc:docMk/>
           <pc:sldMk cId="448497790" sldId="622"/>
         </pc:sldMkLst>
-        <pc:graphicFrameChg chg="modGraphic">
-          <ac:chgData name="Gerth Stølting Brodal" userId="04ef4784-6591-4f86-a140-f5c3b108582a" providerId="ADAL" clId="{AB490710-A46B-476D-B419-920605A727E2}" dt="2021-03-02T16:45:36.175" v="540" actId="20577"/>
-          <ac:graphicFrameMkLst>
-            <pc:docMk/>
-            <pc:sldMk cId="448497790" sldId="622"/>
-            <ac:graphicFrameMk id="6" creationId="{00000000-0000-0000-0000-000000000000}"/>
-          </ac:graphicFrameMkLst>
-        </pc:graphicFrameChg>
-      </pc:sldChg>
-    </pc:docChg>
-  </pc:docChgLst>
-  <pc:docChgLst>
-    <pc:chgData name="Gerth Stølting Brodal" userId="04ef4784-6591-4f86-a140-f5c3b108582a" providerId="ADAL" clId="{F91C167E-A4E2-4A94-A8CC-037D6DC51703}"/>
-    <pc:docChg chg="custSel modSld">
-      <pc:chgData name="Gerth Stølting Brodal" userId="04ef4784-6591-4f86-a140-f5c3b108582a" providerId="ADAL" clId="{F91C167E-A4E2-4A94-A8CC-037D6DC51703}" dt="2022-02-28T07:23:17.097" v="91" actId="20577"/>
-      <pc:docMkLst>
-        <pc:docMk/>
-      </pc:docMkLst>
-      <pc:sldChg chg="modSp mod">
-        <pc:chgData name="Gerth Stølting Brodal" userId="04ef4784-6591-4f86-a140-f5c3b108582a" providerId="ADAL" clId="{F91C167E-A4E2-4A94-A8CC-037D6DC51703}" dt="2022-02-26T22:51:19.928" v="0" actId="20577"/>
-        <pc:sldMkLst>
-          <pc:docMk/>
-          <pc:sldMk cId="2532045085" sldId="524"/>
-        </pc:sldMkLst>
-        <pc:graphicFrameChg chg="modGraphic">
-          <ac:chgData name="Gerth Stølting Brodal" userId="04ef4784-6591-4f86-a140-f5c3b108582a" providerId="ADAL" clId="{F91C167E-A4E2-4A94-A8CC-037D6DC51703}" dt="2022-02-26T22:51:19.928" v="0" actId="20577"/>
-          <ac:graphicFrameMkLst>
-            <pc:docMk/>
-            <pc:sldMk cId="2532045085" sldId="524"/>
-            <ac:graphicFrameMk id="5" creationId="{00000000-0000-0000-0000-000000000000}"/>
-          </ac:graphicFrameMkLst>
-        </pc:graphicFrameChg>
-      </pc:sldChg>
-      <pc:sldChg chg="modSp mod">
-        <pc:chgData name="Gerth Stølting Brodal" userId="04ef4784-6591-4f86-a140-f5c3b108582a" providerId="ADAL" clId="{F91C167E-A4E2-4A94-A8CC-037D6DC51703}" dt="2022-02-26T22:58:33.783" v="2" actId="1076"/>
-        <pc:sldMkLst>
-          <pc:docMk/>
-          <pc:sldMk cId="88308015" sldId="600"/>
-        </pc:sldMkLst>
-        <pc:graphicFrameChg chg="mod modGraphic">
-          <ac:chgData name="Gerth Stølting Brodal" userId="04ef4784-6591-4f86-a140-f5c3b108582a" providerId="ADAL" clId="{F91C167E-A4E2-4A94-A8CC-037D6DC51703}" dt="2022-02-26T22:58:33.783" v="2" actId="1076"/>
-          <ac:graphicFrameMkLst>
-            <pc:docMk/>
-            <pc:sldMk cId="88308015" sldId="600"/>
-            <ac:graphicFrameMk id="5" creationId="{00000000-0000-0000-0000-000000000000}"/>
-          </ac:graphicFrameMkLst>
-        </pc:graphicFrameChg>
-      </pc:sldChg>
-      <pc:sldChg chg="modNotesTx">
-        <pc:chgData name="Gerth Stølting Brodal" userId="04ef4784-6591-4f86-a140-f5c3b108582a" providerId="ADAL" clId="{F91C167E-A4E2-4A94-A8CC-037D6DC51703}" dt="2022-02-28T07:23:17.097" v="91" actId="20577"/>
-        <pc:sldMkLst>
-          <pc:docMk/>
-          <pc:sldMk cId="1759374402" sldId="614"/>
-        </pc:sldMkLst>
-      </pc:sldChg>
-      <pc:sldChg chg="modSp mod modNotesTx">
-        <pc:chgData name="Gerth Stølting Brodal" userId="04ef4784-6591-4f86-a140-f5c3b108582a" providerId="ADAL" clId="{F91C167E-A4E2-4A94-A8CC-037D6DC51703}" dt="2022-02-26T23:06:13.603" v="30" actId="6549"/>
-        <pc:sldMkLst>
-          <pc:docMk/>
-          <pc:sldMk cId="3760098750" sldId="620"/>
-        </pc:sldMkLst>
-        <pc:graphicFrameChg chg="modGraphic">
-          <ac:chgData name="Gerth Stølting Brodal" userId="04ef4784-6591-4f86-a140-f5c3b108582a" providerId="ADAL" clId="{F91C167E-A4E2-4A94-A8CC-037D6DC51703}" dt="2022-02-26T23:02:00.234" v="4" actId="20577"/>
-          <ac:graphicFrameMkLst>
-            <pc:docMk/>
-            <pc:sldMk cId="3760098750" sldId="620"/>
-            <ac:graphicFrameMk id="5" creationId="{00000000-0000-0000-0000-000000000000}"/>
-          </ac:graphicFrameMkLst>
-        </pc:graphicFrameChg>
       </pc:sldChg>
     </pc:docChg>
   </pc:docChgLst>
@@ -874,7 +513,7 @@
           <a:p>
             <a:fld id="{FB1A172F-81D4-4DC4-9113-1DBD56EC3646}" type="datetimeFigureOut">
               <a:rPr lang="en-US" smtClean="0"/>
-              <a:t>2/26/2024</a:t>
+              <a:t>2/26/2025</a:t>
             </a:fld>
             <a:endParaRPr lang="en-US"/>
           </a:p>
@@ -1380,7 +1019,7 @@
           <a:p>
             <a:fld id="{CD563DD8-32AB-41BE-B1C6-8EAC45222ACE}" type="slidenum">
               <a:rPr lang="en-US" smtClean="0"/>
-              <a:t>21</a:t>
+              <a:t>22</a:t>
             </a:fld>
             <a:endParaRPr lang="en-US"/>
           </a:p>
@@ -1559,7 +1198,7 @@
           <a:p>
             <a:fld id="{CD563DD8-32AB-41BE-B1C6-8EAC45222ACE}" type="slidenum">
               <a:rPr lang="en-US" smtClean="0"/>
-              <a:t>10</a:t>
+              <a:t>11</a:t>
             </a:fld>
             <a:endParaRPr lang="en-US"/>
           </a:p>
@@ -1655,7 +1294,7 @@
           <a:p>
             <a:fld id="{CD563DD8-32AB-41BE-B1C6-8EAC45222ACE}" type="slidenum">
               <a:rPr lang="en-US" smtClean="0"/>
-              <a:t>11</a:t>
+              <a:t>12</a:t>
             </a:fld>
             <a:endParaRPr lang="en-US"/>
           </a:p>
@@ -1739,7 +1378,7 @@
           <a:p>
             <a:fld id="{CD563DD8-32AB-41BE-B1C6-8EAC45222ACE}" type="slidenum">
               <a:rPr lang="en-US" smtClean="0"/>
-              <a:t>13</a:t>
+              <a:t>14</a:t>
             </a:fld>
             <a:endParaRPr lang="en-US"/>
           </a:p>
@@ -1889,7 +1528,7 @@
           <a:p>
             <a:fld id="{CD563DD8-32AB-41BE-B1C6-8EAC45222ACE}" type="slidenum">
               <a:rPr lang="en-US" smtClean="0"/>
-              <a:t>17</a:t>
+              <a:t>18</a:t>
             </a:fld>
             <a:endParaRPr lang="en-US"/>
           </a:p>
@@ -1981,7 +1620,7 @@
           <a:p>
             <a:fld id="{CD563DD8-32AB-41BE-B1C6-8EAC45222ACE}" type="slidenum">
               <a:rPr lang="en-US" smtClean="0"/>
-              <a:t>18</a:t>
+              <a:t>19</a:t>
             </a:fld>
             <a:endParaRPr lang="en-US"/>
           </a:p>
@@ -2068,7 +1707,7 @@
           <a:p>
             <a:fld id="{CD563DD8-32AB-41BE-B1C6-8EAC45222ACE}" type="slidenum">
               <a:rPr lang="en-US" smtClean="0"/>
-              <a:t>19</a:t>
+              <a:t>20</a:t>
             </a:fld>
             <a:endParaRPr lang="en-US"/>
           </a:p>
@@ -2159,7 +1798,7 @@
           <a:p>
             <a:fld id="{CD563DD8-32AB-41BE-B1C6-8EAC45222ACE}" type="slidenum">
               <a:rPr lang="en-US" smtClean="0"/>
-              <a:t>20</a:t>
+              <a:t>21</a:t>
             </a:fld>
             <a:endParaRPr lang="en-US"/>
           </a:p>
@@ -2315,7 +1954,7 @@
           <a:p>
             <a:fld id="{0560A9CD-0304-4E0B-9E82-E7E0115DE05B}" type="datetimeFigureOut">
               <a:rPr lang="en-US" smtClean="0"/>
-              <a:t>2/26/2024</a:t>
+              <a:t>2/26/2025</a:t>
             </a:fld>
             <a:endParaRPr lang="en-US"/>
           </a:p>
@@ -2483,7 +2122,7 @@
           <a:p>
             <a:fld id="{0560A9CD-0304-4E0B-9E82-E7E0115DE05B}" type="datetimeFigureOut">
               <a:rPr lang="en-US" smtClean="0"/>
-              <a:t>2/26/2024</a:t>
+              <a:t>2/26/2025</a:t>
             </a:fld>
             <a:endParaRPr lang="en-US"/>
           </a:p>
@@ -2661,7 +2300,7 @@
           <a:p>
             <a:fld id="{0560A9CD-0304-4E0B-9E82-E7E0115DE05B}" type="datetimeFigureOut">
               <a:rPr lang="en-US" smtClean="0"/>
-              <a:t>2/26/2024</a:t>
+              <a:t>2/26/2025</a:t>
             </a:fld>
             <a:endParaRPr lang="en-US"/>
           </a:p>
@@ -2844,7 +2483,7 @@
           <a:p>
             <a:fld id="{0560A9CD-0304-4E0B-9E82-E7E0115DE05B}" type="datetimeFigureOut">
               <a:rPr lang="en-US" smtClean="0"/>
-              <a:t>2/26/2024</a:t>
+              <a:t>2/26/2025</a:t>
             </a:fld>
             <a:endParaRPr lang="en-US"/>
           </a:p>
@@ -3089,7 +2728,7 @@
           <a:p>
             <a:fld id="{0560A9CD-0304-4E0B-9E82-E7E0115DE05B}" type="datetimeFigureOut">
               <a:rPr lang="en-US" smtClean="0"/>
-              <a:t>2/26/2024</a:t>
+              <a:t>2/26/2025</a:t>
             </a:fld>
             <a:endParaRPr lang="en-US"/>
           </a:p>
@@ -3318,7 +2957,7 @@
           <a:p>
             <a:fld id="{0560A9CD-0304-4E0B-9E82-E7E0115DE05B}" type="datetimeFigureOut">
               <a:rPr lang="en-US" smtClean="0"/>
-              <a:t>2/26/2024</a:t>
+              <a:t>2/26/2025</a:t>
             </a:fld>
             <a:endParaRPr lang="en-US"/>
           </a:p>
@@ -3682,7 +3321,7 @@
           <a:p>
             <a:fld id="{0560A9CD-0304-4E0B-9E82-E7E0115DE05B}" type="datetimeFigureOut">
               <a:rPr lang="en-US" smtClean="0"/>
-              <a:t>2/26/2024</a:t>
+              <a:t>2/26/2025</a:t>
             </a:fld>
             <a:endParaRPr lang="en-US"/>
           </a:p>
@@ -3799,7 +3438,7 @@
           <a:p>
             <a:fld id="{0560A9CD-0304-4E0B-9E82-E7E0115DE05B}" type="datetimeFigureOut">
               <a:rPr lang="en-US" smtClean="0"/>
-              <a:t>2/26/2024</a:t>
+              <a:t>2/26/2025</a:t>
             </a:fld>
             <a:endParaRPr lang="en-US"/>
           </a:p>
@@ -3894,7 +3533,7 @@
           <a:p>
             <a:fld id="{0560A9CD-0304-4E0B-9E82-E7E0115DE05B}" type="datetimeFigureOut">
               <a:rPr lang="en-US" smtClean="0"/>
-              <a:t>2/26/2024</a:t>
+              <a:t>2/26/2025</a:t>
             </a:fld>
             <a:endParaRPr lang="en-US"/>
           </a:p>
@@ -4169,7 +3808,7 @@
           <a:p>
             <a:fld id="{0560A9CD-0304-4E0B-9E82-E7E0115DE05B}" type="datetimeFigureOut">
               <a:rPr lang="en-US" smtClean="0"/>
-              <a:t>2/26/2024</a:t>
+              <a:t>2/26/2025</a:t>
             </a:fld>
             <a:endParaRPr lang="en-US"/>
           </a:p>
@@ -4421,7 +4060,7 @@
           <a:p>
             <a:fld id="{0560A9CD-0304-4E0B-9E82-E7E0115DE05B}" type="datetimeFigureOut">
               <a:rPr lang="en-US" smtClean="0"/>
-              <a:t>2/26/2024</a:t>
+              <a:t>2/26/2025</a:t>
             </a:fld>
             <a:endParaRPr lang="en-US"/>
           </a:p>
@@ -4632,7 +4271,7 @@
           <a:p>
             <a:fld id="{0560A9CD-0304-4E0B-9E82-E7E0115DE05B}" type="datetimeFigureOut">
               <a:rPr lang="en-US" smtClean="0"/>
-              <a:t>2/26/2024</a:t>
+              <a:t>2/26/2025</a:t>
             </a:fld>
             <a:endParaRPr lang="en-US"/>
           </a:p>
@@ -5119,6 +4758,628 @@
 <file path=ppt/slides/slide10.xml><?xml version="1.0" encoding="utf-8"?>
 <p:sld xmlns:a="http://schemas.openxmlformats.org/drawingml/2006/main" xmlns:r="http://schemas.openxmlformats.org/officeDocument/2006/relationships" xmlns:p="http://schemas.openxmlformats.org/presentationml/2006/main">
   <p:cSld>
+    <p:bg>
+      <p:bgPr>
+        <a:solidFill>
+          <a:schemeClr val="accent6">
+            <a:lumMod val="20000"/>
+            <a:lumOff val="80000"/>
+          </a:schemeClr>
+        </a:solidFill>
+        <a:effectLst/>
+      </p:bgPr>
+    </p:bg>
+    <p:spTree>
+      <p:nvGrpSpPr>
+        <p:cNvPr id="1" name=""/>
+        <p:cNvGrpSpPr/>
+        <p:nvPr/>
+      </p:nvGrpSpPr>
+      <p:grpSpPr>
+        <a:xfrm>
+          <a:off x="0" y="0"/>
+          <a:ext cx="0" cy="0"/>
+          <a:chOff x="0" y="0"/>
+          <a:chExt cx="0" cy="0"/>
+        </a:xfrm>
+      </p:grpSpPr>
+      <p:sp>
+        <p:nvSpPr>
+          <p:cNvPr id="2" name="Title 1"/>
+          <p:cNvSpPr>
+            <a:spLocks noGrp="1"/>
+          </p:cNvSpPr>
+          <p:nvPr>
+            <p:ph type="title"/>
+          </p:nvPr>
+        </p:nvSpPr>
+        <p:spPr>
+          <a:xfrm>
+            <a:off x="838199" y="365125"/>
+            <a:ext cx="11153931" cy="1325563"/>
+          </a:xfrm>
+        </p:spPr>
+        <p:txBody>
+          <a:bodyPr/>
+          <a:lstStyle/>
+          <a:p>
+            <a:r>
+              <a:rPr lang="da-DK" dirty="0" err="1"/>
+              <a:t>Question</a:t>
+            </a:r>
+            <a:r>
+              <a:rPr lang="da-DK" dirty="0"/>
+              <a:t> – </a:t>
+            </a:r>
+            <a:r>
+              <a:rPr lang="da-DK" dirty="0" err="1"/>
+              <a:t>Number</a:t>
+            </a:r>
+            <a:r>
+              <a:rPr lang="da-DK" dirty="0"/>
+              <a:t> of </a:t>
+            </a:r>
+            <a:r>
+              <a:rPr lang="da-DK" dirty="0" err="1"/>
+              <a:t>iterations</a:t>
+            </a:r>
+            <a:r>
+              <a:rPr lang="da-DK" dirty="0"/>
+              <a:t> of </a:t>
+            </a:r>
+            <a:r>
+              <a:rPr lang="da-DK" dirty="0" err="1"/>
+              <a:t>while</a:t>
+            </a:r>
+            <a:r>
+              <a:rPr lang="da-DK" dirty="0"/>
+              <a:t>-loop ?</a:t>
+            </a:r>
+            <a:endParaRPr lang="en-US" dirty="0"/>
+          </a:p>
+        </p:txBody>
+      </p:sp>
+      <p:sp>
+        <p:nvSpPr>
+          <p:cNvPr id="3" name="Content Placeholder 2"/>
+          <p:cNvSpPr>
+            <a:spLocks noGrp="1"/>
+          </p:cNvSpPr>
+          <p:nvPr>
+            <p:ph idx="1"/>
+          </p:nvPr>
+        </p:nvSpPr>
+        <p:spPr>
+          <a:xfrm>
+            <a:off x="2282251" y="1810634"/>
+            <a:ext cx="8673296" cy="4351338"/>
+          </a:xfrm>
+        </p:spPr>
+        <p:txBody>
+          <a:bodyPr>
+            <a:normAutofit fontScale="92500" lnSpcReduction="20000"/>
+          </a:bodyPr>
+          <a:lstStyle/>
+          <a:p>
+            <a:pPr marL="0" indent="0">
+              <a:buNone/>
+            </a:pPr>
+            <a:r>
+              <a:rPr lang="en-US" dirty="0" err="1">
+                <a:latin typeface="Courier" pitchFamily="49" charset="0"/>
+              </a:rPr>
+              <a:t>merge_sort_iterative</a:t>
+            </a:r>
+            <a:r>
+              <a:rPr lang="en-US" dirty="0">
+                <a:latin typeface="Courier" pitchFamily="49" charset="0"/>
+              </a:rPr>
+              <a:t>([7, 1, 9, 3, -2, 5])</a:t>
+            </a:r>
+          </a:p>
+          <a:p>
+            <a:endParaRPr lang="da-DK" dirty="0"/>
+          </a:p>
+          <a:p>
+            <a:pPr marL="514350" indent="-514350">
+              <a:buFont typeface="+mj-lt"/>
+              <a:buAutoNum type="alphaLcParenR"/>
+            </a:pPr>
+            <a:r>
+              <a:rPr lang="da-DK" dirty="0"/>
+              <a:t>1</a:t>
+            </a:r>
+          </a:p>
+          <a:p>
+            <a:pPr marL="514350" indent="-514350">
+              <a:buFont typeface="+mj-lt"/>
+              <a:buAutoNum type="alphaLcParenR"/>
+            </a:pPr>
+            <a:r>
+              <a:rPr lang="da-DK" dirty="0"/>
+              <a:t>2</a:t>
+            </a:r>
+          </a:p>
+          <a:p>
+            <a:pPr marL="514350" indent="-514350">
+              <a:buFont typeface="+mj-lt"/>
+              <a:buAutoNum type="alphaLcParenR"/>
+            </a:pPr>
+            <a:r>
+              <a:rPr lang="da-DK" dirty="0"/>
+              <a:t>3</a:t>
+            </a:r>
+          </a:p>
+          <a:p>
+            <a:pPr marL="514350" indent="-514350">
+              <a:buFont typeface="+mj-lt"/>
+              <a:buAutoNum type="alphaLcParenR"/>
+            </a:pPr>
+            <a:r>
+              <a:rPr lang="da-DK" dirty="0"/>
+              <a:t>4</a:t>
+            </a:r>
+          </a:p>
+          <a:p>
+            <a:pPr marL="514350" indent="-514350">
+              <a:buFont typeface="+mj-lt"/>
+              <a:buAutoNum type="alphaLcParenR"/>
+            </a:pPr>
+            <a:r>
+              <a:rPr lang="da-DK" dirty="0"/>
+              <a:t>5</a:t>
+            </a:r>
+          </a:p>
+          <a:p>
+            <a:pPr marL="514350" indent="-514350">
+              <a:buFont typeface="+mj-lt"/>
+              <a:buAutoNum type="alphaLcParenR"/>
+            </a:pPr>
+            <a:r>
+              <a:rPr lang="da-DK" dirty="0"/>
+              <a:t>6</a:t>
+            </a:r>
+          </a:p>
+          <a:p>
+            <a:pPr marL="514350" indent="-514350">
+              <a:buFont typeface="+mj-lt"/>
+              <a:buAutoNum type="alphaLcParenR"/>
+            </a:pPr>
+            <a:r>
+              <a:rPr lang="da-DK" dirty="0"/>
+              <a:t>7</a:t>
+            </a:r>
+          </a:p>
+          <a:p>
+            <a:pPr marL="514350" indent="-514350">
+              <a:buFont typeface="+mj-lt"/>
+              <a:buAutoNum type="alphaLcParenR"/>
+            </a:pPr>
+            <a:r>
+              <a:rPr lang="da-DK" dirty="0" err="1"/>
+              <a:t>Don’t</a:t>
+            </a:r>
+            <a:r>
+              <a:rPr lang="da-DK" dirty="0"/>
+              <a:t> know</a:t>
+            </a:r>
+            <a:endParaRPr lang="en-US" dirty="0"/>
+          </a:p>
+        </p:txBody>
+      </p:sp>
+      <p:graphicFrame>
+        <p:nvGraphicFramePr>
+          <p:cNvPr id="4" name="Table 3"/>
+          <p:cNvGraphicFramePr>
+            <a:graphicFrameLocks noGrp="1"/>
+          </p:cNvGraphicFramePr>
+          <p:nvPr>
+            <p:extLst>
+              <p:ext uri="{D42A27DB-BD31-4B8C-83A1-F6EECF244321}">
+                <p14:modId xmlns:p14="http://schemas.microsoft.com/office/powerpoint/2010/main" val="4245617824"/>
+              </p:ext>
+            </p:extLst>
+          </p:nvPr>
+        </p:nvGraphicFramePr>
+        <p:xfrm>
+          <a:off x="5275881" y="3249666"/>
+          <a:ext cx="6326505" cy="1828800"/>
+        </p:xfrm>
+        <a:graphic>
+          <a:graphicData uri="http://schemas.openxmlformats.org/drawingml/2006/table">
+            <a:tbl>
+              <a:tblPr firstRow="1" bandRow="1">
+                <a:tableStyleId>{5C22544A-7EE6-4342-B048-85BDC9FD1C3A}</a:tableStyleId>
+              </a:tblPr>
+              <a:tblGrid>
+                <a:gridCol w="6326505">
+                  <a:extLst>
+                    <a:ext uri="{9D8B030D-6E8A-4147-A177-3AD203B41FA5}">
+                      <a16:colId xmlns:a16="http://schemas.microsoft.com/office/drawing/2014/main" val="1873682825"/>
+                    </a:ext>
+                  </a:extLst>
+                </a:gridCol>
+              </a:tblGrid>
+              <a:tr h="327377">
+                <a:tc>
+                  <a:txBody>
+                    <a:bodyPr/>
+                    <a:lstStyle/>
+                    <a:p>
+                      <a:r>
+                        <a:rPr lang="da-DK" sz="1800" b="1">
+                          <a:latin typeface="Courier New" panose="02070309020205020404" pitchFamily="49" charset="0"/>
+                          <a:cs typeface="Courier New" panose="02070309020205020404" pitchFamily="49" charset="0"/>
+                        </a:rPr>
+                        <a:t>merge_sort.py</a:t>
+                      </a:r>
+                      <a:endParaRPr lang="da-DK" sz="1800" b="1" dirty="0">
+                        <a:latin typeface="Courier New" panose="02070309020205020404" pitchFamily="49" charset="0"/>
+                        <a:cs typeface="Courier New" panose="02070309020205020404" pitchFamily="49" charset="0"/>
+                      </a:endParaRPr>
+                    </a:p>
+                  </a:txBody>
+                  <a:tcPr anchor="ctr">
+                    <a:lnL w="6350" cap="flat" cmpd="sng" algn="ctr">
+                      <a:solidFill>
+                        <a:schemeClr val="tx1"/>
+                      </a:solidFill>
+                      <a:prstDash val="solid"/>
+                      <a:round/>
+                      <a:headEnd type="none" w="med" len="med"/>
+                      <a:tailEnd type="none" w="med" len="med"/>
+                    </a:lnL>
+                    <a:lnR w="6350" cap="flat" cmpd="sng" algn="ctr">
+                      <a:solidFill>
+                        <a:schemeClr val="tx1"/>
+                      </a:solidFill>
+                      <a:prstDash val="solid"/>
+                      <a:round/>
+                      <a:headEnd type="none" w="med" len="med"/>
+                      <a:tailEnd type="none" w="med" len="med"/>
+                    </a:lnR>
+                    <a:lnT w="6350" cap="flat" cmpd="sng" algn="ctr">
+                      <a:solidFill>
+                        <a:schemeClr val="tx1"/>
+                      </a:solidFill>
+                      <a:prstDash val="solid"/>
+                      <a:round/>
+                      <a:headEnd type="none" w="med" len="med"/>
+                      <a:tailEnd type="none" w="med" len="med"/>
+                    </a:lnT>
+                    <a:lnB w="6350" cap="flat" cmpd="sng" algn="ctr">
+                      <a:solidFill>
+                        <a:schemeClr val="tx1"/>
+                      </a:solidFill>
+                      <a:prstDash val="solid"/>
+                      <a:round/>
+                      <a:headEnd type="none" w="med" len="med"/>
+                      <a:tailEnd type="none" w="med" len="med"/>
+                    </a:lnB>
+                    <a:lnTlToBr w="12700" cmpd="sng">
+                      <a:noFill/>
+                      <a:prstDash val="solid"/>
+                    </a:lnTlToBr>
+                    <a:lnBlToTr w="12700" cmpd="sng">
+                      <a:noFill/>
+                      <a:prstDash val="solid"/>
+                    </a:lnBlToTr>
+                    <a:solidFill>
+                      <a:srgbClr val="C00000"/>
+                    </a:solidFill>
+                  </a:tcPr>
+                </a:tc>
+                <a:extLst>
+                  <a:ext uri="{0D108BD9-81ED-4DB2-BD59-A6C34878D82A}">
+                    <a16:rowId xmlns:a16="http://schemas.microsoft.com/office/drawing/2014/main" val="3330819881"/>
+                  </a:ext>
+                </a:extLst>
+              </a:tr>
+              <a:tr h="1429672">
+                <a:tc>
+                  <a:txBody>
+                    <a:bodyPr/>
+                    <a:lstStyle/>
+                    <a:p>
+                      <a:r>
+                        <a:rPr lang="pt-BR" sz="1800" b="1" dirty="0">
+                          <a:latin typeface="Courier New" panose="02070309020205020404" pitchFamily="49" charset="0"/>
+                          <a:cs typeface="Courier New" panose="02070309020205020404" pitchFamily="49" charset="0"/>
+                        </a:rPr>
+                        <a:t>def </a:t>
+                      </a:r>
+                      <a:r>
+                        <a:rPr lang="pt-BR" sz="1800" b="1" dirty="0">
+                          <a:solidFill>
+                            <a:srgbClr val="C00000"/>
+                          </a:solidFill>
+                          <a:latin typeface="Courier New" panose="02070309020205020404" pitchFamily="49" charset="0"/>
+                          <a:cs typeface="Courier New" panose="02070309020205020404" pitchFamily="49" charset="0"/>
+                        </a:rPr>
+                        <a:t>merge_sort_iterative</a:t>
+                      </a:r>
+                      <a:r>
+                        <a:rPr lang="pt-BR" sz="1800" b="1" dirty="0">
+                          <a:latin typeface="Courier New" panose="02070309020205020404" pitchFamily="49" charset="0"/>
+                          <a:cs typeface="Courier New" panose="02070309020205020404" pitchFamily="49" charset="0"/>
+                        </a:rPr>
+                        <a:t>(L):</a:t>
+                      </a:r>
+                    </a:p>
+                    <a:p>
+                      <a:r>
+                        <a:rPr lang="pt-BR" sz="1800" b="1" dirty="0">
+                          <a:latin typeface="Courier New" panose="02070309020205020404" pitchFamily="49" charset="0"/>
+                          <a:cs typeface="Courier New" panose="02070309020205020404" pitchFamily="49" charset="0"/>
+                        </a:rPr>
+                        <a:t>    Q = [[x] for x in L]</a:t>
+                      </a:r>
+                    </a:p>
+                    <a:p>
+                      <a:r>
+                        <a:rPr lang="pt-BR" sz="1800" b="1" dirty="0">
+                          <a:latin typeface="Courier New" panose="02070309020205020404" pitchFamily="49" charset="0"/>
+                          <a:cs typeface="Courier New" panose="02070309020205020404" pitchFamily="49" charset="0"/>
+                        </a:rPr>
+                        <a:t>    while len(Q) &gt; 1:</a:t>
+                      </a:r>
+                    </a:p>
+                    <a:p>
+                      <a:r>
+                        <a:rPr lang="pt-BR" sz="1800" b="1" dirty="0">
+                          <a:latin typeface="Courier New" panose="02070309020205020404" pitchFamily="49" charset="0"/>
+                          <a:cs typeface="Courier New" panose="02070309020205020404" pitchFamily="49" charset="0"/>
+                        </a:rPr>
+                        <a:t>        Q.insert(0, </a:t>
+                      </a:r>
+                      <a:r>
+                        <a:rPr lang="pt-BR" sz="1800" b="1" dirty="0">
+                          <a:solidFill>
+                            <a:schemeClr val="accent1">
+                              <a:lumMod val="50000"/>
+                            </a:schemeClr>
+                          </a:solidFill>
+                          <a:latin typeface="Courier New" panose="02070309020205020404" pitchFamily="49" charset="0"/>
+                          <a:cs typeface="Courier New" panose="02070309020205020404" pitchFamily="49" charset="0"/>
+                        </a:rPr>
+                        <a:t>merge</a:t>
+                      </a:r>
+                      <a:r>
+                        <a:rPr lang="pt-BR" sz="1800" b="1" dirty="0">
+                          <a:latin typeface="Courier New" panose="02070309020205020404" pitchFamily="49" charset="0"/>
+                          <a:cs typeface="Courier New" panose="02070309020205020404" pitchFamily="49" charset="0"/>
+                        </a:rPr>
+                        <a:t>(Q.pop(), Q.pop()))</a:t>
+                      </a:r>
+                    </a:p>
+                    <a:p>
+                      <a:r>
+                        <a:rPr lang="pt-BR" sz="1800" b="1" dirty="0">
+                          <a:latin typeface="Courier New" panose="02070309020205020404" pitchFamily="49" charset="0"/>
+                          <a:cs typeface="Courier New" panose="02070309020205020404" pitchFamily="49" charset="0"/>
+                        </a:rPr>
+                        <a:t>    return Q[0]</a:t>
+                      </a:r>
+                    </a:p>
+                  </a:txBody>
+                  <a:tcPr>
+                    <a:lnL w="6350" cap="flat" cmpd="sng" algn="ctr">
+                      <a:solidFill>
+                        <a:schemeClr val="tx1"/>
+                      </a:solidFill>
+                      <a:prstDash val="solid"/>
+                      <a:round/>
+                      <a:headEnd type="none" w="med" len="med"/>
+                      <a:tailEnd type="none" w="med" len="med"/>
+                    </a:lnL>
+                    <a:lnR w="6350" cap="flat" cmpd="sng" algn="ctr">
+                      <a:solidFill>
+                        <a:schemeClr val="tx1"/>
+                      </a:solidFill>
+                      <a:prstDash val="solid"/>
+                      <a:round/>
+                      <a:headEnd type="none" w="med" len="med"/>
+                      <a:tailEnd type="none" w="med" len="med"/>
+                    </a:lnR>
+                    <a:lnT w="6350" cap="flat" cmpd="sng" algn="ctr">
+                      <a:solidFill>
+                        <a:schemeClr val="tx1"/>
+                      </a:solidFill>
+                      <a:prstDash val="solid"/>
+                      <a:round/>
+                      <a:headEnd type="none" w="med" len="med"/>
+                      <a:tailEnd type="none" w="med" len="med"/>
+                    </a:lnT>
+                    <a:lnB w="6350" cap="flat" cmpd="sng" algn="ctr">
+                      <a:solidFill>
+                        <a:schemeClr val="tx1"/>
+                      </a:solidFill>
+                      <a:prstDash val="solid"/>
+                      <a:round/>
+                      <a:headEnd type="none" w="med" len="med"/>
+                      <a:tailEnd type="none" w="med" len="med"/>
+                    </a:lnB>
+                    <a:lnTlToBr w="12700" cmpd="sng">
+                      <a:noFill/>
+                      <a:prstDash val="solid"/>
+                    </a:lnTlToBr>
+                    <a:lnBlToTr w="12700" cmpd="sng">
+                      <a:noFill/>
+                      <a:prstDash val="solid"/>
+                    </a:lnBlToTr>
+                    <a:solidFill>
+                      <a:schemeClr val="accent5">
+                        <a:lumMod val="20000"/>
+                        <a:lumOff val="80000"/>
+                      </a:schemeClr>
+                    </a:solidFill>
+                  </a:tcPr>
+                </a:tc>
+                <a:extLst>
+                  <a:ext uri="{0D108BD9-81ED-4DB2-BD59-A6C34878D82A}">
+                    <a16:rowId xmlns:a16="http://schemas.microsoft.com/office/drawing/2014/main" val="4112970457"/>
+                  </a:ext>
+                </a:extLst>
+              </a:tr>
+            </a:tbl>
+          </a:graphicData>
+        </a:graphic>
+      </p:graphicFrame>
+      <p:sp>
+        <p:nvSpPr>
+          <p:cNvPr id="5" name="Smiley Face 4"/>
+          <p:cNvSpPr/>
+          <p:nvPr/>
+        </p:nvSpPr>
+        <p:spPr>
+          <a:xfrm>
+            <a:off x="1736256" y="4205837"/>
+            <a:ext cx="374567" cy="363338"/>
+          </a:xfrm>
+          <a:prstGeom prst="smileyFace">
+            <a:avLst>
+              <a:gd name="adj" fmla="val 4653"/>
+            </a:avLst>
+          </a:prstGeom>
+          <a:solidFill>
+            <a:srgbClr val="FFFF00"/>
+          </a:solidFill>
+          <a:ln>
+            <a:solidFill>
+              <a:schemeClr val="tx1">
+                <a:lumMod val="95000"/>
+                <a:lumOff val="5000"/>
+              </a:schemeClr>
+            </a:solidFill>
+          </a:ln>
+        </p:spPr>
+        <p:style>
+          <a:lnRef idx="2">
+            <a:schemeClr val="accent1">
+              <a:shade val="50000"/>
+            </a:schemeClr>
+          </a:lnRef>
+          <a:fillRef idx="1">
+            <a:schemeClr val="accent1"/>
+          </a:fillRef>
+          <a:effectRef idx="0">
+            <a:schemeClr val="accent1"/>
+          </a:effectRef>
+          <a:fontRef idx="minor">
+            <a:schemeClr val="lt1"/>
+          </a:fontRef>
+        </p:style>
+        <p:txBody>
+          <a:bodyPr rtlCol="0" anchor="ctr"/>
+          <a:lstStyle/>
+          <a:p>
+            <a:pPr algn="ctr"/>
+            <a:endParaRPr lang="en-US" dirty="0"/>
+          </a:p>
+        </p:txBody>
+      </p:sp>
+    </p:spTree>
+    <p:extLst>
+      <p:ext uri="{BB962C8B-B14F-4D97-AF65-F5344CB8AC3E}">
+        <p14:creationId xmlns:p14="http://schemas.microsoft.com/office/powerpoint/2010/main" val="1045333798"/>
+      </p:ext>
+    </p:extLst>
+  </p:cSld>
+  <p:clrMapOvr>
+    <a:masterClrMapping/>
+  </p:clrMapOvr>
+  <p:timing>
+    <p:tnLst>
+      <p:par>
+        <p:cTn id="1" dur="indefinite" restart="never" nodeType="tmRoot">
+          <p:childTnLst>
+            <p:seq concurrent="1" nextAc="seek">
+              <p:cTn id="2" dur="indefinite" nodeType="mainSeq">
+                <p:childTnLst>
+                  <p:par>
+                    <p:cTn id="3" fill="hold">
+                      <p:stCondLst>
+                        <p:cond delay="indefinite"/>
+                      </p:stCondLst>
+                      <p:childTnLst>
+                        <p:par>
+                          <p:cTn id="4" fill="hold">
+                            <p:stCondLst>
+                              <p:cond delay="0"/>
+                            </p:stCondLst>
+                            <p:childTnLst>
+                              <p:par>
+                                <p:cTn id="5" presetID="10" presetClass="entr" presetSubtype="0" fill="hold" grpId="0" nodeType="clickEffect">
+                                  <p:stCondLst>
+                                    <p:cond delay="0"/>
+                                  </p:stCondLst>
+                                  <p:childTnLst>
+                                    <p:set>
+                                      <p:cBhvr>
+                                        <p:cTn id="6" dur="1" fill="hold">
+                                          <p:stCondLst>
+                                            <p:cond delay="0"/>
+                                          </p:stCondLst>
+                                        </p:cTn>
+                                        <p:tgtEl>
+                                          <p:spTgt spid="5"/>
+                                        </p:tgtEl>
+                                        <p:attrNameLst>
+                                          <p:attrName>style.visibility</p:attrName>
+                                        </p:attrNameLst>
+                                      </p:cBhvr>
+                                      <p:to>
+                                        <p:strVal val="visible"/>
+                                      </p:to>
+                                    </p:set>
+                                    <p:animEffect transition="in" filter="fade">
+                                      <p:cBhvr>
+                                        <p:cTn id="7" dur="500"/>
+                                        <p:tgtEl>
+                                          <p:spTgt spid="5"/>
+                                        </p:tgtEl>
+                                      </p:cBhvr>
+                                    </p:animEffect>
+                                  </p:childTnLst>
+                                </p:cTn>
+                              </p:par>
+                            </p:childTnLst>
+                          </p:cTn>
+                        </p:par>
+                      </p:childTnLst>
+                    </p:cTn>
+                  </p:par>
+                </p:childTnLst>
+              </p:cTn>
+              <p:prevCondLst>
+                <p:cond evt="onPrev" delay="0">
+                  <p:tgtEl>
+                    <p:sldTgt/>
+                  </p:tgtEl>
+                </p:cond>
+              </p:prevCondLst>
+              <p:nextCondLst>
+                <p:cond evt="onNext" delay="0">
+                  <p:tgtEl>
+                    <p:sldTgt/>
+                  </p:tgtEl>
+                </p:cond>
+              </p:nextCondLst>
+            </p:seq>
+          </p:childTnLst>
+        </p:cTn>
+      </p:par>
+    </p:tnLst>
+    <p:bldLst>
+      <p:bldP spid="5" grpId="0" animBg="1"/>
+    </p:bldLst>
+  </p:timing>
+</p:sld>
+</file>
+
+<file path=ppt/slides/slide11.xml><?xml version="1.0" encoding="utf-8"?>
+<p:sld xmlns:a="http://schemas.openxmlformats.org/drawingml/2006/main" xmlns:r="http://schemas.openxmlformats.org/officeDocument/2006/relationships" xmlns:p="http://schemas.openxmlformats.org/presentationml/2006/main">
+  <p:cSld>
     <p:spTree>
       <p:nvGrpSpPr>
         <p:cNvPr id="1" name=""/>
@@ -5164,7 +5425,7 @@
           <p:nvPr>
             <p:extLst>
               <p:ext uri="{D42A27DB-BD31-4B8C-83A1-F6EECF244321}">
-                <p14:modId xmlns:p14="http://schemas.microsoft.com/office/powerpoint/2010/main" val="1158974175"/>
+                <p14:modId xmlns:p14="http://schemas.microsoft.com/office/powerpoint/2010/main" val="3859150136"/>
               </p:ext>
             </p:extLst>
           </p:nvPr>
@@ -5335,7 +5596,7 @@
                           <a:latin typeface="Courier New" panose="02070309020205020404" pitchFamily="49" charset="0"/>
                           <a:cs typeface="Courier New" panose="02070309020205020404" pitchFamily="49" charset="0"/>
                         </a:rPr>
-                        <a:t>    idx = random.randint(0, len(L) - 1)</a:t>
+                        <a:t>    idx = random.randrange(len(L))</a:t>
                       </a:r>
                     </a:p>
                     <a:p>
@@ -9452,7 +9713,7 @@
 </p:sld>
 </file>
 
-<file path=ppt/slides/slide11.xml><?xml version="1.0" encoding="utf-8"?>
+<file path=ppt/slides/slide12.xml><?xml version="1.0" encoding="utf-8"?>
 <p:sld xmlns:a="http://schemas.openxmlformats.org/drawingml/2006/main" xmlns:r="http://schemas.openxmlformats.org/officeDocument/2006/relationships" xmlns:p="http://schemas.openxmlformats.org/presentationml/2006/main">
   <p:cSld>
     <p:spTree>
@@ -11765,7 +12026,7 @@
 </p:sld>
 </file>
 
-<file path=ppt/slides/slide12.xml><?xml version="1.0" encoding="utf-8"?>
+<file path=ppt/slides/slide13.xml><?xml version="1.0" encoding="utf-8"?>
 <p:sld xmlns:a="http://schemas.openxmlformats.org/drawingml/2006/main" xmlns:r="http://schemas.openxmlformats.org/officeDocument/2006/relationships" xmlns:p="http://schemas.openxmlformats.org/presentationml/2006/main">
   <p:cSld>
     <p:spTree>
@@ -11861,7 +12122,7 @@
 </p:sld>
 </file>
 
-<file path=ppt/slides/slide13.xml><?xml version="1.0" encoding="utf-8"?>
+<file path=ppt/slides/slide14.xml><?xml version="1.0" encoding="utf-8"?>
 <p:sld xmlns:a="http://schemas.openxmlformats.org/drawingml/2006/main" xmlns:r="http://schemas.openxmlformats.org/officeDocument/2006/relationships" xmlns:p="http://schemas.openxmlformats.org/presentationml/2006/main">
   <p:cSld>
     <p:spTree>
@@ -12311,7 +12572,7 @@
 </p:sld>
 </file>
 
-<file path=ppt/slides/slide14.xml><?xml version="1.0" encoding="utf-8"?>
+<file path=ppt/slides/slide15.xml><?xml version="1.0" encoding="utf-8"?>
 <p:sld xmlns:a="http://schemas.openxmlformats.org/drawingml/2006/main" xmlns:r="http://schemas.openxmlformats.org/officeDocument/2006/relationships" xmlns:p="http://schemas.openxmlformats.org/presentationml/2006/main">
   <p:cSld>
     <p:spTree>
@@ -13254,7 +13515,7 @@
 </p:sld>
 </file>
 
-<file path=ppt/slides/slide15.xml><?xml version="1.0" encoding="utf-8"?>
+<file path=ppt/slides/slide16.xml><?xml version="1.0" encoding="utf-8"?>
 <p:sld xmlns:a="http://schemas.openxmlformats.org/drawingml/2006/main" xmlns:r="http://schemas.openxmlformats.org/officeDocument/2006/relationships" xmlns:p="http://schemas.openxmlformats.org/presentationml/2006/main">
   <p:cSld>
     <p:spTree>
@@ -14528,7 +14789,7 @@
 </p:sld>
 </file>
 
-<file path=ppt/slides/slide16.xml><?xml version="1.0" encoding="utf-8"?>
+<file path=ppt/slides/slide17.xml><?xml version="1.0" encoding="utf-8"?>
 <p:sld xmlns:a="http://schemas.openxmlformats.org/drawingml/2006/main" xmlns:r="http://schemas.openxmlformats.org/officeDocument/2006/relationships" xmlns:p="http://schemas.openxmlformats.org/presentationml/2006/main">
   <p:cSld>
     <p:spTree>
@@ -16174,7 +16435,7 @@
 </p:sld>
 </file>
 
-<file path=ppt/slides/slide17.xml><?xml version="1.0" encoding="utf-8"?>
+<file path=ppt/slides/slide18.xml><?xml version="1.0" encoding="utf-8"?>
 <p:sld xmlns:a="http://schemas.openxmlformats.org/drawingml/2006/main" xmlns:r="http://schemas.openxmlformats.org/officeDocument/2006/relationships" xmlns:p="http://schemas.openxmlformats.org/presentationml/2006/main">
   <p:cSld>
     <p:spTree>
@@ -17989,7 +18250,7 @@
 </p:sld>
 </file>
 
-<file path=ppt/slides/slide18.xml><?xml version="1.0" encoding="utf-8"?>
+<file path=ppt/slides/slide19.xml><?xml version="1.0" encoding="utf-8"?>
 <p:sld xmlns:a="http://schemas.openxmlformats.org/drawingml/2006/main" xmlns:r="http://schemas.openxmlformats.org/officeDocument/2006/relationships" xmlns:p="http://schemas.openxmlformats.org/presentationml/2006/main">
   <p:cSld>
     <p:spTree>
@@ -18841,1208 +19102,6 @@
 </p:sld>
 </file>
 
-<file path=ppt/slides/slide19.xml><?xml version="1.0" encoding="utf-8"?>
-<p:sld xmlns:a="http://schemas.openxmlformats.org/drawingml/2006/main" xmlns:r="http://schemas.openxmlformats.org/officeDocument/2006/relationships" xmlns:p="http://schemas.openxmlformats.org/presentationml/2006/main">
-  <p:cSld>
-    <p:spTree>
-      <p:nvGrpSpPr>
-        <p:cNvPr id="1" name=""/>
-        <p:cNvGrpSpPr/>
-        <p:nvPr/>
-      </p:nvGrpSpPr>
-      <p:grpSpPr>
-        <a:xfrm>
-          <a:off x="0" y="0"/>
-          <a:ext cx="0" cy="0"/>
-          <a:chOff x="0" y="0"/>
-          <a:chExt cx="0" cy="0"/>
-        </a:xfrm>
-      </p:grpSpPr>
-      <p:sp>
-        <p:nvSpPr>
-          <p:cNvPr id="2" name="Title 1"/>
-          <p:cNvSpPr>
-            <a:spLocks noGrp="1"/>
-          </p:cNvSpPr>
-          <p:nvPr>
-            <p:ph type="title"/>
-          </p:nvPr>
-        </p:nvSpPr>
-        <p:spPr/>
-        <p:txBody>
-          <a:bodyPr/>
-          <a:lstStyle/>
-          <a:p>
-            <a:r>
-              <a:rPr lang="da-DK" dirty="0" err="1"/>
-              <a:t>Maze</a:t>
-            </a:r>
-            <a:r>
-              <a:rPr lang="da-DK" dirty="0"/>
-              <a:t> </a:t>
-            </a:r>
-            <a:r>
-              <a:rPr lang="da-DK" dirty="0" err="1"/>
-              <a:t>solver</a:t>
-            </a:r>
-            <a:endParaRPr lang="en-US" dirty="0"/>
-          </a:p>
-        </p:txBody>
-      </p:sp>
-      <p:sp>
-        <p:nvSpPr>
-          <p:cNvPr id="3" name="Content Placeholder 2"/>
-          <p:cNvSpPr>
-            <a:spLocks noGrp="1"/>
-          </p:cNvSpPr>
-          <p:nvPr>
-            <p:ph idx="1"/>
-          </p:nvPr>
-        </p:nvSpPr>
-        <p:spPr>
-          <a:xfrm>
-            <a:off x="915838" y="1957428"/>
-            <a:ext cx="6459747" cy="4031712"/>
-          </a:xfrm>
-        </p:spPr>
-        <p:txBody>
-          <a:bodyPr>
-            <a:normAutofit/>
-          </a:bodyPr>
-          <a:lstStyle/>
-          <a:p>
-            <a:pPr marL="0" indent="0">
-              <a:buNone/>
-            </a:pPr>
-            <a:r>
-              <a:rPr lang="da-DK" dirty="0">
-                <a:solidFill>
-                  <a:schemeClr val="accent1">
-                    <a:lumMod val="50000"/>
-                  </a:schemeClr>
-                </a:solidFill>
-              </a:rPr>
-              <a:t>Input</a:t>
-            </a:r>
-          </a:p>
-          <a:p>
-            <a:pPr lvl="1"/>
-            <a:r>
-              <a:rPr lang="da-DK" dirty="0"/>
-              <a:t>First line #</a:t>
-            </a:r>
-            <a:r>
-              <a:rPr lang="da-DK" dirty="0" err="1"/>
-              <a:t>rows</a:t>
-            </a:r>
-            <a:r>
-              <a:rPr lang="da-DK" dirty="0"/>
-              <a:t> and #columns</a:t>
-            </a:r>
-          </a:p>
-          <a:p>
-            <a:pPr lvl="1"/>
-            <a:r>
-              <a:rPr lang="da-DK" dirty="0" err="1"/>
-              <a:t>Following</a:t>
-            </a:r>
-            <a:r>
-              <a:rPr lang="da-DK" dirty="0"/>
-              <a:t> #</a:t>
-            </a:r>
-            <a:r>
-              <a:rPr lang="da-DK" dirty="0" err="1"/>
-              <a:t>rows</a:t>
-            </a:r>
-            <a:r>
-              <a:rPr lang="da-DK" dirty="0"/>
-              <a:t> lines </a:t>
-            </a:r>
-            <a:r>
-              <a:rPr lang="da-DK" dirty="0" err="1"/>
-              <a:t>contain</a:t>
-            </a:r>
-            <a:r>
-              <a:rPr lang="da-DK" dirty="0"/>
-              <a:t> </a:t>
-            </a:r>
-            <a:r>
-              <a:rPr lang="da-DK" dirty="0" err="1"/>
-              <a:t>strings</a:t>
-            </a:r>
-            <a:r>
-              <a:rPr lang="da-DK" dirty="0"/>
-              <a:t> </a:t>
-            </a:r>
-            <a:r>
-              <a:rPr lang="da-DK" dirty="0" err="1"/>
-              <a:t>containing</a:t>
-            </a:r>
-            <a:r>
-              <a:rPr lang="da-DK" dirty="0"/>
-              <a:t> #column </a:t>
-            </a:r>
-            <a:r>
-              <a:rPr lang="da-DK" dirty="0" err="1"/>
-              <a:t>characters</a:t>
-            </a:r>
-            <a:endParaRPr lang="da-DK" dirty="0"/>
-          </a:p>
-          <a:p>
-            <a:pPr lvl="1"/>
-            <a:r>
-              <a:rPr lang="da-DK" dirty="0" err="1"/>
-              <a:t>There</a:t>
-            </a:r>
-            <a:r>
-              <a:rPr lang="da-DK" dirty="0"/>
-              <a:t> </a:t>
-            </a:r>
-            <a:r>
-              <a:rPr lang="da-DK" dirty="0" err="1"/>
-              <a:t>are</a:t>
-            </a:r>
-            <a:r>
-              <a:rPr lang="da-DK" dirty="0"/>
-              <a:t> </a:t>
-            </a:r>
-            <a:r>
-              <a:rPr lang="da-DK" dirty="0" err="1"/>
-              <a:t>exactly</a:t>
-            </a:r>
-            <a:r>
-              <a:rPr lang="da-DK" dirty="0"/>
-              <a:t> </a:t>
-            </a:r>
-            <a:r>
-              <a:rPr lang="da-DK" dirty="0" err="1"/>
-              <a:t>one</a:t>
-            </a:r>
-            <a:r>
-              <a:rPr lang="da-DK" dirty="0"/>
-              <a:t> '</a:t>
-            </a:r>
-            <a:r>
-              <a:rPr lang="da-DK" dirty="0">
-                <a:latin typeface="Courier" pitchFamily="49" charset="0"/>
-              </a:rPr>
-              <a:t>A</a:t>
-            </a:r>
-            <a:r>
-              <a:rPr lang="da-DK" dirty="0"/>
-              <a:t>' and </a:t>
-            </a:r>
-            <a:r>
-              <a:rPr lang="da-DK" dirty="0" err="1"/>
-              <a:t>one</a:t>
-            </a:r>
-            <a:r>
-              <a:rPr lang="da-DK" dirty="0"/>
-              <a:t> '</a:t>
-            </a:r>
-            <a:r>
-              <a:rPr lang="da-DK" dirty="0">
-                <a:latin typeface="Courier" pitchFamily="49" charset="0"/>
-              </a:rPr>
-              <a:t>B</a:t>
-            </a:r>
-            <a:r>
-              <a:rPr lang="da-DK" dirty="0"/>
-              <a:t>'</a:t>
-            </a:r>
-          </a:p>
-          <a:p>
-            <a:pPr lvl="1"/>
-            <a:r>
-              <a:rPr lang="da-DK" dirty="0"/>
-              <a:t>'</a:t>
-            </a:r>
-            <a:r>
-              <a:rPr lang="da-DK" dirty="0">
-                <a:latin typeface="Courier" pitchFamily="49" charset="0"/>
-              </a:rPr>
-              <a:t>.</a:t>
-            </a:r>
-            <a:r>
-              <a:rPr lang="da-DK" dirty="0"/>
-              <a:t>' </a:t>
-            </a:r>
-            <a:r>
-              <a:rPr lang="da-DK" dirty="0" err="1"/>
-              <a:t>are</a:t>
-            </a:r>
-            <a:r>
-              <a:rPr lang="da-DK" dirty="0"/>
-              <a:t> </a:t>
-            </a:r>
-            <a:r>
-              <a:rPr lang="da-DK" dirty="0" err="1"/>
-              <a:t>free</a:t>
-            </a:r>
-            <a:r>
-              <a:rPr lang="da-DK" dirty="0"/>
-              <a:t> </a:t>
-            </a:r>
-            <a:r>
-              <a:rPr lang="da-DK" dirty="0" err="1"/>
-              <a:t>cells</a:t>
-            </a:r>
-            <a:r>
-              <a:rPr lang="da-DK" dirty="0"/>
-              <a:t> and '</a:t>
-            </a:r>
-            <a:r>
-              <a:rPr lang="da-DK" dirty="0">
-                <a:latin typeface="Courier" pitchFamily="49" charset="0"/>
-              </a:rPr>
-              <a:t>#</a:t>
-            </a:r>
-            <a:r>
-              <a:rPr lang="da-DK" dirty="0"/>
-              <a:t>' </a:t>
-            </a:r>
-            <a:r>
-              <a:rPr lang="da-DK" dirty="0" err="1"/>
-              <a:t>are</a:t>
-            </a:r>
-            <a:r>
-              <a:rPr lang="da-DK" dirty="0"/>
-              <a:t> </a:t>
-            </a:r>
-            <a:r>
-              <a:rPr lang="da-DK" dirty="0" err="1"/>
-              <a:t>blocked</a:t>
-            </a:r>
-            <a:r>
-              <a:rPr lang="da-DK" dirty="0"/>
-              <a:t> </a:t>
-            </a:r>
-            <a:r>
-              <a:rPr lang="da-DK" dirty="0" err="1"/>
-              <a:t>cells</a:t>
-            </a:r>
-            <a:endParaRPr lang="da-DK" dirty="0"/>
-          </a:p>
-          <a:p>
-            <a:pPr lvl="1"/>
-            <a:endParaRPr lang="da-DK" dirty="0"/>
-          </a:p>
-          <a:p>
-            <a:pPr marL="0" indent="0">
-              <a:buNone/>
-            </a:pPr>
-            <a:r>
-              <a:rPr lang="da-DK" dirty="0">
-                <a:solidFill>
-                  <a:schemeClr val="accent1">
-                    <a:lumMod val="50000"/>
-                  </a:schemeClr>
-                </a:solidFill>
-              </a:rPr>
-              <a:t>Output</a:t>
-            </a:r>
-          </a:p>
-          <a:p>
-            <a:pPr lvl="1"/>
-            <a:r>
-              <a:rPr lang="da-DK" dirty="0"/>
-              <a:t>Print </a:t>
-            </a:r>
-            <a:r>
-              <a:rPr lang="da-DK" dirty="0" err="1"/>
-              <a:t>whether</a:t>
-            </a:r>
-            <a:r>
-              <a:rPr lang="da-DK" dirty="0"/>
-              <a:t> </a:t>
-            </a:r>
-            <a:r>
-              <a:rPr lang="da-DK" dirty="0" err="1"/>
-              <a:t>there</a:t>
-            </a:r>
-            <a:r>
-              <a:rPr lang="da-DK" dirty="0"/>
-              <a:t> is a </a:t>
-            </a:r>
-            <a:r>
-              <a:rPr lang="da-DK" dirty="0" err="1"/>
-              <a:t>path</a:t>
-            </a:r>
-            <a:r>
-              <a:rPr lang="da-DK" dirty="0"/>
-              <a:t> from '</a:t>
-            </a:r>
-            <a:r>
-              <a:rPr lang="da-DK" dirty="0">
-                <a:latin typeface="Courier" pitchFamily="49" charset="0"/>
-              </a:rPr>
-              <a:t>A</a:t>
-            </a:r>
-            <a:r>
-              <a:rPr lang="da-DK" dirty="0"/>
-              <a:t>' to '</a:t>
-            </a:r>
-            <a:r>
-              <a:rPr lang="da-DK" dirty="0">
-                <a:latin typeface="Courier" pitchFamily="49" charset="0"/>
-              </a:rPr>
-              <a:t>B</a:t>
-            </a:r>
-            <a:r>
-              <a:rPr lang="da-DK" dirty="0"/>
-              <a:t>' or not</a:t>
-            </a:r>
-          </a:p>
-        </p:txBody>
-      </p:sp>
-      <p:graphicFrame>
-        <p:nvGraphicFramePr>
-          <p:cNvPr id="6" name="Table 5"/>
-          <p:cNvGraphicFramePr>
-            <a:graphicFrameLocks noGrp="1"/>
-          </p:cNvGraphicFramePr>
-          <p:nvPr>
-            <p:extLst>
-              <p:ext uri="{D42A27DB-BD31-4B8C-83A1-F6EECF244321}">
-                <p14:modId xmlns:p14="http://schemas.microsoft.com/office/powerpoint/2010/main" val="989344803"/>
-              </p:ext>
-            </p:extLst>
-          </p:nvPr>
-        </p:nvGraphicFramePr>
-        <p:xfrm>
-          <a:off x="8039800" y="1245019"/>
-          <a:ext cx="3657619" cy="5010861"/>
-        </p:xfrm>
-        <a:graphic>
-          <a:graphicData uri="http://schemas.openxmlformats.org/drawingml/2006/table">
-            <a:tbl>
-              <a:tblPr firstRow="1" bandRow="1">
-                <a:tableStyleId>{5C22544A-7EE6-4342-B048-85BDC9FD1C3A}</a:tableStyleId>
-              </a:tblPr>
-              <a:tblGrid>
-                <a:gridCol w="3657619">
-                  <a:extLst>
-                    <a:ext uri="{9D8B030D-6E8A-4147-A177-3AD203B41FA5}">
-                      <a16:colId xmlns:a16="http://schemas.microsoft.com/office/drawing/2014/main" val="1873682825"/>
-                    </a:ext>
-                  </a:extLst>
-                </a:gridCol>
-              </a:tblGrid>
-              <a:tr h="429591">
-                <a:tc>
-                  <a:txBody>
-                    <a:bodyPr/>
-                    <a:lstStyle/>
-                    <a:p>
-                      <a:pPr marL="0" marR="0" lvl="0" indent="0" algn="l" defTabSz="914400" rtl="0" eaLnBrk="1" fontAlgn="auto" latinLnBrk="0" hangingPunct="1">
-                        <a:lnSpc>
-                          <a:spcPct val="100000"/>
-                        </a:lnSpc>
-                        <a:spcBef>
-                          <a:spcPts val="0"/>
-                        </a:spcBef>
-                        <a:spcAft>
-                          <a:spcPts val="0"/>
-                        </a:spcAft>
-                        <a:buClrTx/>
-                        <a:buSzTx/>
-                        <a:buFontTx/>
-                        <a:buNone/>
-                        <a:tabLst/>
-                        <a:defRPr/>
-                      </a:pPr>
-                      <a:r>
-                        <a:rPr lang="da-DK" sz="2400" b="0" dirty="0" err="1">
-                          <a:latin typeface="+mn-lt"/>
-                          <a:cs typeface="Courier New" panose="02070309020205020404" pitchFamily="49" charset="0"/>
-                        </a:rPr>
-                        <a:t>maze</a:t>
-                      </a:r>
-                      <a:r>
-                        <a:rPr lang="da-DK" sz="2400" b="0" dirty="0">
-                          <a:latin typeface="+mn-lt"/>
-                          <a:cs typeface="Courier New" panose="02070309020205020404" pitchFamily="49" charset="0"/>
-                        </a:rPr>
-                        <a:t> input</a:t>
-                      </a:r>
-                      <a:endParaRPr lang="da-DK" sz="2400" b="0" dirty="0">
-                        <a:latin typeface="+mn-lt"/>
-                      </a:endParaRPr>
-                    </a:p>
-                  </a:txBody>
-                  <a:tcPr anchor="ctr">
-                    <a:lnL w="6350" cap="flat" cmpd="sng" algn="ctr">
-                      <a:solidFill>
-                        <a:schemeClr val="tx1"/>
-                      </a:solidFill>
-                      <a:prstDash val="solid"/>
-                      <a:round/>
-                      <a:headEnd type="none" w="med" len="med"/>
-                      <a:tailEnd type="none" w="med" len="med"/>
-                    </a:lnL>
-                    <a:lnR w="6350" cap="flat" cmpd="sng" algn="ctr">
-                      <a:solidFill>
-                        <a:schemeClr val="tx1"/>
-                      </a:solidFill>
-                      <a:prstDash val="solid"/>
-                      <a:round/>
-                      <a:headEnd type="none" w="med" len="med"/>
-                      <a:tailEnd type="none" w="med" len="med"/>
-                    </a:lnR>
-                    <a:lnT w="6350" cap="flat" cmpd="sng" algn="ctr">
-                      <a:solidFill>
-                        <a:schemeClr val="tx1"/>
-                      </a:solidFill>
-                      <a:prstDash val="solid"/>
-                      <a:round/>
-                      <a:headEnd type="none" w="med" len="med"/>
-                      <a:tailEnd type="none" w="med" len="med"/>
-                    </a:lnT>
-                    <a:lnB w="6350" cap="flat" cmpd="sng" algn="ctr">
-                      <a:solidFill>
-                        <a:schemeClr val="tx1"/>
-                      </a:solidFill>
-                      <a:prstDash val="solid"/>
-                      <a:round/>
-                      <a:headEnd type="none" w="med" len="med"/>
-                      <a:tailEnd type="none" w="med" len="med"/>
-                    </a:lnB>
-                    <a:lnTlToBr w="12700" cmpd="sng">
-                      <a:noFill/>
-                      <a:prstDash val="solid"/>
-                    </a:lnTlToBr>
-                    <a:lnBlToTr w="12700" cmpd="sng">
-                      <a:noFill/>
-                      <a:prstDash val="solid"/>
-                    </a:lnBlToTr>
-                    <a:solidFill>
-                      <a:schemeClr val="accent1">
-                        <a:lumMod val="50000"/>
-                      </a:schemeClr>
-                    </a:solidFill>
-                  </a:tcPr>
-                </a:tc>
-                <a:extLst>
-                  <a:ext uri="{0D108BD9-81ED-4DB2-BD59-A6C34878D82A}">
-                    <a16:rowId xmlns:a16="http://schemas.microsoft.com/office/drawing/2014/main" val="3330819881"/>
-                  </a:ext>
-                </a:extLst>
-              </a:tr>
-              <a:tr h="4553661">
-                <a:tc>
-                  <a:txBody>
-                    <a:bodyPr/>
-                    <a:lstStyle/>
-                    <a:p>
-                      <a:pPr marL="0" marR="0" lvl="0" indent="0" algn="l" defTabSz="914400" rtl="0" eaLnBrk="1" fontAlgn="auto" latinLnBrk="0" hangingPunct="1">
-                        <a:lnSpc>
-                          <a:spcPct val="100000"/>
-                        </a:lnSpc>
-                        <a:spcBef>
-                          <a:spcPts val="0"/>
-                        </a:spcBef>
-                        <a:spcAft>
-                          <a:spcPts val="0"/>
-                        </a:spcAft>
-                        <a:buClr>
-                          <a:schemeClr val="accent1">
-                            <a:lumMod val="50000"/>
-                          </a:schemeClr>
-                        </a:buClr>
-                        <a:buSzTx/>
-                        <a:buFont typeface="Wingdings" panose="05000000000000000000" pitchFamily="2" charset="2"/>
-                        <a:buNone/>
-                        <a:tabLst/>
-                        <a:defRPr/>
-                      </a:pPr>
-                      <a:r>
-                        <a:rPr lang="en-US" sz="2400" dirty="0">
-                          <a:latin typeface="Courier" pitchFamily="49" charset="0"/>
-                        </a:rPr>
-                        <a:t>11 19</a:t>
-                      </a:r>
-                    </a:p>
-                    <a:p>
-                      <a:pPr marL="0" marR="0" lvl="0" indent="0" algn="l" defTabSz="914400" rtl="0" eaLnBrk="1" fontAlgn="auto" latinLnBrk="0" hangingPunct="1">
-                        <a:lnSpc>
-                          <a:spcPct val="100000"/>
-                        </a:lnSpc>
-                        <a:spcBef>
-                          <a:spcPts val="0"/>
-                        </a:spcBef>
-                        <a:spcAft>
-                          <a:spcPts val="0"/>
-                        </a:spcAft>
-                        <a:buClr>
-                          <a:schemeClr val="accent1">
-                            <a:lumMod val="50000"/>
-                          </a:schemeClr>
-                        </a:buClr>
-                        <a:buSzTx/>
-                        <a:buFont typeface="Wingdings" panose="05000000000000000000" pitchFamily="2" charset="2"/>
-                        <a:buNone/>
-                        <a:tabLst/>
-                        <a:defRPr/>
-                      </a:pPr>
-                      <a:r>
-                        <a:rPr lang="en-US" sz="2400" dirty="0">
-                          <a:latin typeface="Courier" pitchFamily="49" charset="0"/>
-                        </a:rPr>
-                        <a:t>#######</a:t>
-                      </a:r>
-                      <a:r>
-                        <a:rPr lang="en-US" sz="2400" b="1" dirty="0">
-                          <a:solidFill>
-                            <a:srgbClr val="C00000"/>
-                          </a:solidFill>
-                          <a:latin typeface="Courier" pitchFamily="49" charset="0"/>
-                        </a:rPr>
-                        <a:t>A</a:t>
-                      </a:r>
-                      <a:r>
-                        <a:rPr lang="en-US" sz="2400" dirty="0">
-                          <a:latin typeface="Courier" pitchFamily="49" charset="0"/>
-                        </a:rPr>
-                        <a:t>###########</a:t>
-                      </a:r>
-                    </a:p>
-                    <a:p>
-                      <a:pPr marL="0" marR="0" lvl="0" indent="0" algn="l" defTabSz="914400" rtl="0" eaLnBrk="1" fontAlgn="auto" latinLnBrk="0" hangingPunct="1">
-                        <a:lnSpc>
-                          <a:spcPct val="100000"/>
-                        </a:lnSpc>
-                        <a:spcBef>
-                          <a:spcPts val="0"/>
-                        </a:spcBef>
-                        <a:spcAft>
-                          <a:spcPts val="0"/>
-                        </a:spcAft>
-                        <a:buClr>
-                          <a:schemeClr val="accent1">
-                            <a:lumMod val="50000"/>
-                          </a:schemeClr>
-                        </a:buClr>
-                        <a:buSzTx/>
-                        <a:buFont typeface="Wingdings" panose="05000000000000000000" pitchFamily="2" charset="2"/>
-                        <a:buNone/>
-                        <a:tabLst/>
-                        <a:defRPr/>
-                      </a:pPr>
-                      <a:r>
-                        <a:rPr lang="en-US" sz="2400" dirty="0">
-                          <a:latin typeface="Courier" pitchFamily="49" charset="0"/>
-                        </a:rPr>
-                        <a:t>#....</a:t>
-                      </a:r>
-                      <a:r>
-                        <a:rPr lang="en-US" sz="2400" b="0" dirty="0">
-                          <a:solidFill>
-                            <a:srgbClr val="C00000"/>
-                          </a:solidFill>
-                          <a:latin typeface="Courier" pitchFamily="49" charset="0"/>
-                        </a:rPr>
-                        <a:t>...</a:t>
-                      </a:r>
-                      <a:r>
-                        <a:rPr lang="en-US" sz="2400" dirty="0">
-                          <a:latin typeface="Courier" pitchFamily="49" charset="0"/>
-                        </a:rPr>
-                        <a:t>#..</a:t>
-                      </a:r>
-                      <a:r>
-                        <a:rPr lang="en-US" sz="2400" dirty="0">
-                          <a:solidFill>
-                            <a:srgbClr val="C00000"/>
-                          </a:solidFill>
-                          <a:latin typeface="Courier" pitchFamily="49" charset="0"/>
-                        </a:rPr>
-                        <a:t>...</a:t>
-                      </a:r>
-                      <a:r>
-                        <a:rPr lang="en-US" sz="2400" dirty="0">
-                          <a:latin typeface="Courier" pitchFamily="49" charset="0"/>
-                        </a:rPr>
-                        <a:t>#</a:t>
-                      </a:r>
-                      <a:r>
-                        <a:rPr lang="en-US" sz="2400" dirty="0">
-                          <a:solidFill>
-                            <a:srgbClr val="C00000"/>
-                          </a:solidFill>
-                          <a:latin typeface="Courier" pitchFamily="49" charset="0"/>
-                        </a:rPr>
-                        <a:t>...</a:t>
-                      </a:r>
-                      <a:r>
-                        <a:rPr lang="en-US" sz="2400" dirty="0">
-                          <a:latin typeface="Courier" pitchFamily="49" charset="0"/>
-                        </a:rPr>
-                        <a:t>#</a:t>
-                      </a:r>
-                    </a:p>
-                    <a:p>
-                      <a:pPr marL="0" marR="0" lvl="0" indent="0" algn="l" defTabSz="914400" rtl="0" eaLnBrk="1" fontAlgn="auto" latinLnBrk="0" hangingPunct="1">
-                        <a:lnSpc>
-                          <a:spcPct val="100000"/>
-                        </a:lnSpc>
-                        <a:spcBef>
-                          <a:spcPts val="0"/>
-                        </a:spcBef>
-                        <a:spcAft>
-                          <a:spcPts val="0"/>
-                        </a:spcAft>
-                        <a:buClr>
-                          <a:schemeClr val="accent1">
-                            <a:lumMod val="50000"/>
-                          </a:schemeClr>
-                        </a:buClr>
-                        <a:buSzTx/>
-                        <a:buFont typeface="Wingdings" panose="05000000000000000000" pitchFamily="2" charset="2"/>
-                        <a:buNone/>
-                        <a:tabLst/>
-                        <a:defRPr/>
-                      </a:pPr>
-                      <a:r>
-                        <a:rPr lang="en-US" sz="2400" dirty="0">
-                          <a:latin typeface="Courier" pitchFamily="49" charset="0"/>
-                        </a:rPr>
-                        <a:t>#.###</a:t>
-                      </a:r>
-                      <a:r>
-                        <a:rPr lang="en-US" sz="2400" dirty="0">
-                          <a:solidFill>
-                            <a:srgbClr val="C00000"/>
-                          </a:solidFill>
-                          <a:latin typeface="Courier" pitchFamily="49" charset="0"/>
-                        </a:rPr>
-                        <a:t>.</a:t>
-                      </a:r>
-                      <a:r>
-                        <a:rPr lang="en-US" sz="2400" dirty="0">
-                          <a:latin typeface="Courier" pitchFamily="49" charset="0"/>
-                        </a:rPr>
-                        <a:t>###</a:t>
-                      </a:r>
-                      <a:r>
-                        <a:rPr lang="en-US" sz="2400" dirty="0">
-                          <a:solidFill>
-                            <a:srgbClr val="C00000"/>
-                          </a:solidFill>
-                          <a:latin typeface="Courier" pitchFamily="49" charset="0"/>
-                        </a:rPr>
-                        <a:t>...</a:t>
-                      </a:r>
-                      <a:r>
-                        <a:rPr lang="en-US" sz="2400" dirty="0">
-                          <a:latin typeface="Courier" pitchFamily="49" charset="0"/>
-                        </a:rPr>
-                        <a:t>#</a:t>
-                      </a:r>
-                      <a:r>
-                        <a:rPr lang="en-US" sz="2400" dirty="0">
-                          <a:solidFill>
-                            <a:srgbClr val="C00000"/>
-                          </a:solidFill>
-                          <a:latin typeface="Courier" pitchFamily="49" charset="0"/>
-                        </a:rPr>
-                        <a:t>.</a:t>
-                      </a:r>
-                      <a:r>
-                        <a:rPr lang="en-US" sz="2400" dirty="0">
-                          <a:latin typeface="Courier" pitchFamily="49" charset="0"/>
-                        </a:rPr>
-                        <a:t>#</a:t>
-                      </a:r>
-                      <a:r>
-                        <a:rPr lang="en-US" sz="2400" dirty="0">
-                          <a:solidFill>
-                            <a:srgbClr val="C00000"/>
-                          </a:solidFill>
-                          <a:latin typeface="Courier" pitchFamily="49" charset="0"/>
-                        </a:rPr>
-                        <a:t>.</a:t>
-                      </a:r>
-                      <a:r>
-                        <a:rPr lang="en-US" sz="2400" dirty="0">
-                          <a:latin typeface="Courier" pitchFamily="49" charset="0"/>
-                        </a:rPr>
-                        <a:t>#</a:t>
-                      </a:r>
-                      <a:r>
-                        <a:rPr lang="en-US" sz="2400" dirty="0">
-                          <a:solidFill>
-                            <a:srgbClr val="C00000"/>
-                          </a:solidFill>
-                          <a:latin typeface="Courier" pitchFamily="49" charset="0"/>
-                        </a:rPr>
-                        <a:t>.</a:t>
-                      </a:r>
-                      <a:r>
-                        <a:rPr lang="en-US" sz="2400" dirty="0">
-                          <a:latin typeface="Courier" pitchFamily="49" charset="0"/>
-                        </a:rPr>
-                        <a:t>#</a:t>
-                      </a:r>
-                    </a:p>
-                    <a:p>
-                      <a:pPr marL="0" marR="0" lvl="0" indent="0" algn="l" defTabSz="914400" rtl="0" eaLnBrk="1" fontAlgn="auto" latinLnBrk="0" hangingPunct="1">
-                        <a:lnSpc>
-                          <a:spcPct val="100000"/>
-                        </a:lnSpc>
-                        <a:spcBef>
-                          <a:spcPts val="0"/>
-                        </a:spcBef>
-                        <a:spcAft>
-                          <a:spcPts val="0"/>
-                        </a:spcAft>
-                        <a:buClr>
-                          <a:schemeClr val="accent1">
-                            <a:lumMod val="50000"/>
-                          </a:schemeClr>
-                        </a:buClr>
-                        <a:buSzTx/>
-                        <a:buFont typeface="Wingdings" panose="05000000000000000000" pitchFamily="2" charset="2"/>
-                        <a:buNone/>
-                        <a:tabLst/>
-                        <a:defRPr/>
-                      </a:pPr>
-                      <a:r>
-                        <a:rPr lang="en-US" sz="2400" dirty="0">
-                          <a:latin typeface="Courier" pitchFamily="49" charset="0"/>
-                        </a:rPr>
-                        <a:t>#...#</a:t>
-                      </a:r>
-                      <a:r>
-                        <a:rPr lang="en-US" sz="2400" dirty="0">
-                          <a:solidFill>
-                            <a:srgbClr val="C00000"/>
-                          </a:solidFill>
-                          <a:latin typeface="Courier" pitchFamily="49" charset="0"/>
-                        </a:rPr>
-                        <a:t>.....</a:t>
-                      </a:r>
-                      <a:r>
-                        <a:rPr lang="en-US" sz="2400" dirty="0">
-                          <a:latin typeface="Courier" pitchFamily="49" charset="0"/>
-                        </a:rPr>
-                        <a:t>#.#</a:t>
-                      </a:r>
-                      <a:r>
-                        <a:rPr lang="en-US" sz="2400" dirty="0">
-                          <a:solidFill>
-                            <a:srgbClr val="C00000"/>
-                          </a:solidFill>
-                          <a:latin typeface="Courier" pitchFamily="49" charset="0"/>
-                        </a:rPr>
-                        <a:t>...</a:t>
-                      </a:r>
-                      <a:r>
-                        <a:rPr lang="en-US" sz="2400" dirty="0">
-                          <a:latin typeface="Courier" pitchFamily="49" charset="0"/>
-                        </a:rPr>
-                        <a:t>#</a:t>
-                      </a:r>
-                      <a:r>
-                        <a:rPr lang="en-US" sz="2400" dirty="0">
-                          <a:solidFill>
-                            <a:srgbClr val="C00000"/>
-                          </a:solidFill>
-                          <a:latin typeface="Courier" pitchFamily="49" charset="0"/>
-                        </a:rPr>
-                        <a:t>.</a:t>
-                      </a:r>
-                      <a:r>
-                        <a:rPr lang="en-US" sz="2400" dirty="0">
-                          <a:latin typeface="Courier" pitchFamily="49" charset="0"/>
-                        </a:rPr>
-                        <a:t>#</a:t>
-                      </a:r>
-                    </a:p>
-                    <a:p>
-                      <a:pPr marL="0" marR="0" lvl="0" indent="0" algn="l" defTabSz="914400" rtl="0" eaLnBrk="1" fontAlgn="auto" latinLnBrk="0" hangingPunct="1">
-                        <a:lnSpc>
-                          <a:spcPct val="100000"/>
-                        </a:lnSpc>
-                        <a:spcBef>
-                          <a:spcPts val="0"/>
-                        </a:spcBef>
-                        <a:spcAft>
-                          <a:spcPts val="0"/>
-                        </a:spcAft>
-                        <a:buClr>
-                          <a:schemeClr val="accent1">
-                            <a:lumMod val="50000"/>
-                          </a:schemeClr>
-                        </a:buClr>
-                        <a:buSzTx/>
-                        <a:buFont typeface="Wingdings" panose="05000000000000000000" pitchFamily="2" charset="2"/>
-                        <a:buNone/>
-                        <a:tabLst/>
-                        <a:defRPr/>
-                      </a:pPr>
-                      <a:r>
-                        <a:rPr lang="en-US" sz="2400" dirty="0">
-                          <a:latin typeface="Courier" pitchFamily="49" charset="0"/>
-                        </a:rPr>
-                        <a:t>#.#.###.#.#.#.###</a:t>
-                      </a:r>
-                      <a:r>
-                        <a:rPr lang="en-US" sz="2400" dirty="0">
-                          <a:solidFill>
-                            <a:srgbClr val="C00000"/>
-                          </a:solidFill>
-                          <a:latin typeface="Courier" pitchFamily="49" charset="0"/>
-                        </a:rPr>
-                        <a:t>.</a:t>
-                      </a:r>
-                      <a:r>
-                        <a:rPr lang="en-US" sz="2400" dirty="0">
-                          <a:latin typeface="Courier" pitchFamily="49" charset="0"/>
-                        </a:rPr>
-                        <a:t>#</a:t>
-                      </a:r>
-                    </a:p>
-                    <a:p>
-                      <a:pPr marL="0" marR="0" lvl="0" indent="0" algn="l" defTabSz="914400" rtl="0" eaLnBrk="1" fontAlgn="auto" latinLnBrk="0" hangingPunct="1">
-                        <a:lnSpc>
-                          <a:spcPct val="100000"/>
-                        </a:lnSpc>
-                        <a:spcBef>
-                          <a:spcPts val="0"/>
-                        </a:spcBef>
-                        <a:spcAft>
-                          <a:spcPts val="0"/>
-                        </a:spcAft>
-                        <a:buClr>
-                          <a:schemeClr val="accent1">
-                            <a:lumMod val="50000"/>
-                          </a:schemeClr>
-                        </a:buClr>
-                        <a:buSzTx/>
-                        <a:buFont typeface="Wingdings" panose="05000000000000000000" pitchFamily="2" charset="2"/>
-                        <a:buNone/>
-                        <a:tabLst/>
-                        <a:defRPr/>
-                      </a:pPr>
-                      <a:r>
-                        <a:rPr lang="en-US" sz="2400" dirty="0">
-                          <a:latin typeface="Courier" pitchFamily="49" charset="0"/>
-                        </a:rPr>
-                        <a:t>#.#.....#...#.#</a:t>
-                      </a:r>
-                      <a:r>
-                        <a:rPr lang="en-US" sz="2400" dirty="0">
-                          <a:solidFill>
-                            <a:srgbClr val="C00000"/>
-                          </a:solidFill>
-                          <a:latin typeface="Courier" pitchFamily="49" charset="0"/>
-                        </a:rPr>
-                        <a:t>...</a:t>
-                      </a:r>
-                      <a:r>
-                        <a:rPr lang="en-US" sz="2400" dirty="0">
-                          <a:latin typeface="Courier" pitchFamily="49" charset="0"/>
-                        </a:rPr>
-                        <a:t>#</a:t>
-                      </a:r>
-                    </a:p>
-                    <a:p>
-                      <a:pPr marL="0" marR="0" lvl="0" indent="0" algn="l" defTabSz="914400" rtl="0" eaLnBrk="1" fontAlgn="auto" latinLnBrk="0" hangingPunct="1">
-                        <a:lnSpc>
-                          <a:spcPct val="100000"/>
-                        </a:lnSpc>
-                        <a:spcBef>
-                          <a:spcPts val="0"/>
-                        </a:spcBef>
-                        <a:spcAft>
-                          <a:spcPts val="0"/>
-                        </a:spcAft>
-                        <a:buClr>
-                          <a:schemeClr val="accent1">
-                            <a:lumMod val="50000"/>
-                          </a:schemeClr>
-                        </a:buClr>
-                        <a:buSzTx/>
-                        <a:buFont typeface="Wingdings" panose="05000000000000000000" pitchFamily="2" charset="2"/>
-                        <a:buNone/>
-                        <a:tabLst/>
-                        <a:defRPr/>
-                      </a:pPr>
-                      <a:r>
-                        <a:rPr lang="en-US" sz="2400" dirty="0">
-                          <a:latin typeface="Courier" pitchFamily="49" charset="0"/>
-                        </a:rPr>
-                        <a:t>#.###########.#</a:t>
-                      </a:r>
-                      <a:r>
-                        <a:rPr lang="en-US" sz="2400" dirty="0">
-                          <a:solidFill>
-                            <a:srgbClr val="C00000"/>
-                          </a:solidFill>
-                          <a:latin typeface="Courier" pitchFamily="49" charset="0"/>
-                        </a:rPr>
-                        <a:t>.</a:t>
-                      </a:r>
-                      <a:r>
-                        <a:rPr lang="en-US" sz="2400" dirty="0">
-                          <a:latin typeface="Courier" pitchFamily="49" charset="0"/>
-                        </a:rPr>
-                        <a:t>#.#</a:t>
-                      </a:r>
-                    </a:p>
-                    <a:p>
-                      <a:pPr marL="0" marR="0" lvl="0" indent="0" algn="l" defTabSz="914400" rtl="0" eaLnBrk="1" fontAlgn="auto" latinLnBrk="0" hangingPunct="1">
-                        <a:lnSpc>
-                          <a:spcPct val="100000"/>
-                        </a:lnSpc>
-                        <a:spcBef>
-                          <a:spcPts val="0"/>
-                        </a:spcBef>
-                        <a:spcAft>
-                          <a:spcPts val="0"/>
-                        </a:spcAft>
-                        <a:buClr>
-                          <a:schemeClr val="accent1">
-                            <a:lumMod val="50000"/>
-                          </a:schemeClr>
-                        </a:buClr>
-                        <a:buSzTx/>
-                        <a:buFont typeface="Wingdings" panose="05000000000000000000" pitchFamily="2" charset="2"/>
-                        <a:buNone/>
-                        <a:tabLst/>
-                        <a:defRPr/>
-                      </a:pPr>
-                      <a:r>
-                        <a:rPr lang="en-US" sz="2400" dirty="0">
-                          <a:latin typeface="Courier" pitchFamily="49" charset="0"/>
-                        </a:rPr>
-                        <a:t>#.#.#.....#...#</a:t>
-                      </a:r>
-                      <a:r>
-                        <a:rPr lang="en-US" sz="2400" dirty="0">
-                          <a:solidFill>
-                            <a:srgbClr val="C00000"/>
-                          </a:solidFill>
-                          <a:latin typeface="Courier" pitchFamily="49" charset="0"/>
-                        </a:rPr>
-                        <a:t>.</a:t>
-                      </a:r>
-                      <a:r>
-                        <a:rPr lang="en-US" sz="2400" dirty="0">
-                          <a:latin typeface="Courier" pitchFamily="49" charset="0"/>
-                        </a:rPr>
-                        <a:t>#.#</a:t>
-                      </a:r>
-                    </a:p>
-                    <a:p>
-                      <a:pPr marL="0" marR="0" lvl="0" indent="0" algn="l" defTabSz="914400" rtl="0" eaLnBrk="1" fontAlgn="auto" latinLnBrk="0" hangingPunct="1">
-                        <a:lnSpc>
-                          <a:spcPct val="100000"/>
-                        </a:lnSpc>
-                        <a:spcBef>
-                          <a:spcPts val="0"/>
-                        </a:spcBef>
-                        <a:spcAft>
-                          <a:spcPts val="0"/>
-                        </a:spcAft>
-                        <a:buClr>
-                          <a:schemeClr val="accent1">
-                            <a:lumMod val="50000"/>
-                          </a:schemeClr>
-                        </a:buClr>
-                        <a:buSzTx/>
-                        <a:buFont typeface="Wingdings" panose="05000000000000000000" pitchFamily="2" charset="2"/>
-                        <a:buNone/>
-                        <a:tabLst/>
-                        <a:defRPr/>
-                      </a:pPr>
-                      <a:r>
-                        <a:rPr lang="en-US" sz="2400" dirty="0">
-                          <a:latin typeface="Courier" pitchFamily="49" charset="0"/>
-                        </a:rPr>
-                        <a:t>#.#.#####.#####</a:t>
-                      </a:r>
-                      <a:r>
-                        <a:rPr lang="en-US" sz="2400" dirty="0">
-                          <a:solidFill>
-                            <a:srgbClr val="C00000"/>
-                          </a:solidFill>
-                          <a:latin typeface="Courier" pitchFamily="49" charset="0"/>
-                        </a:rPr>
-                        <a:t>.</a:t>
-                      </a:r>
-                      <a:r>
-                        <a:rPr lang="en-US" sz="2400" dirty="0">
-                          <a:latin typeface="Courier" pitchFamily="49" charset="0"/>
-                        </a:rPr>
-                        <a:t>#.#</a:t>
-                      </a:r>
-                    </a:p>
-                    <a:p>
-                      <a:pPr marL="0" marR="0" lvl="0" indent="0" algn="l" defTabSz="914400" rtl="0" eaLnBrk="1" fontAlgn="auto" latinLnBrk="0" hangingPunct="1">
-                        <a:lnSpc>
-                          <a:spcPct val="100000"/>
-                        </a:lnSpc>
-                        <a:spcBef>
-                          <a:spcPts val="0"/>
-                        </a:spcBef>
-                        <a:spcAft>
-                          <a:spcPts val="0"/>
-                        </a:spcAft>
-                        <a:buClr>
-                          <a:schemeClr val="accent1">
-                            <a:lumMod val="50000"/>
-                          </a:schemeClr>
-                        </a:buClr>
-                        <a:buSzTx/>
-                        <a:buFont typeface="Wingdings" panose="05000000000000000000" pitchFamily="2" charset="2"/>
-                        <a:buNone/>
-                        <a:tabLst/>
-                        <a:defRPr/>
-                      </a:pPr>
-                      <a:r>
-                        <a:rPr lang="en-US" sz="2400" dirty="0">
-                          <a:latin typeface="Courier" pitchFamily="49" charset="0"/>
-                        </a:rPr>
-                        <a:t>#.........#....</a:t>
-                      </a:r>
-                      <a:r>
-                        <a:rPr lang="en-US" sz="2400" dirty="0">
-                          <a:solidFill>
-                            <a:srgbClr val="C00000"/>
-                          </a:solidFill>
-                          <a:latin typeface="Courier" pitchFamily="49" charset="0"/>
-                        </a:rPr>
-                        <a:t>.</a:t>
-                      </a:r>
-                      <a:r>
-                        <a:rPr lang="en-US" sz="2400" dirty="0">
-                          <a:latin typeface="Courier" pitchFamily="49" charset="0"/>
-                        </a:rPr>
-                        <a:t>#.#</a:t>
-                      </a:r>
-                    </a:p>
-                    <a:p>
-                      <a:pPr marL="0" marR="0" lvl="0" indent="0" algn="l" defTabSz="914400" rtl="0" eaLnBrk="1" fontAlgn="auto" latinLnBrk="0" hangingPunct="1">
-                        <a:lnSpc>
-                          <a:spcPct val="100000"/>
-                        </a:lnSpc>
-                        <a:spcBef>
-                          <a:spcPts val="0"/>
-                        </a:spcBef>
-                        <a:spcAft>
-                          <a:spcPts val="0"/>
-                        </a:spcAft>
-                        <a:buClr>
-                          <a:schemeClr val="accent1">
-                            <a:lumMod val="50000"/>
-                          </a:schemeClr>
-                        </a:buClr>
-                        <a:buSzTx/>
-                        <a:buFont typeface="Wingdings" panose="05000000000000000000" pitchFamily="2" charset="2"/>
-                        <a:buNone/>
-                        <a:tabLst/>
-                        <a:defRPr/>
-                      </a:pPr>
-                      <a:r>
-                        <a:rPr lang="en-US" sz="2400" dirty="0">
-                          <a:latin typeface="Courier" pitchFamily="49" charset="0"/>
-                        </a:rPr>
-                        <a:t>###############</a:t>
-                      </a:r>
-                      <a:r>
-                        <a:rPr lang="en-US" sz="2400" b="1" dirty="0">
-                          <a:solidFill>
-                            <a:srgbClr val="C00000"/>
-                          </a:solidFill>
-                          <a:latin typeface="Courier" pitchFamily="49" charset="0"/>
-                        </a:rPr>
-                        <a:t>B</a:t>
-                      </a:r>
-                      <a:r>
-                        <a:rPr lang="en-US" sz="2400" dirty="0">
-                          <a:latin typeface="Courier" pitchFamily="49" charset="0"/>
-                        </a:rPr>
-                        <a:t>###</a:t>
-                      </a:r>
-                    </a:p>
-                  </a:txBody>
-                  <a:tcPr>
-                    <a:lnL w="6350" cap="flat" cmpd="sng" algn="ctr">
-                      <a:solidFill>
-                        <a:schemeClr val="tx1"/>
-                      </a:solidFill>
-                      <a:prstDash val="solid"/>
-                      <a:round/>
-                      <a:headEnd type="none" w="med" len="med"/>
-                      <a:tailEnd type="none" w="med" len="med"/>
-                    </a:lnL>
-                    <a:lnR w="6350" cap="flat" cmpd="sng" algn="ctr">
-                      <a:solidFill>
-                        <a:schemeClr val="tx1"/>
-                      </a:solidFill>
-                      <a:prstDash val="solid"/>
-                      <a:round/>
-                      <a:headEnd type="none" w="med" len="med"/>
-                      <a:tailEnd type="none" w="med" len="med"/>
-                    </a:lnR>
-                    <a:lnT w="6350" cap="flat" cmpd="sng" algn="ctr">
-                      <a:solidFill>
-                        <a:schemeClr val="tx1"/>
-                      </a:solidFill>
-                      <a:prstDash val="solid"/>
-                      <a:round/>
-                      <a:headEnd type="none" w="med" len="med"/>
-                      <a:tailEnd type="none" w="med" len="med"/>
-                    </a:lnT>
-                    <a:lnB w="6350" cap="flat" cmpd="sng" algn="ctr">
-                      <a:solidFill>
-                        <a:schemeClr val="tx1"/>
-                      </a:solidFill>
-                      <a:prstDash val="solid"/>
-                      <a:round/>
-                      <a:headEnd type="none" w="med" len="med"/>
-                      <a:tailEnd type="none" w="med" len="med"/>
-                    </a:lnB>
-                    <a:lnTlToBr w="12700" cmpd="sng">
-                      <a:noFill/>
-                      <a:prstDash val="solid"/>
-                    </a:lnTlToBr>
-                    <a:lnBlToTr w="12700" cmpd="sng">
-                      <a:noFill/>
-                      <a:prstDash val="solid"/>
-                    </a:lnBlToTr>
-                    <a:solidFill>
-                      <a:schemeClr val="accent5">
-                        <a:lumMod val="20000"/>
-                        <a:lumOff val="80000"/>
-                      </a:schemeClr>
-                    </a:solidFill>
-                  </a:tcPr>
-                </a:tc>
-                <a:extLst>
-                  <a:ext uri="{0D108BD9-81ED-4DB2-BD59-A6C34878D82A}">
-                    <a16:rowId xmlns:a16="http://schemas.microsoft.com/office/drawing/2014/main" val="4112970457"/>
-                  </a:ext>
-                </a:extLst>
-              </a:tr>
-            </a:tbl>
-          </a:graphicData>
-        </a:graphic>
-      </p:graphicFrame>
-    </p:spTree>
-    <p:extLst>
-      <p:ext uri="{BB962C8B-B14F-4D97-AF65-F5344CB8AC3E}">
-        <p14:creationId xmlns:p14="http://schemas.microsoft.com/office/powerpoint/2010/main" val="2161720358"/>
-      </p:ext>
-    </p:extLst>
-  </p:cSld>
-  <p:clrMapOvr>
-    <a:masterClrMapping/>
-  </p:clrMapOvr>
-</p:sld>
-</file>
-
 <file path=ppt/slides/slide2.xml><?xml version="1.0" encoding="utf-8"?>
 <p:sld xmlns:a="http://schemas.openxmlformats.org/drawingml/2006/main" xmlns:r="http://schemas.openxmlformats.org/officeDocument/2006/relationships" xmlns:p="http://schemas.openxmlformats.org/presentationml/2006/main">
   <p:cSld>
@@ -20180,6 +19239,1208 @@
             <p:ph type="title"/>
           </p:nvPr>
         </p:nvSpPr>
+        <p:spPr/>
+        <p:txBody>
+          <a:bodyPr/>
+          <a:lstStyle/>
+          <a:p>
+            <a:r>
+              <a:rPr lang="da-DK" dirty="0" err="1"/>
+              <a:t>Maze</a:t>
+            </a:r>
+            <a:r>
+              <a:rPr lang="da-DK" dirty="0"/>
+              <a:t> </a:t>
+            </a:r>
+            <a:r>
+              <a:rPr lang="da-DK" dirty="0" err="1"/>
+              <a:t>solver</a:t>
+            </a:r>
+            <a:endParaRPr lang="en-US" dirty="0"/>
+          </a:p>
+        </p:txBody>
+      </p:sp>
+      <p:sp>
+        <p:nvSpPr>
+          <p:cNvPr id="3" name="Content Placeholder 2"/>
+          <p:cNvSpPr>
+            <a:spLocks noGrp="1"/>
+          </p:cNvSpPr>
+          <p:nvPr>
+            <p:ph idx="1"/>
+          </p:nvPr>
+        </p:nvSpPr>
+        <p:spPr>
+          <a:xfrm>
+            <a:off x="915838" y="1957428"/>
+            <a:ext cx="6459747" cy="4031712"/>
+          </a:xfrm>
+        </p:spPr>
+        <p:txBody>
+          <a:bodyPr>
+            <a:normAutofit/>
+          </a:bodyPr>
+          <a:lstStyle/>
+          <a:p>
+            <a:pPr marL="0" indent="0">
+              <a:buNone/>
+            </a:pPr>
+            <a:r>
+              <a:rPr lang="da-DK" dirty="0">
+                <a:solidFill>
+                  <a:schemeClr val="accent1">
+                    <a:lumMod val="50000"/>
+                  </a:schemeClr>
+                </a:solidFill>
+              </a:rPr>
+              <a:t>Input</a:t>
+            </a:r>
+          </a:p>
+          <a:p>
+            <a:pPr lvl="1"/>
+            <a:r>
+              <a:rPr lang="da-DK" dirty="0"/>
+              <a:t>First line #</a:t>
+            </a:r>
+            <a:r>
+              <a:rPr lang="da-DK" dirty="0" err="1"/>
+              <a:t>rows</a:t>
+            </a:r>
+            <a:r>
+              <a:rPr lang="da-DK" dirty="0"/>
+              <a:t> and #columns</a:t>
+            </a:r>
+          </a:p>
+          <a:p>
+            <a:pPr lvl="1"/>
+            <a:r>
+              <a:rPr lang="da-DK" dirty="0" err="1"/>
+              <a:t>Following</a:t>
+            </a:r>
+            <a:r>
+              <a:rPr lang="da-DK" dirty="0"/>
+              <a:t> #</a:t>
+            </a:r>
+            <a:r>
+              <a:rPr lang="da-DK" dirty="0" err="1"/>
+              <a:t>rows</a:t>
+            </a:r>
+            <a:r>
+              <a:rPr lang="da-DK" dirty="0"/>
+              <a:t> lines </a:t>
+            </a:r>
+            <a:r>
+              <a:rPr lang="da-DK" dirty="0" err="1"/>
+              <a:t>contain</a:t>
+            </a:r>
+            <a:r>
+              <a:rPr lang="da-DK" dirty="0"/>
+              <a:t> </a:t>
+            </a:r>
+            <a:r>
+              <a:rPr lang="da-DK" dirty="0" err="1"/>
+              <a:t>strings</a:t>
+            </a:r>
+            <a:r>
+              <a:rPr lang="da-DK" dirty="0"/>
+              <a:t> </a:t>
+            </a:r>
+            <a:r>
+              <a:rPr lang="da-DK" dirty="0" err="1"/>
+              <a:t>containing</a:t>
+            </a:r>
+            <a:r>
+              <a:rPr lang="da-DK" dirty="0"/>
+              <a:t> #column </a:t>
+            </a:r>
+            <a:r>
+              <a:rPr lang="da-DK" dirty="0" err="1"/>
+              <a:t>characters</a:t>
+            </a:r>
+            <a:endParaRPr lang="da-DK" dirty="0"/>
+          </a:p>
+          <a:p>
+            <a:pPr lvl="1"/>
+            <a:r>
+              <a:rPr lang="da-DK" dirty="0" err="1"/>
+              <a:t>There</a:t>
+            </a:r>
+            <a:r>
+              <a:rPr lang="da-DK" dirty="0"/>
+              <a:t> </a:t>
+            </a:r>
+            <a:r>
+              <a:rPr lang="da-DK" dirty="0" err="1"/>
+              <a:t>are</a:t>
+            </a:r>
+            <a:r>
+              <a:rPr lang="da-DK" dirty="0"/>
+              <a:t> </a:t>
+            </a:r>
+            <a:r>
+              <a:rPr lang="da-DK" dirty="0" err="1"/>
+              <a:t>exactly</a:t>
+            </a:r>
+            <a:r>
+              <a:rPr lang="da-DK" dirty="0"/>
+              <a:t> </a:t>
+            </a:r>
+            <a:r>
+              <a:rPr lang="da-DK" dirty="0" err="1"/>
+              <a:t>one</a:t>
+            </a:r>
+            <a:r>
+              <a:rPr lang="da-DK" dirty="0"/>
+              <a:t> '</a:t>
+            </a:r>
+            <a:r>
+              <a:rPr lang="da-DK" dirty="0">
+                <a:latin typeface="Courier" pitchFamily="49" charset="0"/>
+              </a:rPr>
+              <a:t>A</a:t>
+            </a:r>
+            <a:r>
+              <a:rPr lang="da-DK" dirty="0"/>
+              <a:t>' and </a:t>
+            </a:r>
+            <a:r>
+              <a:rPr lang="da-DK" dirty="0" err="1"/>
+              <a:t>one</a:t>
+            </a:r>
+            <a:r>
+              <a:rPr lang="da-DK" dirty="0"/>
+              <a:t> '</a:t>
+            </a:r>
+            <a:r>
+              <a:rPr lang="da-DK" dirty="0">
+                <a:latin typeface="Courier" pitchFamily="49" charset="0"/>
+              </a:rPr>
+              <a:t>B</a:t>
+            </a:r>
+            <a:r>
+              <a:rPr lang="da-DK" dirty="0"/>
+              <a:t>'</a:t>
+            </a:r>
+          </a:p>
+          <a:p>
+            <a:pPr lvl="1"/>
+            <a:r>
+              <a:rPr lang="da-DK" dirty="0"/>
+              <a:t>'</a:t>
+            </a:r>
+            <a:r>
+              <a:rPr lang="da-DK" dirty="0">
+                <a:latin typeface="Courier" pitchFamily="49" charset="0"/>
+              </a:rPr>
+              <a:t>.</a:t>
+            </a:r>
+            <a:r>
+              <a:rPr lang="da-DK" dirty="0"/>
+              <a:t>' </a:t>
+            </a:r>
+            <a:r>
+              <a:rPr lang="da-DK" dirty="0" err="1"/>
+              <a:t>are</a:t>
+            </a:r>
+            <a:r>
+              <a:rPr lang="da-DK" dirty="0"/>
+              <a:t> </a:t>
+            </a:r>
+            <a:r>
+              <a:rPr lang="da-DK" dirty="0" err="1"/>
+              <a:t>free</a:t>
+            </a:r>
+            <a:r>
+              <a:rPr lang="da-DK" dirty="0"/>
+              <a:t> </a:t>
+            </a:r>
+            <a:r>
+              <a:rPr lang="da-DK" dirty="0" err="1"/>
+              <a:t>cells</a:t>
+            </a:r>
+            <a:r>
+              <a:rPr lang="da-DK" dirty="0"/>
+              <a:t> and '</a:t>
+            </a:r>
+            <a:r>
+              <a:rPr lang="da-DK" dirty="0">
+                <a:latin typeface="Courier" pitchFamily="49" charset="0"/>
+              </a:rPr>
+              <a:t>#</a:t>
+            </a:r>
+            <a:r>
+              <a:rPr lang="da-DK" dirty="0"/>
+              <a:t>' </a:t>
+            </a:r>
+            <a:r>
+              <a:rPr lang="da-DK" dirty="0" err="1"/>
+              <a:t>are</a:t>
+            </a:r>
+            <a:r>
+              <a:rPr lang="da-DK" dirty="0"/>
+              <a:t> </a:t>
+            </a:r>
+            <a:r>
+              <a:rPr lang="da-DK" dirty="0" err="1"/>
+              <a:t>blocked</a:t>
+            </a:r>
+            <a:r>
+              <a:rPr lang="da-DK" dirty="0"/>
+              <a:t> </a:t>
+            </a:r>
+            <a:r>
+              <a:rPr lang="da-DK" dirty="0" err="1"/>
+              <a:t>cells</a:t>
+            </a:r>
+            <a:endParaRPr lang="da-DK" dirty="0"/>
+          </a:p>
+          <a:p>
+            <a:pPr lvl="1"/>
+            <a:endParaRPr lang="da-DK" dirty="0"/>
+          </a:p>
+          <a:p>
+            <a:pPr marL="0" indent="0">
+              <a:buNone/>
+            </a:pPr>
+            <a:r>
+              <a:rPr lang="da-DK" dirty="0">
+                <a:solidFill>
+                  <a:schemeClr val="accent1">
+                    <a:lumMod val="50000"/>
+                  </a:schemeClr>
+                </a:solidFill>
+              </a:rPr>
+              <a:t>Output</a:t>
+            </a:r>
+          </a:p>
+          <a:p>
+            <a:pPr lvl="1"/>
+            <a:r>
+              <a:rPr lang="da-DK" dirty="0"/>
+              <a:t>Print </a:t>
+            </a:r>
+            <a:r>
+              <a:rPr lang="da-DK" dirty="0" err="1"/>
+              <a:t>whether</a:t>
+            </a:r>
+            <a:r>
+              <a:rPr lang="da-DK" dirty="0"/>
+              <a:t> </a:t>
+            </a:r>
+            <a:r>
+              <a:rPr lang="da-DK" dirty="0" err="1"/>
+              <a:t>there</a:t>
+            </a:r>
+            <a:r>
+              <a:rPr lang="da-DK" dirty="0"/>
+              <a:t> is a </a:t>
+            </a:r>
+            <a:r>
+              <a:rPr lang="da-DK" dirty="0" err="1"/>
+              <a:t>path</a:t>
+            </a:r>
+            <a:r>
+              <a:rPr lang="da-DK" dirty="0"/>
+              <a:t> from '</a:t>
+            </a:r>
+            <a:r>
+              <a:rPr lang="da-DK" dirty="0">
+                <a:latin typeface="Courier" pitchFamily="49" charset="0"/>
+              </a:rPr>
+              <a:t>A</a:t>
+            </a:r>
+            <a:r>
+              <a:rPr lang="da-DK" dirty="0"/>
+              <a:t>' to '</a:t>
+            </a:r>
+            <a:r>
+              <a:rPr lang="da-DK" dirty="0">
+                <a:latin typeface="Courier" pitchFamily="49" charset="0"/>
+              </a:rPr>
+              <a:t>B</a:t>
+            </a:r>
+            <a:r>
+              <a:rPr lang="da-DK" dirty="0"/>
+              <a:t>' or not</a:t>
+            </a:r>
+          </a:p>
+        </p:txBody>
+      </p:sp>
+      <p:graphicFrame>
+        <p:nvGraphicFramePr>
+          <p:cNvPr id="6" name="Table 5"/>
+          <p:cNvGraphicFramePr>
+            <a:graphicFrameLocks noGrp="1"/>
+          </p:cNvGraphicFramePr>
+          <p:nvPr>
+            <p:extLst>
+              <p:ext uri="{D42A27DB-BD31-4B8C-83A1-F6EECF244321}">
+                <p14:modId xmlns:p14="http://schemas.microsoft.com/office/powerpoint/2010/main" val="989344803"/>
+              </p:ext>
+            </p:extLst>
+          </p:nvPr>
+        </p:nvGraphicFramePr>
+        <p:xfrm>
+          <a:off x="8039800" y="1245019"/>
+          <a:ext cx="3657619" cy="5010861"/>
+        </p:xfrm>
+        <a:graphic>
+          <a:graphicData uri="http://schemas.openxmlformats.org/drawingml/2006/table">
+            <a:tbl>
+              <a:tblPr firstRow="1" bandRow="1">
+                <a:tableStyleId>{5C22544A-7EE6-4342-B048-85BDC9FD1C3A}</a:tableStyleId>
+              </a:tblPr>
+              <a:tblGrid>
+                <a:gridCol w="3657619">
+                  <a:extLst>
+                    <a:ext uri="{9D8B030D-6E8A-4147-A177-3AD203B41FA5}">
+                      <a16:colId xmlns:a16="http://schemas.microsoft.com/office/drawing/2014/main" val="1873682825"/>
+                    </a:ext>
+                  </a:extLst>
+                </a:gridCol>
+              </a:tblGrid>
+              <a:tr h="429591">
+                <a:tc>
+                  <a:txBody>
+                    <a:bodyPr/>
+                    <a:lstStyle/>
+                    <a:p>
+                      <a:pPr marL="0" marR="0" lvl="0" indent="0" algn="l" defTabSz="914400" rtl="0" eaLnBrk="1" fontAlgn="auto" latinLnBrk="0" hangingPunct="1">
+                        <a:lnSpc>
+                          <a:spcPct val="100000"/>
+                        </a:lnSpc>
+                        <a:spcBef>
+                          <a:spcPts val="0"/>
+                        </a:spcBef>
+                        <a:spcAft>
+                          <a:spcPts val="0"/>
+                        </a:spcAft>
+                        <a:buClrTx/>
+                        <a:buSzTx/>
+                        <a:buFontTx/>
+                        <a:buNone/>
+                        <a:tabLst/>
+                        <a:defRPr/>
+                      </a:pPr>
+                      <a:r>
+                        <a:rPr lang="da-DK" sz="2400" b="0" dirty="0" err="1">
+                          <a:latin typeface="+mn-lt"/>
+                          <a:cs typeface="Courier New" panose="02070309020205020404" pitchFamily="49" charset="0"/>
+                        </a:rPr>
+                        <a:t>maze</a:t>
+                      </a:r>
+                      <a:r>
+                        <a:rPr lang="da-DK" sz="2400" b="0" dirty="0">
+                          <a:latin typeface="+mn-lt"/>
+                          <a:cs typeface="Courier New" panose="02070309020205020404" pitchFamily="49" charset="0"/>
+                        </a:rPr>
+                        <a:t> input</a:t>
+                      </a:r>
+                      <a:endParaRPr lang="da-DK" sz="2400" b="0" dirty="0">
+                        <a:latin typeface="+mn-lt"/>
+                      </a:endParaRPr>
+                    </a:p>
+                  </a:txBody>
+                  <a:tcPr anchor="ctr">
+                    <a:lnL w="6350" cap="flat" cmpd="sng" algn="ctr">
+                      <a:solidFill>
+                        <a:schemeClr val="tx1"/>
+                      </a:solidFill>
+                      <a:prstDash val="solid"/>
+                      <a:round/>
+                      <a:headEnd type="none" w="med" len="med"/>
+                      <a:tailEnd type="none" w="med" len="med"/>
+                    </a:lnL>
+                    <a:lnR w="6350" cap="flat" cmpd="sng" algn="ctr">
+                      <a:solidFill>
+                        <a:schemeClr val="tx1"/>
+                      </a:solidFill>
+                      <a:prstDash val="solid"/>
+                      <a:round/>
+                      <a:headEnd type="none" w="med" len="med"/>
+                      <a:tailEnd type="none" w="med" len="med"/>
+                    </a:lnR>
+                    <a:lnT w="6350" cap="flat" cmpd="sng" algn="ctr">
+                      <a:solidFill>
+                        <a:schemeClr val="tx1"/>
+                      </a:solidFill>
+                      <a:prstDash val="solid"/>
+                      <a:round/>
+                      <a:headEnd type="none" w="med" len="med"/>
+                      <a:tailEnd type="none" w="med" len="med"/>
+                    </a:lnT>
+                    <a:lnB w="6350" cap="flat" cmpd="sng" algn="ctr">
+                      <a:solidFill>
+                        <a:schemeClr val="tx1"/>
+                      </a:solidFill>
+                      <a:prstDash val="solid"/>
+                      <a:round/>
+                      <a:headEnd type="none" w="med" len="med"/>
+                      <a:tailEnd type="none" w="med" len="med"/>
+                    </a:lnB>
+                    <a:lnTlToBr w="12700" cmpd="sng">
+                      <a:noFill/>
+                      <a:prstDash val="solid"/>
+                    </a:lnTlToBr>
+                    <a:lnBlToTr w="12700" cmpd="sng">
+                      <a:noFill/>
+                      <a:prstDash val="solid"/>
+                    </a:lnBlToTr>
+                    <a:solidFill>
+                      <a:schemeClr val="accent1">
+                        <a:lumMod val="50000"/>
+                      </a:schemeClr>
+                    </a:solidFill>
+                  </a:tcPr>
+                </a:tc>
+                <a:extLst>
+                  <a:ext uri="{0D108BD9-81ED-4DB2-BD59-A6C34878D82A}">
+                    <a16:rowId xmlns:a16="http://schemas.microsoft.com/office/drawing/2014/main" val="3330819881"/>
+                  </a:ext>
+                </a:extLst>
+              </a:tr>
+              <a:tr h="4553661">
+                <a:tc>
+                  <a:txBody>
+                    <a:bodyPr/>
+                    <a:lstStyle/>
+                    <a:p>
+                      <a:pPr marL="0" marR="0" lvl="0" indent="0" algn="l" defTabSz="914400" rtl="0" eaLnBrk="1" fontAlgn="auto" latinLnBrk="0" hangingPunct="1">
+                        <a:lnSpc>
+                          <a:spcPct val="100000"/>
+                        </a:lnSpc>
+                        <a:spcBef>
+                          <a:spcPts val="0"/>
+                        </a:spcBef>
+                        <a:spcAft>
+                          <a:spcPts val="0"/>
+                        </a:spcAft>
+                        <a:buClr>
+                          <a:schemeClr val="accent1">
+                            <a:lumMod val="50000"/>
+                          </a:schemeClr>
+                        </a:buClr>
+                        <a:buSzTx/>
+                        <a:buFont typeface="Wingdings" panose="05000000000000000000" pitchFamily="2" charset="2"/>
+                        <a:buNone/>
+                        <a:tabLst/>
+                        <a:defRPr/>
+                      </a:pPr>
+                      <a:r>
+                        <a:rPr lang="en-US" sz="2400" dirty="0">
+                          <a:latin typeface="Courier" pitchFamily="49" charset="0"/>
+                        </a:rPr>
+                        <a:t>11 19</a:t>
+                      </a:r>
+                    </a:p>
+                    <a:p>
+                      <a:pPr marL="0" marR="0" lvl="0" indent="0" algn="l" defTabSz="914400" rtl="0" eaLnBrk="1" fontAlgn="auto" latinLnBrk="0" hangingPunct="1">
+                        <a:lnSpc>
+                          <a:spcPct val="100000"/>
+                        </a:lnSpc>
+                        <a:spcBef>
+                          <a:spcPts val="0"/>
+                        </a:spcBef>
+                        <a:spcAft>
+                          <a:spcPts val="0"/>
+                        </a:spcAft>
+                        <a:buClr>
+                          <a:schemeClr val="accent1">
+                            <a:lumMod val="50000"/>
+                          </a:schemeClr>
+                        </a:buClr>
+                        <a:buSzTx/>
+                        <a:buFont typeface="Wingdings" panose="05000000000000000000" pitchFamily="2" charset="2"/>
+                        <a:buNone/>
+                        <a:tabLst/>
+                        <a:defRPr/>
+                      </a:pPr>
+                      <a:r>
+                        <a:rPr lang="en-US" sz="2400" dirty="0">
+                          <a:latin typeface="Courier" pitchFamily="49" charset="0"/>
+                        </a:rPr>
+                        <a:t>#######</a:t>
+                      </a:r>
+                      <a:r>
+                        <a:rPr lang="en-US" sz="2400" b="1" dirty="0">
+                          <a:solidFill>
+                            <a:srgbClr val="C00000"/>
+                          </a:solidFill>
+                          <a:latin typeface="Courier" pitchFamily="49" charset="0"/>
+                        </a:rPr>
+                        <a:t>A</a:t>
+                      </a:r>
+                      <a:r>
+                        <a:rPr lang="en-US" sz="2400" dirty="0">
+                          <a:latin typeface="Courier" pitchFamily="49" charset="0"/>
+                        </a:rPr>
+                        <a:t>###########</a:t>
+                      </a:r>
+                    </a:p>
+                    <a:p>
+                      <a:pPr marL="0" marR="0" lvl="0" indent="0" algn="l" defTabSz="914400" rtl="0" eaLnBrk="1" fontAlgn="auto" latinLnBrk="0" hangingPunct="1">
+                        <a:lnSpc>
+                          <a:spcPct val="100000"/>
+                        </a:lnSpc>
+                        <a:spcBef>
+                          <a:spcPts val="0"/>
+                        </a:spcBef>
+                        <a:spcAft>
+                          <a:spcPts val="0"/>
+                        </a:spcAft>
+                        <a:buClr>
+                          <a:schemeClr val="accent1">
+                            <a:lumMod val="50000"/>
+                          </a:schemeClr>
+                        </a:buClr>
+                        <a:buSzTx/>
+                        <a:buFont typeface="Wingdings" panose="05000000000000000000" pitchFamily="2" charset="2"/>
+                        <a:buNone/>
+                        <a:tabLst/>
+                        <a:defRPr/>
+                      </a:pPr>
+                      <a:r>
+                        <a:rPr lang="en-US" sz="2400" dirty="0">
+                          <a:latin typeface="Courier" pitchFamily="49" charset="0"/>
+                        </a:rPr>
+                        <a:t>#....</a:t>
+                      </a:r>
+                      <a:r>
+                        <a:rPr lang="en-US" sz="2400" b="0" dirty="0">
+                          <a:solidFill>
+                            <a:srgbClr val="C00000"/>
+                          </a:solidFill>
+                          <a:latin typeface="Courier" pitchFamily="49" charset="0"/>
+                        </a:rPr>
+                        <a:t>...</a:t>
+                      </a:r>
+                      <a:r>
+                        <a:rPr lang="en-US" sz="2400" dirty="0">
+                          <a:latin typeface="Courier" pitchFamily="49" charset="0"/>
+                        </a:rPr>
+                        <a:t>#..</a:t>
+                      </a:r>
+                      <a:r>
+                        <a:rPr lang="en-US" sz="2400" dirty="0">
+                          <a:solidFill>
+                            <a:srgbClr val="C00000"/>
+                          </a:solidFill>
+                          <a:latin typeface="Courier" pitchFamily="49" charset="0"/>
+                        </a:rPr>
+                        <a:t>...</a:t>
+                      </a:r>
+                      <a:r>
+                        <a:rPr lang="en-US" sz="2400" dirty="0">
+                          <a:latin typeface="Courier" pitchFamily="49" charset="0"/>
+                        </a:rPr>
+                        <a:t>#</a:t>
+                      </a:r>
+                      <a:r>
+                        <a:rPr lang="en-US" sz="2400" dirty="0">
+                          <a:solidFill>
+                            <a:srgbClr val="C00000"/>
+                          </a:solidFill>
+                          <a:latin typeface="Courier" pitchFamily="49" charset="0"/>
+                        </a:rPr>
+                        <a:t>...</a:t>
+                      </a:r>
+                      <a:r>
+                        <a:rPr lang="en-US" sz="2400" dirty="0">
+                          <a:latin typeface="Courier" pitchFamily="49" charset="0"/>
+                        </a:rPr>
+                        <a:t>#</a:t>
+                      </a:r>
+                    </a:p>
+                    <a:p>
+                      <a:pPr marL="0" marR="0" lvl="0" indent="0" algn="l" defTabSz="914400" rtl="0" eaLnBrk="1" fontAlgn="auto" latinLnBrk="0" hangingPunct="1">
+                        <a:lnSpc>
+                          <a:spcPct val="100000"/>
+                        </a:lnSpc>
+                        <a:spcBef>
+                          <a:spcPts val="0"/>
+                        </a:spcBef>
+                        <a:spcAft>
+                          <a:spcPts val="0"/>
+                        </a:spcAft>
+                        <a:buClr>
+                          <a:schemeClr val="accent1">
+                            <a:lumMod val="50000"/>
+                          </a:schemeClr>
+                        </a:buClr>
+                        <a:buSzTx/>
+                        <a:buFont typeface="Wingdings" panose="05000000000000000000" pitchFamily="2" charset="2"/>
+                        <a:buNone/>
+                        <a:tabLst/>
+                        <a:defRPr/>
+                      </a:pPr>
+                      <a:r>
+                        <a:rPr lang="en-US" sz="2400" dirty="0">
+                          <a:latin typeface="Courier" pitchFamily="49" charset="0"/>
+                        </a:rPr>
+                        <a:t>#.###</a:t>
+                      </a:r>
+                      <a:r>
+                        <a:rPr lang="en-US" sz="2400" dirty="0">
+                          <a:solidFill>
+                            <a:srgbClr val="C00000"/>
+                          </a:solidFill>
+                          <a:latin typeface="Courier" pitchFamily="49" charset="0"/>
+                        </a:rPr>
+                        <a:t>.</a:t>
+                      </a:r>
+                      <a:r>
+                        <a:rPr lang="en-US" sz="2400" dirty="0">
+                          <a:latin typeface="Courier" pitchFamily="49" charset="0"/>
+                        </a:rPr>
+                        <a:t>###</a:t>
+                      </a:r>
+                      <a:r>
+                        <a:rPr lang="en-US" sz="2400" dirty="0">
+                          <a:solidFill>
+                            <a:srgbClr val="C00000"/>
+                          </a:solidFill>
+                          <a:latin typeface="Courier" pitchFamily="49" charset="0"/>
+                        </a:rPr>
+                        <a:t>...</a:t>
+                      </a:r>
+                      <a:r>
+                        <a:rPr lang="en-US" sz="2400" dirty="0">
+                          <a:latin typeface="Courier" pitchFamily="49" charset="0"/>
+                        </a:rPr>
+                        <a:t>#</a:t>
+                      </a:r>
+                      <a:r>
+                        <a:rPr lang="en-US" sz="2400" dirty="0">
+                          <a:solidFill>
+                            <a:srgbClr val="C00000"/>
+                          </a:solidFill>
+                          <a:latin typeface="Courier" pitchFamily="49" charset="0"/>
+                        </a:rPr>
+                        <a:t>.</a:t>
+                      </a:r>
+                      <a:r>
+                        <a:rPr lang="en-US" sz="2400" dirty="0">
+                          <a:latin typeface="Courier" pitchFamily="49" charset="0"/>
+                        </a:rPr>
+                        <a:t>#</a:t>
+                      </a:r>
+                      <a:r>
+                        <a:rPr lang="en-US" sz="2400" dirty="0">
+                          <a:solidFill>
+                            <a:srgbClr val="C00000"/>
+                          </a:solidFill>
+                          <a:latin typeface="Courier" pitchFamily="49" charset="0"/>
+                        </a:rPr>
+                        <a:t>.</a:t>
+                      </a:r>
+                      <a:r>
+                        <a:rPr lang="en-US" sz="2400" dirty="0">
+                          <a:latin typeface="Courier" pitchFamily="49" charset="0"/>
+                        </a:rPr>
+                        <a:t>#</a:t>
+                      </a:r>
+                      <a:r>
+                        <a:rPr lang="en-US" sz="2400" dirty="0">
+                          <a:solidFill>
+                            <a:srgbClr val="C00000"/>
+                          </a:solidFill>
+                          <a:latin typeface="Courier" pitchFamily="49" charset="0"/>
+                        </a:rPr>
+                        <a:t>.</a:t>
+                      </a:r>
+                      <a:r>
+                        <a:rPr lang="en-US" sz="2400" dirty="0">
+                          <a:latin typeface="Courier" pitchFamily="49" charset="0"/>
+                        </a:rPr>
+                        <a:t>#</a:t>
+                      </a:r>
+                    </a:p>
+                    <a:p>
+                      <a:pPr marL="0" marR="0" lvl="0" indent="0" algn="l" defTabSz="914400" rtl="0" eaLnBrk="1" fontAlgn="auto" latinLnBrk="0" hangingPunct="1">
+                        <a:lnSpc>
+                          <a:spcPct val="100000"/>
+                        </a:lnSpc>
+                        <a:spcBef>
+                          <a:spcPts val="0"/>
+                        </a:spcBef>
+                        <a:spcAft>
+                          <a:spcPts val="0"/>
+                        </a:spcAft>
+                        <a:buClr>
+                          <a:schemeClr val="accent1">
+                            <a:lumMod val="50000"/>
+                          </a:schemeClr>
+                        </a:buClr>
+                        <a:buSzTx/>
+                        <a:buFont typeface="Wingdings" panose="05000000000000000000" pitchFamily="2" charset="2"/>
+                        <a:buNone/>
+                        <a:tabLst/>
+                        <a:defRPr/>
+                      </a:pPr>
+                      <a:r>
+                        <a:rPr lang="en-US" sz="2400" dirty="0">
+                          <a:latin typeface="Courier" pitchFamily="49" charset="0"/>
+                        </a:rPr>
+                        <a:t>#...#</a:t>
+                      </a:r>
+                      <a:r>
+                        <a:rPr lang="en-US" sz="2400" dirty="0">
+                          <a:solidFill>
+                            <a:srgbClr val="C00000"/>
+                          </a:solidFill>
+                          <a:latin typeface="Courier" pitchFamily="49" charset="0"/>
+                        </a:rPr>
+                        <a:t>.....</a:t>
+                      </a:r>
+                      <a:r>
+                        <a:rPr lang="en-US" sz="2400" dirty="0">
+                          <a:latin typeface="Courier" pitchFamily="49" charset="0"/>
+                        </a:rPr>
+                        <a:t>#.#</a:t>
+                      </a:r>
+                      <a:r>
+                        <a:rPr lang="en-US" sz="2400" dirty="0">
+                          <a:solidFill>
+                            <a:srgbClr val="C00000"/>
+                          </a:solidFill>
+                          <a:latin typeface="Courier" pitchFamily="49" charset="0"/>
+                        </a:rPr>
+                        <a:t>...</a:t>
+                      </a:r>
+                      <a:r>
+                        <a:rPr lang="en-US" sz="2400" dirty="0">
+                          <a:latin typeface="Courier" pitchFamily="49" charset="0"/>
+                        </a:rPr>
+                        <a:t>#</a:t>
+                      </a:r>
+                      <a:r>
+                        <a:rPr lang="en-US" sz="2400" dirty="0">
+                          <a:solidFill>
+                            <a:srgbClr val="C00000"/>
+                          </a:solidFill>
+                          <a:latin typeface="Courier" pitchFamily="49" charset="0"/>
+                        </a:rPr>
+                        <a:t>.</a:t>
+                      </a:r>
+                      <a:r>
+                        <a:rPr lang="en-US" sz="2400" dirty="0">
+                          <a:latin typeface="Courier" pitchFamily="49" charset="0"/>
+                        </a:rPr>
+                        <a:t>#</a:t>
+                      </a:r>
+                    </a:p>
+                    <a:p>
+                      <a:pPr marL="0" marR="0" lvl="0" indent="0" algn="l" defTabSz="914400" rtl="0" eaLnBrk="1" fontAlgn="auto" latinLnBrk="0" hangingPunct="1">
+                        <a:lnSpc>
+                          <a:spcPct val="100000"/>
+                        </a:lnSpc>
+                        <a:spcBef>
+                          <a:spcPts val="0"/>
+                        </a:spcBef>
+                        <a:spcAft>
+                          <a:spcPts val="0"/>
+                        </a:spcAft>
+                        <a:buClr>
+                          <a:schemeClr val="accent1">
+                            <a:lumMod val="50000"/>
+                          </a:schemeClr>
+                        </a:buClr>
+                        <a:buSzTx/>
+                        <a:buFont typeface="Wingdings" panose="05000000000000000000" pitchFamily="2" charset="2"/>
+                        <a:buNone/>
+                        <a:tabLst/>
+                        <a:defRPr/>
+                      </a:pPr>
+                      <a:r>
+                        <a:rPr lang="en-US" sz="2400" dirty="0">
+                          <a:latin typeface="Courier" pitchFamily="49" charset="0"/>
+                        </a:rPr>
+                        <a:t>#.#.###.#.#.#.###</a:t>
+                      </a:r>
+                      <a:r>
+                        <a:rPr lang="en-US" sz="2400" dirty="0">
+                          <a:solidFill>
+                            <a:srgbClr val="C00000"/>
+                          </a:solidFill>
+                          <a:latin typeface="Courier" pitchFamily="49" charset="0"/>
+                        </a:rPr>
+                        <a:t>.</a:t>
+                      </a:r>
+                      <a:r>
+                        <a:rPr lang="en-US" sz="2400" dirty="0">
+                          <a:latin typeface="Courier" pitchFamily="49" charset="0"/>
+                        </a:rPr>
+                        <a:t>#</a:t>
+                      </a:r>
+                    </a:p>
+                    <a:p>
+                      <a:pPr marL="0" marR="0" lvl="0" indent="0" algn="l" defTabSz="914400" rtl="0" eaLnBrk="1" fontAlgn="auto" latinLnBrk="0" hangingPunct="1">
+                        <a:lnSpc>
+                          <a:spcPct val="100000"/>
+                        </a:lnSpc>
+                        <a:spcBef>
+                          <a:spcPts val="0"/>
+                        </a:spcBef>
+                        <a:spcAft>
+                          <a:spcPts val="0"/>
+                        </a:spcAft>
+                        <a:buClr>
+                          <a:schemeClr val="accent1">
+                            <a:lumMod val="50000"/>
+                          </a:schemeClr>
+                        </a:buClr>
+                        <a:buSzTx/>
+                        <a:buFont typeface="Wingdings" panose="05000000000000000000" pitchFamily="2" charset="2"/>
+                        <a:buNone/>
+                        <a:tabLst/>
+                        <a:defRPr/>
+                      </a:pPr>
+                      <a:r>
+                        <a:rPr lang="en-US" sz="2400" dirty="0">
+                          <a:latin typeface="Courier" pitchFamily="49" charset="0"/>
+                        </a:rPr>
+                        <a:t>#.#.....#...#.#</a:t>
+                      </a:r>
+                      <a:r>
+                        <a:rPr lang="en-US" sz="2400" dirty="0">
+                          <a:solidFill>
+                            <a:srgbClr val="C00000"/>
+                          </a:solidFill>
+                          <a:latin typeface="Courier" pitchFamily="49" charset="0"/>
+                        </a:rPr>
+                        <a:t>...</a:t>
+                      </a:r>
+                      <a:r>
+                        <a:rPr lang="en-US" sz="2400" dirty="0">
+                          <a:latin typeface="Courier" pitchFamily="49" charset="0"/>
+                        </a:rPr>
+                        <a:t>#</a:t>
+                      </a:r>
+                    </a:p>
+                    <a:p>
+                      <a:pPr marL="0" marR="0" lvl="0" indent="0" algn="l" defTabSz="914400" rtl="0" eaLnBrk="1" fontAlgn="auto" latinLnBrk="0" hangingPunct="1">
+                        <a:lnSpc>
+                          <a:spcPct val="100000"/>
+                        </a:lnSpc>
+                        <a:spcBef>
+                          <a:spcPts val="0"/>
+                        </a:spcBef>
+                        <a:spcAft>
+                          <a:spcPts val="0"/>
+                        </a:spcAft>
+                        <a:buClr>
+                          <a:schemeClr val="accent1">
+                            <a:lumMod val="50000"/>
+                          </a:schemeClr>
+                        </a:buClr>
+                        <a:buSzTx/>
+                        <a:buFont typeface="Wingdings" panose="05000000000000000000" pitchFamily="2" charset="2"/>
+                        <a:buNone/>
+                        <a:tabLst/>
+                        <a:defRPr/>
+                      </a:pPr>
+                      <a:r>
+                        <a:rPr lang="en-US" sz="2400" dirty="0">
+                          <a:latin typeface="Courier" pitchFamily="49" charset="0"/>
+                        </a:rPr>
+                        <a:t>#.###########.#</a:t>
+                      </a:r>
+                      <a:r>
+                        <a:rPr lang="en-US" sz="2400" dirty="0">
+                          <a:solidFill>
+                            <a:srgbClr val="C00000"/>
+                          </a:solidFill>
+                          <a:latin typeface="Courier" pitchFamily="49" charset="0"/>
+                        </a:rPr>
+                        <a:t>.</a:t>
+                      </a:r>
+                      <a:r>
+                        <a:rPr lang="en-US" sz="2400" dirty="0">
+                          <a:latin typeface="Courier" pitchFamily="49" charset="0"/>
+                        </a:rPr>
+                        <a:t>#.#</a:t>
+                      </a:r>
+                    </a:p>
+                    <a:p>
+                      <a:pPr marL="0" marR="0" lvl="0" indent="0" algn="l" defTabSz="914400" rtl="0" eaLnBrk="1" fontAlgn="auto" latinLnBrk="0" hangingPunct="1">
+                        <a:lnSpc>
+                          <a:spcPct val="100000"/>
+                        </a:lnSpc>
+                        <a:spcBef>
+                          <a:spcPts val="0"/>
+                        </a:spcBef>
+                        <a:spcAft>
+                          <a:spcPts val="0"/>
+                        </a:spcAft>
+                        <a:buClr>
+                          <a:schemeClr val="accent1">
+                            <a:lumMod val="50000"/>
+                          </a:schemeClr>
+                        </a:buClr>
+                        <a:buSzTx/>
+                        <a:buFont typeface="Wingdings" panose="05000000000000000000" pitchFamily="2" charset="2"/>
+                        <a:buNone/>
+                        <a:tabLst/>
+                        <a:defRPr/>
+                      </a:pPr>
+                      <a:r>
+                        <a:rPr lang="en-US" sz="2400" dirty="0">
+                          <a:latin typeface="Courier" pitchFamily="49" charset="0"/>
+                        </a:rPr>
+                        <a:t>#.#.#.....#...#</a:t>
+                      </a:r>
+                      <a:r>
+                        <a:rPr lang="en-US" sz="2400" dirty="0">
+                          <a:solidFill>
+                            <a:srgbClr val="C00000"/>
+                          </a:solidFill>
+                          <a:latin typeface="Courier" pitchFamily="49" charset="0"/>
+                        </a:rPr>
+                        <a:t>.</a:t>
+                      </a:r>
+                      <a:r>
+                        <a:rPr lang="en-US" sz="2400" dirty="0">
+                          <a:latin typeface="Courier" pitchFamily="49" charset="0"/>
+                        </a:rPr>
+                        <a:t>#.#</a:t>
+                      </a:r>
+                    </a:p>
+                    <a:p>
+                      <a:pPr marL="0" marR="0" lvl="0" indent="0" algn="l" defTabSz="914400" rtl="0" eaLnBrk="1" fontAlgn="auto" latinLnBrk="0" hangingPunct="1">
+                        <a:lnSpc>
+                          <a:spcPct val="100000"/>
+                        </a:lnSpc>
+                        <a:spcBef>
+                          <a:spcPts val="0"/>
+                        </a:spcBef>
+                        <a:spcAft>
+                          <a:spcPts val="0"/>
+                        </a:spcAft>
+                        <a:buClr>
+                          <a:schemeClr val="accent1">
+                            <a:lumMod val="50000"/>
+                          </a:schemeClr>
+                        </a:buClr>
+                        <a:buSzTx/>
+                        <a:buFont typeface="Wingdings" panose="05000000000000000000" pitchFamily="2" charset="2"/>
+                        <a:buNone/>
+                        <a:tabLst/>
+                        <a:defRPr/>
+                      </a:pPr>
+                      <a:r>
+                        <a:rPr lang="en-US" sz="2400" dirty="0">
+                          <a:latin typeface="Courier" pitchFamily="49" charset="0"/>
+                        </a:rPr>
+                        <a:t>#.#.#####.#####</a:t>
+                      </a:r>
+                      <a:r>
+                        <a:rPr lang="en-US" sz="2400" dirty="0">
+                          <a:solidFill>
+                            <a:srgbClr val="C00000"/>
+                          </a:solidFill>
+                          <a:latin typeface="Courier" pitchFamily="49" charset="0"/>
+                        </a:rPr>
+                        <a:t>.</a:t>
+                      </a:r>
+                      <a:r>
+                        <a:rPr lang="en-US" sz="2400" dirty="0">
+                          <a:latin typeface="Courier" pitchFamily="49" charset="0"/>
+                        </a:rPr>
+                        <a:t>#.#</a:t>
+                      </a:r>
+                    </a:p>
+                    <a:p>
+                      <a:pPr marL="0" marR="0" lvl="0" indent="0" algn="l" defTabSz="914400" rtl="0" eaLnBrk="1" fontAlgn="auto" latinLnBrk="0" hangingPunct="1">
+                        <a:lnSpc>
+                          <a:spcPct val="100000"/>
+                        </a:lnSpc>
+                        <a:spcBef>
+                          <a:spcPts val="0"/>
+                        </a:spcBef>
+                        <a:spcAft>
+                          <a:spcPts val="0"/>
+                        </a:spcAft>
+                        <a:buClr>
+                          <a:schemeClr val="accent1">
+                            <a:lumMod val="50000"/>
+                          </a:schemeClr>
+                        </a:buClr>
+                        <a:buSzTx/>
+                        <a:buFont typeface="Wingdings" panose="05000000000000000000" pitchFamily="2" charset="2"/>
+                        <a:buNone/>
+                        <a:tabLst/>
+                        <a:defRPr/>
+                      </a:pPr>
+                      <a:r>
+                        <a:rPr lang="en-US" sz="2400" dirty="0">
+                          <a:latin typeface="Courier" pitchFamily="49" charset="0"/>
+                        </a:rPr>
+                        <a:t>#.........#....</a:t>
+                      </a:r>
+                      <a:r>
+                        <a:rPr lang="en-US" sz="2400" dirty="0">
+                          <a:solidFill>
+                            <a:srgbClr val="C00000"/>
+                          </a:solidFill>
+                          <a:latin typeface="Courier" pitchFamily="49" charset="0"/>
+                        </a:rPr>
+                        <a:t>.</a:t>
+                      </a:r>
+                      <a:r>
+                        <a:rPr lang="en-US" sz="2400" dirty="0">
+                          <a:latin typeface="Courier" pitchFamily="49" charset="0"/>
+                        </a:rPr>
+                        <a:t>#.#</a:t>
+                      </a:r>
+                    </a:p>
+                    <a:p>
+                      <a:pPr marL="0" marR="0" lvl="0" indent="0" algn="l" defTabSz="914400" rtl="0" eaLnBrk="1" fontAlgn="auto" latinLnBrk="0" hangingPunct="1">
+                        <a:lnSpc>
+                          <a:spcPct val="100000"/>
+                        </a:lnSpc>
+                        <a:spcBef>
+                          <a:spcPts val="0"/>
+                        </a:spcBef>
+                        <a:spcAft>
+                          <a:spcPts val="0"/>
+                        </a:spcAft>
+                        <a:buClr>
+                          <a:schemeClr val="accent1">
+                            <a:lumMod val="50000"/>
+                          </a:schemeClr>
+                        </a:buClr>
+                        <a:buSzTx/>
+                        <a:buFont typeface="Wingdings" panose="05000000000000000000" pitchFamily="2" charset="2"/>
+                        <a:buNone/>
+                        <a:tabLst/>
+                        <a:defRPr/>
+                      </a:pPr>
+                      <a:r>
+                        <a:rPr lang="en-US" sz="2400" dirty="0">
+                          <a:latin typeface="Courier" pitchFamily="49" charset="0"/>
+                        </a:rPr>
+                        <a:t>###############</a:t>
+                      </a:r>
+                      <a:r>
+                        <a:rPr lang="en-US" sz="2400" b="1" dirty="0">
+                          <a:solidFill>
+                            <a:srgbClr val="C00000"/>
+                          </a:solidFill>
+                          <a:latin typeface="Courier" pitchFamily="49" charset="0"/>
+                        </a:rPr>
+                        <a:t>B</a:t>
+                      </a:r>
+                      <a:r>
+                        <a:rPr lang="en-US" sz="2400" dirty="0">
+                          <a:latin typeface="Courier" pitchFamily="49" charset="0"/>
+                        </a:rPr>
+                        <a:t>###</a:t>
+                      </a:r>
+                    </a:p>
+                  </a:txBody>
+                  <a:tcPr>
+                    <a:lnL w="6350" cap="flat" cmpd="sng" algn="ctr">
+                      <a:solidFill>
+                        <a:schemeClr val="tx1"/>
+                      </a:solidFill>
+                      <a:prstDash val="solid"/>
+                      <a:round/>
+                      <a:headEnd type="none" w="med" len="med"/>
+                      <a:tailEnd type="none" w="med" len="med"/>
+                    </a:lnL>
+                    <a:lnR w="6350" cap="flat" cmpd="sng" algn="ctr">
+                      <a:solidFill>
+                        <a:schemeClr val="tx1"/>
+                      </a:solidFill>
+                      <a:prstDash val="solid"/>
+                      <a:round/>
+                      <a:headEnd type="none" w="med" len="med"/>
+                      <a:tailEnd type="none" w="med" len="med"/>
+                    </a:lnR>
+                    <a:lnT w="6350" cap="flat" cmpd="sng" algn="ctr">
+                      <a:solidFill>
+                        <a:schemeClr val="tx1"/>
+                      </a:solidFill>
+                      <a:prstDash val="solid"/>
+                      <a:round/>
+                      <a:headEnd type="none" w="med" len="med"/>
+                      <a:tailEnd type="none" w="med" len="med"/>
+                    </a:lnT>
+                    <a:lnB w="6350" cap="flat" cmpd="sng" algn="ctr">
+                      <a:solidFill>
+                        <a:schemeClr val="tx1"/>
+                      </a:solidFill>
+                      <a:prstDash val="solid"/>
+                      <a:round/>
+                      <a:headEnd type="none" w="med" len="med"/>
+                      <a:tailEnd type="none" w="med" len="med"/>
+                    </a:lnB>
+                    <a:lnTlToBr w="12700" cmpd="sng">
+                      <a:noFill/>
+                      <a:prstDash val="solid"/>
+                    </a:lnTlToBr>
+                    <a:lnBlToTr w="12700" cmpd="sng">
+                      <a:noFill/>
+                      <a:prstDash val="solid"/>
+                    </a:lnBlToTr>
+                    <a:solidFill>
+                      <a:schemeClr val="accent5">
+                        <a:lumMod val="20000"/>
+                        <a:lumOff val="80000"/>
+                      </a:schemeClr>
+                    </a:solidFill>
+                  </a:tcPr>
+                </a:tc>
+                <a:extLst>
+                  <a:ext uri="{0D108BD9-81ED-4DB2-BD59-A6C34878D82A}">
+                    <a16:rowId xmlns:a16="http://schemas.microsoft.com/office/drawing/2014/main" val="4112970457"/>
+                  </a:ext>
+                </a:extLst>
+              </a:tr>
+            </a:tbl>
+          </a:graphicData>
+        </a:graphic>
+      </p:graphicFrame>
+    </p:spTree>
+    <p:extLst>
+      <p:ext uri="{BB962C8B-B14F-4D97-AF65-F5344CB8AC3E}">
+        <p14:creationId xmlns:p14="http://schemas.microsoft.com/office/powerpoint/2010/main" val="2161720358"/>
+      </p:ext>
+    </p:extLst>
+  </p:cSld>
+  <p:clrMapOvr>
+    <a:masterClrMapping/>
+  </p:clrMapOvr>
+</p:sld>
+</file>
+
+<file path=ppt/slides/slide21.xml><?xml version="1.0" encoding="utf-8"?>
+<p:sld xmlns:a="http://schemas.openxmlformats.org/drawingml/2006/main" xmlns:r="http://schemas.openxmlformats.org/officeDocument/2006/relationships" xmlns:p="http://schemas.openxmlformats.org/presentationml/2006/main">
+  <p:cSld>
+    <p:spTree>
+      <p:nvGrpSpPr>
+        <p:cNvPr id="1" name=""/>
+        <p:cNvGrpSpPr/>
+        <p:nvPr/>
+      </p:nvGrpSpPr>
+      <p:grpSpPr>
+        <a:xfrm>
+          <a:off x="0" y="0"/>
+          <a:ext cx="0" cy="0"/>
+          <a:chOff x="0" y="0"/>
+          <a:chExt cx="0" cy="0"/>
+        </a:xfrm>
+      </p:grpSpPr>
+      <p:sp>
+        <p:nvSpPr>
+          <p:cNvPr id="2" name="Title 1"/>
+          <p:cNvSpPr>
+            <a:spLocks noGrp="1"/>
+          </p:cNvSpPr>
+          <p:nvPr>
+            <p:ph type="title"/>
+          </p:nvPr>
+        </p:nvSpPr>
         <p:spPr>
           <a:xfrm>
             <a:off x="508000" y="0"/>
@@ -21053,7 +21314,7 @@
 </p:sld>
 </file>
 
-<file path=ppt/slides/slide21.xml><?xml version="1.0" encoding="utf-8"?>
+<file path=ppt/slides/slide22.xml><?xml version="1.0" encoding="utf-8"?>
 <p:sld xmlns:a="http://schemas.openxmlformats.org/drawingml/2006/main" xmlns:r="http://schemas.openxmlformats.org/officeDocument/2006/relationships" xmlns:p="http://schemas.openxmlformats.org/presentationml/2006/main">
   <p:cSld>
     <p:spTree>
@@ -34147,6 +34408,167 @@
           <a:chExt cx="0" cy="0"/>
         </a:xfrm>
       </p:grpSpPr>
+      <p:sp>
+        <p:nvSpPr>
+          <p:cNvPr id="2" name="Title 1">
+            <a:extLst>
+              <a:ext uri="{FF2B5EF4-FFF2-40B4-BE49-F238E27FC236}">
+                <a16:creationId xmlns:a16="http://schemas.microsoft.com/office/drawing/2014/main" id="{DD7D1BC2-4388-3CA1-2BEB-7334EBB38034}"/>
+              </a:ext>
+            </a:extLst>
+          </p:cNvPr>
+          <p:cNvSpPr>
+            <a:spLocks noGrp="1"/>
+          </p:cNvSpPr>
+          <p:nvPr>
+            <p:ph type="title"/>
+          </p:nvPr>
+        </p:nvSpPr>
+        <p:spPr>
+          <a:xfrm>
+            <a:off x="838200" y="129991"/>
+            <a:ext cx="10515600" cy="1325563"/>
+          </a:xfrm>
+        </p:spPr>
+        <p:txBody>
+          <a:bodyPr/>
+          <a:lstStyle/>
+          <a:p>
+            <a:r>
+              <a:rPr lang="da-DK" dirty="0"/>
+              <a:t>Growth of </a:t>
+            </a:r>
+            <a:r>
+              <a:rPr lang="da-DK" dirty="0" err="1"/>
+              <a:t>some</a:t>
+            </a:r>
+            <a:r>
+              <a:rPr lang="da-DK" dirty="0"/>
+              <a:t> </a:t>
+            </a:r>
+            <a:r>
+              <a:rPr lang="da-DK" dirty="0" err="1"/>
+              <a:t>functions</a:t>
+            </a:r>
+            <a:endParaRPr lang="en-US" dirty="0"/>
+          </a:p>
+        </p:txBody>
+      </p:sp>
+      <p:sp>
+        <p:nvSpPr>
+          <p:cNvPr id="3" name="Content Placeholder 2">
+            <a:extLst>
+              <a:ext uri="{FF2B5EF4-FFF2-40B4-BE49-F238E27FC236}">
+                <a16:creationId xmlns:a16="http://schemas.microsoft.com/office/drawing/2014/main" id="{420E7B24-36BA-CB35-5DC2-422FA0D38093}"/>
+              </a:ext>
+            </a:extLst>
+          </p:cNvPr>
+          <p:cNvSpPr>
+            <a:spLocks noGrp="1"/>
+          </p:cNvSpPr>
+          <p:nvPr>
+            <p:ph idx="1"/>
+          </p:nvPr>
+        </p:nvSpPr>
+        <p:spPr/>
+        <p:txBody>
+          <a:bodyPr/>
+          <a:lstStyle/>
+          <a:p>
+            <a:endParaRPr lang="en-US"/>
+          </a:p>
+        </p:txBody>
+      </p:sp>
+      <p:pic>
+        <p:nvPicPr>
+          <p:cNvPr id="5" name="Picture 4">
+            <a:extLst>
+              <a:ext uri="{FF2B5EF4-FFF2-40B4-BE49-F238E27FC236}">
+                <a16:creationId xmlns:a16="http://schemas.microsoft.com/office/drawing/2014/main" id="{7EC79B60-F7CB-3481-C55D-1EC68965A090}"/>
+              </a:ext>
+            </a:extLst>
+          </p:cNvPr>
+          <p:cNvPicPr>
+            <a:picLocks noChangeAspect="1"/>
+          </p:cNvPicPr>
+          <p:nvPr/>
+        </p:nvPicPr>
+        <p:blipFill>
+          <a:blip r:embed="rId2"/>
+          <a:stretch>
+            <a:fillRect/>
+          </a:stretch>
+        </p:blipFill>
+        <p:spPr>
+          <a:xfrm>
+            <a:off x="0" y="1271097"/>
+            <a:ext cx="5990134" cy="5528309"/>
+          </a:xfrm>
+          <a:prstGeom prst="rect">
+            <a:avLst/>
+          </a:prstGeom>
+        </p:spPr>
+      </p:pic>
+      <p:pic>
+        <p:nvPicPr>
+          <p:cNvPr id="7" name="Picture 6">
+            <a:extLst>
+              <a:ext uri="{FF2B5EF4-FFF2-40B4-BE49-F238E27FC236}">
+                <a16:creationId xmlns:a16="http://schemas.microsoft.com/office/drawing/2014/main" id="{6A107B25-9DA8-C601-E0BF-41C3C7AA642A}"/>
+              </a:ext>
+            </a:extLst>
+          </p:cNvPr>
+          <p:cNvPicPr>
+            <a:picLocks noChangeAspect="1"/>
+          </p:cNvPicPr>
+          <p:nvPr/>
+        </p:nvPicPr>
+        <p:blipFill>
+          <a:blip r:embed="rId3"/>
+          <a:stretch>
+            <a:fillRect/>
+          </a:stretch>
+        </p:blipFill>
+        <p:spPr>
+          <a:xfrm>
+            <a:off x="5990134" y="1271097"/>
+            <a:ext cx="6200671" cy="5460394"/>
+          </a:xfrm>
+          <a:prstGeom prst="rect">
+            <a:avLst/>
+          </a:prstGeom>
+        </p:spPr>
+      </p:pic>
+    </p:spTree>
+    <p:extLst>
+      <p:ext uri="{BB962C8B-B14F-4D97-AF65-F5344CB8AC3E}">
+        <p14:creationId xmlns:p14="http://schemas.microsoft.com/office/powerpoint/2010/main" val="3562935653"/>
+      </p:ext>
+    </p:extLst>
+  </p:cSld>
+  <p:clrMapOvr>
+    <a:masterClrMapping/>
+  </p:clrMapOvr>
+</p:sld>
+</file>
+
+<file path=ppt/slides/slide9.xml><?xml version="1.0" encoding="utf-8"?>
+<p:sld xmlns:a="http://schemas.openxmlformats.org/drawingml/2006/main" xmlns:r="http://schemas.openxmlformats.org/officeDocument/2006/relationships" xmlns:p="http://schemas.openxmlformats.org/presentationml/2006/main">
+  <p:cSld>
+    <p:spTree>
+      <p:nvGrpSpPr>
+        <p:cNvPr id="1" name=""/>
+        <p:cNvGrpSpPr/>
+        <p:nvPr/>
+      </p:nvGrpSpPr>
+      <p:grpSpPr>
+        <a:xfrm>
+          <a:off x="0" y="0"/>
+          <a:ext cx="0" cy="0"/>
+          <a:chOff x="0" y="0"/>
+          <a:chExt cx="0" cy="0"/>
+        </a:xfrm>
+      </p:grpSpPr>
       <p:graphicFrame>
         <p:nvGraphicFramePr>
           <p:cNvPr id="14" name="Table 13"/>
@@ -35731,628 +36153,6 @@
     <p:bldLst>
       <p:bldP spid="9" grpId="0"/>
       <p:bldP spid="11" grpId="0"/>
-    </p:bldLst>
-  </p:timing>
-</p:sld>
-</file>
-
-<file path=ppt/slides/slide9.xml><?xml version="1.0" encoding="utf-8"?>
-<p:sld xmlns:a="http://schemas.openxmlformats.org/drawingml/2006/main" xmlns:r="http://schemas.openxmlformats.org/officeDocument/2006/relationships" xmlns:p="http://schemas.openxmlformats.org/presentationml/2006/main">
-  <p:cSld>
-    <p:bg>
-      <p:bgPr>
-        <a:solidFill>
-          <a:schemeClr val="accent6">
-            <a:lumMod val="20000"/>
-            <a:lumOff val="80000"/>
-          </a:schemeClr>
-        </a:solidFill>
-        <a:effectLst/>
-      </p:bgPr>
-    </p:bg>
-    <p:spTree>
-      <p:nvGrpSpPr>
-        <p:cNvPr id="1" name=""/>
-        <p:cNvGrpSpPr/>
-        <p:nvPr/>
-      </p:nvGrpSpPr>
-      <p:grpSpPr>
-        <a:xfrm>
-          <a:off x="0" y="0"/>
-          <a:ext cx="0" cy="0"/>
-          <a:chOff x="0" y="0"/>
-          <a:chExt cx="0" cy="0"/>
-        </a:xfrm>
-      </p:grpSpPr>
-      <p:sp>
-        <p:nvSpPr>
-          <p:cNvPr id="2" name="Title 1"/>
-          <p:cNvSpPr>
-            <a:spLocks noGrp="1"/>
-          </p:cNvSpPr>
-          <p:nvPr>
-            <p:ph type="title"/>
-          </p:nvPr>
-        </p:nvSpPr>
-        <p:spPr>
-          <a:xfrm>
-            <a:off x="838199" y="365125"/>
-            <a:ext cx="11153931" cy="1325563"/>
-          </a:xfrm>
-        </p:spPr>
-        <p:txBody>
-          <a:bodyPr/>
-          <a:lstStyle/>
-          <a:p>
-            <a:r>
-              <a:rPr lang="da-DK" dirty="0" err="1"/>
-              <a:t>Question</a:t>
-            </a:r>
-            <a:r>
-              <a:rPr lang="da-DK" dirty="0"/>
-              <a:t> – </a:t>
-            </a:r>
-            <a:r>
-              <a:rPr lang="da-DK" dirty="0" err="1"/>
-              <a:t>Number</a:t>
-            </a:r>
-            <a:r>
-              <a:rPr lang="da-DK" dirty="0"/>
-              <a:t> of </a:t>
-            </a:r>
-            <a:r>
-              <a:rPr lang="da-DK" dirty="0" err="1"/>
-              <a:t>iterations</a:t>
-            </a:r>
-            <a:r>
-              <a:rPr lang="da-DK" dirty="0"/>
-              <a:t> of </a:t>
-            </a:r>
-            <a:r>
-              <a:rPr lang="da-DK" dirty="0" err="1"/>
-              <a:t>while</a:t>
-            </a:r>
-            <a:r>
-              <a:rPr lang="da-DK" dirty="0"/>
-              <a:t>-loop ?</a:t>
-            </a:r>
-            <a:endParaRPr lang="en-US" dirty="0"/>
-          </a:p>
-        </p:txBody>
-      </p:sp>
-      <p:sp>
-        <p:nvSpPr>
-          <p:cNvPr id="3" name="Content Placeholder 2"/>
-          <p:cNvSpPr>
-            <a:spLocks noGrp="1"/>
-          </p:cNvSpPr>
-          <p:nvPr>
-            <p:ph idx="1"/>
-          </p:nvPr>
-        </p:nvSpPr>
-        <p:spPr>
-          <a:xfrm>
-            <a:off x="2282251" y="1810634"/>
-            <a:ext cx="8673296" cy="4351338"/>
-          </a:xfrm>
-        </p:spPr>
-        <p:txBody>
-          <a:bodyPr>
-            <a:normAutofit fontScale="92500" lnSpcReduction="20000"/>
-          </a:bodyPr>
-          <a:lstStyle/>
-          <a:p>
-            <a:pPr marL="0" indent="0">
-              <a:buNone/>
-            </a:pPr>
-            <a:r>
-              <a:rPr lang="en-US" dirty="0" err="1">
-                <a:latin typeface="Courier" pitchFamily="49" charset="0"/>
-              </a:rPr>
-              <a:t>merge_sort_iterative</a:t>
-            </a:r>
-            <a:r>
-              <a:rPr lang="en-US" dirty="0">
-                <a:latin typeface="Courier" pitchFamily="49" charset="0"/>
-              </a:rPr>
-              <a:t>([7, 1, 9, 3, -2, 5])</a:t>
-            </a:r>
-          </a:p>
-          <a:p>
-            <a:endParaRPr lang="da-DK" dirty="0"/>
-          </a:p>
-          <a:p>
-            <a:pPr marL="514350" indent="-514350">
-              <a:buFont typeface="+mj-lt"/>
-              <a:buAutoNum type="alphaLcParenR"/>
-            </a:pPr>
-            <a:r>
-              <a:rPr lang="da-DK" dirty="0"/>
-              <a:t>1</a:t>
-            </a:r>
-          </a:p>
-          <a:p>
-            <a:pPr marL="514350" indent="-514350">
-              <a:buFont typeface="+mj-lt"/>
-              <a:buAutoNum type="alphaLcParenR"/>
-            </a:pPr>
-            <a:r>
-              <a:rPr lang="da-DK" dirty="0"/>
-              <a:t>2</a:t>
-            </a:r>
-          </a:p>
-          <a:p>
-            <a:pPr marL="514350" indent="-514350">
-              <a:buFont typeface="+mj-lt"/>
-              <a:buAutoNum type="alphaLcParenR"/>
-            </a:pPr>
-            <a:r>
-              <a:rPr lang="da-DK" dirty="0"/>
-              <a:t>3</a:t>
-            </a:r>
-          </a:p>
-          <a:p>
-            <a:pPr marL="514350" indent="-514350">
-              <a:buFont typeface="+mj-lt"/>
-              <a:buAutoNum type="alphaLcParenR"/>
-            </a:pPr>
-            <a:r>
-              <a:rPr lang="da-DK" dirty="0"/>
-              <a:t>4</a:t>
-            </a:r>
-          </a:p>
-          <a:p>
-            <a:pPr marL="514350" indent="-514350">
-              <a:buFont typeface="+mj-lt"/>
-              <a:buAutoNum type="alphaLcParenR"/>
-            </a:pPr>
-            <a:r>
-              <a:rPr lang="da-DK" dirty="0"/>
-              <a:t>5</a:t>
-            </a:r>
-          </a:p>
-          <a:p>
-            <a:pPr marL="514350" indent="-514350">
-              <a:buFont typeface="+mj-lt"/>
-              <a:buAutoNum type="alphaLcParenR"/>
-            </a:pPr>
-            <a:r>
-              <a:rPr lang="da-DK" dirty="0"/>
-              <a:t>6</a:t>
-            </a:r>
-          </a:p>
-          <a:p>
-            <a:pPr marL="514350" indent="-514350">
-              <a:buFont typeface="+mj-lt"/>
-              <a:buAutoNum type="alphaLcParenR"/>
-            </a:pPr>
-            <a:r>
-              <a:rPr lang="da-DK" dirty="0"/>
-              <a:t>7</a:t>
-            </a:r>
-          </a:p>
-          <a:p>
-            <a:pPr marL="514350" indent="-514350">
-              <a:buFont typeface="+mj-lt"/>
-              <a:buAutoNum type="alphaLcParenR"/>
-            </a:pPr>
-            <a:r>
-              <a:rPr lang="da-DK" dirty="0" err="1"/>
-              <a:t>Don’t</a:t>
-            </a:r>
-            <a:r>
-              <a:rPr lang="da-DK" dirty="0"/>
-              <a:t> know</a:t>
-            </a:r>
-            <a:endParaRPr lang="en-US" dirty="0"/>
-          </a:p>
-        </p:txBody>
-      </p:sp>
-      <p:graphicFrame>
-        <p:nvGraphicFramePr>
-          <p:cNvPr id="4" name="Table 3"/>
-          <p:cNvGraphicFramePr>
-            <a:graphicFrameLocks noGrp="1"/>
-          </p:cNvGraphicFramePr>
-          <p:nvPr>
-            <p:extLst>
-              <p:ext uri="{D42A27DB-BD31-4B8C-83A1-F6EECF244321}">
-                <p14:modId xmlns:p14="http://schemas.microsoft.com/office/powerpoint/2010/main" val="4245617824"/>
-              </p:ext>
-            </p:extLst>
-          </p:nvPr>
-        </p:nvGraphicFramePr>
-        <p:xfrm>
-          <a:off x="5275881" y="3249666"/>
-          <a:ext cx="6326505" cy="1828800"/>
-        </p:xfrm>
-        <a:graphic>
-          <a:graphicData uri="http://schemas.openxmlformats.org/drawingml/2006/table">
-            <a:tbl>
-              <a:tblPr firstRow="1" bandRow="1">
-                <a:tableStyleId>{5C22544A-7EE6-4342-B048-85BDC9FD1C3A}</a:tableStyleId>
-              </a:tblPr>
-              <a:tblGrid>
-                <a:gridCol w="6326505">
-                  <a:extLst>
-                    <a:ext uri="{9D8B030D-6E8A-4147-A177-3AD203B41FA5}">
-                      <a16:colId xmlns:a16="http://schemas.microsoft.com/office/drawing/2014/main" val="1873682825"/>
-                    </a:ext>
-                  </a:extLst>
-                </a:gridCol>
-              </a:tblGrid>
-              <a:tr h="327377">
-                <a:tc>
-                  <a:txBody>
-                    <a:bodyPr/>
-                    <a:lstStyle/>
-                    <a:p>
-                      <a:r>
-                        <a:rPr lang="da-DK" sz="1800" b="1">
-                          <a:latin typeface="Courier New" panose="02070309020205020404" pitchFamily="49" charset="0"/>
-                          <a:cs typeface="Courier New" panose="02070309020205020404" pitchFamily="49" charset="0"/>
-                        </a:rPr>
-                        <a:t>merge_sort.py</a:t>
-                      </a:r>
-                      <a:endParaRPr lang="da-DK" sz="1800" b="1" dirty="0">
-                        <a:latin typeface="Courier New" panose="02070309020205020404" pitchFamily="49" charset="0"/>
-                        <a:cs typeface="Courier New" panose="02070309020205020404" pitchFamily="49" charset="0"/>
-                      </a:endParaRPr>
-                    </a:p>
-                  </a:txBody>
-                  <a:tcPr anchor="ctr">
-                    <a:lnL w="6350" cap="flat" cmpd="sng" algn="ctr">
-                      <a:solidFill>
-                        <a:schemeClr val="tx1"/>
-                      </a:solidFill>
-                      <a:prstDash val="solid"/>
-                      <a:round/>
-                      <a:headEnd type="none" w="med" len="med"/>
-                      <a:tailEnd type="none" w="med" len="med"/>
-                    </a:lnL>
-                    <a:lnR w="6350" cap="flat" cmpd="sng" algn="ctr">
-                      <a:solidFill>
-                        <a:schemeClr val="tx1"/>
-                      </a:solidFill>
-                      <a:prstDash val="solid"/>
-                      <a:round/>
-                      <a:headEnd type="none" w="med" len="med"/>
-                      <a:tailEnd type="none" w="med" len="med"/>
-                    </a:lnR>
-                    <a:lnT w="6350" cap="flat" cmpd="sng" algn="ctr">
-                      <a:solidFill>
-                        <a:schemeClr val="tx1"/>
-                      </a:solidFill>
-                      <a:prstDash val="solid"/>
-                      <a:round/>
-                      <a:headEnd type="none" w="med" len="med"/>
-                      <a:tailEnd type="none" w="med" len="med"/>
-                    </a:lnT>
-                    <a:lnB w="6350" cap="flat" cmpd="sng" algn="ctr">
-                      <a:solidFill>
-                        <a:schemeClr val="tx1"/>
-                      </a:solidFill>
-                      <a:prstDash val="solid"/>
-                      <a:round/>
-                      <a:headEnd type="none" w="med" len="med"/>
-                      <a:tailEnd type="none" w="med" len="med"/>
-                    </a:lnB>
-                    <a:lnTlToBr w="12700" cmpd="sng">
-                      <a:noFill/>
-                      <a:prstDash val="solid"/>
-                    </a:lnTlToBr>
-                    <a:lnBlToTr w="12700" cmpd="sng">
-                      <a:noFill/>
-                      <a:prstDash val="solid"/>
-                    </a:lnBlToTr>
-                    <a:solidFill>
-                      <a:srgbClr val="C00000"/>
-                    </a:solidFill>
-                  </a:tcPr>
-                </a:tc>
-                <a:extLst>
-                  <a:ext uri="{0D108BD9-81ED-4DB2-BD59-A6C34878D82A}">
-                    <a16:rowId xmlns:a16="http://schemas.microsoft.com/office/drawing/2014/main" val="3330819881"/>
-                  </a:ext>
-                </a:extLst>
-              </a:tr>
-              <a:tr h="1429672">
-                <a:tc>
-                  <a:txBody>
-                    <a:bodyPr/>
-                    <a:lstStyle/>
-                    <a:p>
-                      <a:r>
-                        <a:rPr lang="pt-BR" sz="1800" b="1" dirty="0">
-                          <a:latin typeface="Courier New" panose="02070309020205020404" pitchFamily="49" charset="0"/>
-                          <a:cs typeface="Courier New" panose="02070309020205020404" pitchFamily="49" charset="0"/>
-                        </a:rPr>
-                        <a:t>def </a:t>
-                      </a:r>
-                      <a:r>
-                        <a:rPr lang="pt-BR" sz="1800" b="1" dirty="0">
-                          <a:solidFill>
-                            <a:srgbClr val="C00000"/>
-                          </a:solidFill>
-                          <a:latin typeface="Courier New" panose="02070309020205020404" pitchFamily="49" charset="0"/>
-                          <a:cs typeface="Courier New" panose="02070309020205020404" pitchFamily="49" charset="0"/>
-                        </a:rPr>
-                        <a:t>merge_sort_iterative</a:t>
-                      </a:r>
-                      <a:r>
-                        <a:rPr lang="pt-BR" sz="1800" b="1" dirty="0">
-                          <a:latin typeface="Courier New" panose="02070309020205020404" pitchFamily="49" charset="0"/>
-                          <a:cs typeface="Courier New" panose="02070309020205020404" pitchFamily="49" charset="0"/>
-                        </a:rPr>
-                        <a:t>(L):</a:t>
-                      </a:r>
-                    </a:p>
-                    <a:p>
-                      <a:r>
-                        <a:rPr lang="pt-BR" sz="1800" b="1" dirty="0">
-                          <a:latin typeface="Courier New" panose="02070309020205020404" pitchFamily="49" charset="0"/>
-                          <a:cs typeface="Courier New" panose="02070309020205020404" pitchFamily="49" charset="0"/>
-                        </a:rPr>
-                        <a:t>    Q = [[x] for x in L]</a:t>
-                      </a:r>
-                    </a:p>
-                    <a:p>
-                      <a:r>
-                        <a:rPr lang="pt-BR" sz="1800" b="1" dirty="0">
-                          <a:latin typeface="Courier New" panose="02070309020205020404" pitchFamily="49" charset="0"/>
-                          <a:cs typeface="Courier New" panose="02070309020205020404" pitchFamily="49" charset="0"/>
-                        </a:rPr>
-                        <a:t>    while len(Q) &gt; 1:</a:t>
-                      </a:r>
-                    </a:p>
-                    <a:p>
-                      <a:r>
-                        <a:rPr lang="pt-BR" sz="1800" b="1" dirty="0">
-                          <a:latin typeface="Courier New" panose="02070309020205020404" pitchFamily="49" charset="0"/>
-                          <a:cs typeface="Courier New" panose="02070309020205020404" pitchFamily="49" charset="0"/>
-                        </a:rPr>
-                        <a:t>        Q.insert(0, </a:t>
-                      </a:r>
-                      <a:r>
-                        <a:rPr lang="pt-BR" sz="1800" b="1" dirty="0">
-                          <a:solidFill>
-                            <a:schemeClr val="accent1">
-                              <a:lumMod val="50000"/>
-                            </a:schemeClr>
-                          </a:solidFill>
-                          <a:latin typeface="Courier New" panose="02070309020205020404" pitchFamily="49" charset="0"/>
-                          <a:cs typeface="Courier New" panose="02070309020205020404" pitchFamily="49" charset="0"/>
-                        </a:rPr>
-                        <a:t>merge</a:t>
-                      </a:r>
-                      <a:r>
-                        <a:rPr lang="pt-BR" sz="1800" b="1" dirty="0">
-                          <a:latin typeface="Courier New" panose="02070309020205020404" pitchFamily="49" charset="0"/>
-                          <a:cs typeface="Courier New" panose="02070309020205020404" pitchFamily="49" charset="0"/>
-                        </a:rPr>
-                        <a:t>(Q.pop(), Q.pop()))</a:t>
-                      </a:r>
-                    </a:p>
-                    <a:p>
-                      <a:r>
-                        <a:rPr lang="pt-BR" sz="1800" b="1" dirty="0">
-                          <a:latin typeface="Courier New" panose="02070309020205020404" pitchFamily="49" charset="0"/>
-                          <a:cs typeface="Courier New" panose="02070309020205020404" pitchFamily="49" charset="0"/>
-                        </a:rPr>
-                        <a:t>    return Q[0]</a:t>
-                      </a:r>
-                    </a:p>
-                  </a:txBody>
-                  <a:tcPr>
-                    <a:lnL w="6350" cap="flat" cmpd="sng" algn="ctr">
-                      <a:solidFill>
-                        <a:schemeClr val="tx1"/>
-                      </a:solidFill>
-                      <a:prstDash val="solid"/>
-                      <a:round/>
-                      <a:headEnd type="none" w="med" len="med"/>
-                      <a:tailEnd type="none" w="med" len="med"/>
-                    </a:lnL>
-                    <a:lnR w="6350" cap="flat" cmpd="sng" algn="ctr">
-                      <a:solidFill>
-                        <a:schemeClr val="tx1"/>
-                      </a:solidFill>
-                      <a:prstDash val="solid"/>
-                      <a:round/>
-                      <a:headEnd type="none" w="med" len="med"/>
-                      <a:tailEnd type="none" w="med" len="med"/>
-                    </a:lnR>
-                    <a:lnT w="6350" cap="flat" cmpd="sng" algn="ctr">
-                      <a:solidFill>
-                        <a:schemeClr val="tx1"/>
-                      </a:solidFill>
-                      <a:prstDash val="solid"/>
-                      <a:round/>
-                      <a:headEnd type="none" w="med" len="med"/>
-                      <a:tailEnd type="none" w="med" len="med"/>
-                    </a:lnT>
-                    <a:lnB w="6350" cap="flat" cmpd="sng" algn="ctr">
-                      <a:solidFill>
-                        <a:schemeClr val="tx1"/>
-                      </a:solidFill>
-                      <a:prstDash val="solid"/>
-                      <a:round/>
-                      <a:headEnd type="none" w="med" len="med"/>
-                      <a:tailEnd type="none" w="med" len="med"/>
-                    </a:lnB>
-                    <a:lnTlToBr w="12700" cmpd="sng">
-                      <a:noFill/>
-                      <a:prstDash val="solid"/>
-                    </a:lnTlToBr>
-                    <a:lnBlToTr w="12700" cmpd="sng">
-                      <a:noFill/>
-                      <a:prstDash val="solid"/>
-                    </a:lnBlToTr>
-                    <a:solidFill>
-                      <a:schemeClr val="accent5">
-                        <a:lumMod val="20000"/>
-                        <a:lumOff val="80000"/>
-                      </a:schemeClr>
-                    </a:solidFill>
-                  </a:tcPr>
-                </a:tc>
-                <a:extLst>
-                  <a:ext uri="{0D108BD9-81ED-4DB2-BD59-A6C34878D82A}">
-                    <a16:rowId xmlns:a16="http://schemas.microsoft.com/office/drawing/2014/main" val="4112970457"/>
-                  </a:ext>
-                </a:extLst>
-              </a:tr>
-            </a:tbl>
-          </a:graphicData>
-        </a:graphic>
-      </p:graphicFrame>
-      <p:sp>
-        <p:nvSpPr>
-          <p:cNvPr id="5" name="Smiley Face 4"/>
-          <p:cNvSpPr/>
-          <p:nvPr/>
-        </p:nvSpPr>
-        <p:spPr>
-          <a:xfrm>
-            <a:off x="1736256" y="4205837"/>
-            <a:ext cx="374567" cy="363338"/>
-          </a:xfrm>
-          <a:prstGeom prst="smileyFace">
-            <a:avLst>
-              <a:gd name="adj" fmla="val 4653"/>
-            </a:avLst>
-          </a:prstGeom>
-          <a:solidFill>
-            <a:srgbClr val="FFFF00"/>
-          </a:solidFill>
-          <a:ln>
-            <a:solidFill>
-              <a:schemeClr val="tx1">
-                <a:lumMod val="95000"/>
-                <a:lumOff val="5000"/>
-              </a:schemeClr>
-            </a:solidFill>
-          </a:ln>
-        </p:spPr>
-        <p:style>
-          <a:lnRef idx="2">
-            <a:schemeClr val="accent1">
-              <a:shade val="50000"/>
-            </a:schemeClr>
-          </a:lnRef>
-          <a:fillRef idx="1">
-            <a:schemeClr val="accent1"/>
-          </a:fillRef>
-          <a:effectRef idx="0">
-            <a:schemeClr val="accent1"/>
-          </a:effectRef>
-          <a:fontRef idx="minor">
-            <a:schemeClr val="lt1"/>
-          </a:fontRef>
-        </p:style>
-        <p:txBody>
-          <a:bodyPr rtlCol="0" anchor="ctr"/>
-          <a:lstStyle/>
-          <a:p>
-            <a:pPr algn="ctr"/>
-            <a:endParaRPr lang="en-US" dirty="0"/>
-          </a:p>
-        </p:txBody>
-      </p:sp>
-    </p:spTree>
-    <p:extLst>
-      <p:ext uri="{BB962C8B-B14F-4D97-AF65-F5344CB8AC3E}">
-        <p14:creationId xmlns:p14="http://schemas.microsoft.com/office/powerpoint/2010/main" val="1045333798"/>
-      </p:ext>
-    </p:extLst>
-  </p:cSld>
-  <p:clrMapOvr>
-    <a:masterClrMapping/>
-  </p:clrMapOvr>
-  <p:timing>
-    <p:tnLst>
-      <p:par>
-        <p:cTn id="1" dur="indefinite" restart="never" nodeType="tmRoot">
-          <p:childTnLst>
-            <p:seq concurrent="1" nextAc="seek">
-              <p:cTn id="2" dur="indefinite" nodeType="mainSeq">
-                <p:childTnLst>
-                  <p:par>
-                    <p:cTn id="3" fill="hold">
-                      <p:stCondLst>
-                        <p:cond delay="indefinite"/>
-                      </p:stCondLst>
-                      <p:childTnLst>
-                        <p:par>
-                          <p:cTn id="4" fill="hold">
-                            <p:stCondLst>
-                              <p:cond delay="0"/>
-                            </p:stCondLst>
-                            <p:childTnLst>
-                              <p:par>
-                                <p:cTn id="5" presetID="10" presetClass="entr" presetSubtype="0" fill="hold" grpId="0" nodeType="clickEffect">
-                                  <p:stCondLst>
-                                    <p:cond delay="0"/>
-                                  </p:stCondLst>
-                                  <p:childTnLst>
-                                    <p:set>
-                                      <p:cBhvr>
-                                        <p:cTn id="6" dur="1" fill="hold">
-                                          <p:stCondLst>
-                                            <p:cond delay="0"/>
-                                          </p:stCondLst>
-                                        </p:cTn>
-                                        <p:tgtEl>
-                                          <p:spTgt spid="5"/>
-                                        </p:tgtEl>
-                                        <p:attrNameLst>
-                                          <p:attrName>style.visibility</p:attrName>
-                                        </p:attrNameLst>
-                                      </p:cBhvr>
-                                      <p:to>
-                                        <p:strVal val="visible"/>
-                                      </p:to>
-                                    </p:set>
-                                    <p:animEffect transition="in" filter="fade">
-                                      <p:cBhvr>
-                                        <p:cTn id="7" dur="500"/>
-                                        <p:tgtEl>
-                                          <p:spTgt spid="5"/>
-                                        </p:tgtEl>
-                                      </p:cBhvr>
-                                    </p:animEffect>
-                                  </p:childTnLst>
-                                </p:cTn>
-                              </p:par>
-                            </p:childTnLst>
-                          </p:cTn>
-                        </p:par>
-                      </p:childTnLst>
-                    </p:cTn>
-                  </p:par>
-                </p:childTnLst>
-              </p:cTn>
-              <p:prevCondLst>
-                <p:cond evt="onPrev" delay="0">
-                  <p:tgtEl>
-                    <p:sldTgt/>
-                  </p:tgtEl>
-                </p:cond>
-              </p:prevCondLst>
-              <p:nextCondLst>
-                <p:cond evt="onNext" delay="0">
-                  <p:tgtEl>
-                    <p:sldTgt/>
-                  </p:tgtEl>
-                </p:cond>
-              </p:nextCondLst>
-            </p:seq>
-          </p:childTnLst>
-        </p:cTn>
-      </p:par>
-    </p:tnLst>
-    <p:bldLst>
-      <p:bldP spid="5" grpId="0" animBg="1"/>
     </p:bldLst>
   </p:timing>
 </p:sld>

--- a/ipsa/slides/recursion_iteration.pptx
+++ b/ipsa/slides/recursion_iteration.pptx
@@ -225,14 +225,6 @@
           <pc:docMk/>
           <pc:sldMk cId="2532045085" sldId="524"/>
         </pc:sldMkLst>
-        <pc:graphicFrameChg chg="modGraphic">
-          <ac:chgData name="Gerth Stølting Brodal" userId="04ef4784-6591-4f86-a140-f5c3b108582a" providerId="ADAL" clId="{16D418B6-0C90-46E8-B70B-D9752314CCC1}" dt="2025-02-26T07:44:18.747" v="99" actId="20577"/>
-          <ac:graphicFrameMkLst>
-            <pc:docMk/>
-            <pc:sldMk cId="2532045085" sldId="524"/>
-            <ac:graphicFrameMk id="5" creationId="{00000000-0000-0000-0000-000000000000}"/>
-          </ac:graphicFrameMkLst>
-        </pc:graphicFrameChg>
       </pc:sldChg>
       <pc:sldChg chg="modSp mod">
         <pc:chgData name="Gerth Stølting Brodal" userId="04ef4784-6591-4f86-a140-f5c3b108582a" providerId="ADAL" clId="{16D418B6-0C90-46E8-B70B-D9752314CCC1}" dt="2025-02-26T10:48:17.819" v="101" actId="1035"/>
@@ -240,14 +232,6 @@
           <pc:docMk/>
           <pc:sldMk cId="3760098750" sldId="620"/>
         </pc:sldMkLst>
-        <pc:picChg chg="mod">
-          <ac:chgData name="Gerth Stølting Brodal" userId="04ef4784-6591-4f86-a140-f5c3b108582a" providerId="ADAL" clId="{16D418B6-0C90-46E8-B70B-D9752314CCC1}" dt="2025-02-26T10:48:17.819" v="101" actId="1035"/>
-          <ac:picMkLst>
-            <pc:docMk/>
-            <pc:sldMk cId="3760098750" sldId="620"/>
-            <ac:picMk id="3" creationId="{EE7E1E12-119F-4B25-9FAE-4FB6A80D4987}"/>
-          </ac:picMkLst>
-        </pc:picChg>
       </pc:sldChg>
       <pc:sldChg chg="addSp modSp new mod">
         <pc:chgData name="Gerth Stølting Brodal" userId="04ef4784-6591-4f86-a140-f5c3b108582a" providerId="ADAL" clId="{16D418B6-0C90-46E8-B70B-D9752314CCC1}" dt="2025-02-26T07:34:19.257" v="84" actId="1036"/>
@@ -255,30 +239,6 @@
           <pc:docMk/>
           <pc:sldMk cId="3562935653" sldId="623"/>
         </pc:sldMkLst>
-        <pc:spChg chg="mod">
-          <ac:chgData name="Gerth Stølting Brodal" userId="04ef4784-6591-4f86-a140-f5c3b108582a" providerId="ADAL" clId="{16D418B6-0C90-46E8-B70B-D9752314CCC1}" dt="2025-02-26T07:34:19.257" v="84" actId="1036"/>
-          <ac:spMkLst>
-            <pc:docMk/>
-            <pc:sldMk cId="3562935653" sldId="623"/>
-            <ac:spMk id="2" creationId="{DD7D1BC2-4388-3CA1-2BEB-7334EBB38034}"/>
-          </ac:spMkLst>
-        </pc:spChg>
-        <pc:picChg chg="add mod">
-          <ac:chgData name="Gerth Stølting Brodal" userId="04ef4784-6591-4f86-a140-f5c3b108582a" providerId="ADAL" clId="{16D418B6-0C90-46E8-B70B-D9752314CCC1}" dt="2025-02-26T07:34:07.368" v="45" actId="1076"/>
-          <ac:picMkLst>
-            <pc:docMk/>
-            <pc:sldMk cId="3562935653" sldId="623"/>
-            <ac:picMk id="5" creationId="{7EC79B60-F7CB-3481-C55D-1EC68965A090}"/>
-          </ac:picMkLst>
-        </pc:picChg>
-        <pc:picChg chg="add mod">
-          <ac:chgData name="Gerth Stølting Brodal" userId="04ef4784-6591-4f86-a140-f5c3b108582a" providerId="ADAL" clId="{16D418B6-0C90-46E8-B70B-D9752314CCC1}" dt="2025-02-26T07:34:04.691" v="44" actId="1076"/>
-          <ac:picMkLst>
-            <pc:docMk/>
-            <pc:sldMk cId="3562935653" sldId="623"/>
-            <ac:picMk id="7" creationId="{6A107B25-9DA8-C601-E0BF-41C3C7AA642A}"/>
-          </ac:picMkLst>
-        </pc:picChg>
       </pc:sldChg>
     </pc:docChg>
   </pc:docChgLst>
@@ -302,6 +262,68 @@
           <pc:docMk/>
           <pc:sldMk cId="554381377" sldId="616"/>
         </pc:sldMkLst>
+      </pc:sldChg>
+    </pc:docChg>
+  </pc:docChgLst>
+  <pc:docChgLst>
+    <pc:chgData name="Gerth Stølting Brodal" userId="04ef4784-6591-4f86-a140-f5c3b108582a" providerId="ADAL" clId="{27124F44-A0F7-408A-AA2B-2C5136C1DC06}"/>
+    <pc:docChg chg="modSld">
+      <pc:chgData name="Gerth Stølting Brodal" userId="04ef4784-6591-4f86-a140-f5c3b108582a" providerId="ADAL" clId="{27124F44-A0F7-408A-AA2B-2C5136C1DC06}" dt="2025-10-27T18:23:40.244" v="7" actId="962"/>
+      <pc:docMkLst>
+        <pc:docMk/>
+      </pc:docMkLst>
+      <pc:sldChg chg="modSp mod">
+        <pc:chgData name="Gerth Stølting Brodal" userId="04ef4784-6591-4f86-a140-f5c3b108582a" providerId="ADAL" clId="{27124F44-A0F7-408A-AA2B-2C5136C1DC06}" dt="2025-10-27T18:23:27.660" v="3" actId="962"/>
+        <pc:sldMkLst>
+          <pc:docMk/>
+          <pc:sldMk cId="3719311819" sldId="609"/>
+        </pc:sldMkLst>
+        <pc:spChg chg="mod">
+          <ac:chgData name="Gerth Stølting Brodal" userId="04ef4784-6591-4f86-a140-f5c3b108582a" providerId="ADAL" clId="{27124F44-A0F7-408A-AA2B-2C5136C1DC06}" dt="2025-10-27T18:23:27.660" v="3" actId="962"/>
+          <ac:spMkLst>
+            <pc:docMk/>
+            <pc:sldMk cId="3719311819" sldId="609"/>
+            <ac:spMk id="7" creationId="{3116208C-34B0-4694-B8AE-2011BD797F5E}"/>
+          </ac:spMkLst>
+        </pc:spChg>
+        <pc:spChg chg="mod">
+          <ac:chgData name="Gerth Stølting Brodal" userId="04ef4784-6591-4f86-a140-f5c3b108582a" providerId="ADAL" clId="{27124F44-A0F7-408A-AA2B-2C5136C1DC06}" dt="2025-10-27T18:23:17.149" v="1" actId="962"/>
+          <ac:spMkLst>
+            <pc:docMk/>
+            <pc:sldMk cId="3719311819" sldId="609"/>
+            <ac:spMk id="9" creationId="{00000000-0000-0000-0000-000000000000}"/>
+          </ac:spMkLst>
+        </pc:spChg>
+      </pc:sldChg>
+      <pc:sldChg chg="modSp mod">
+        <pc:chgData name="Gerth Stølting Brodal" userId="04ef4784-6591-4f86-a140-f5c3b108582a" providerId="ADAL" clId="{27124F44-A0F7-408A-AA2B-2C5136C1DC06}" dt="2025-10-27T18:23:40.244" v="7" actId="962"/>
+        <pc:sldMkLst>
+          <pc:docMk/>
+          <pc:sldMk cId="1045333798" sldId="613"/>
+        </pc:sldMkLst>
+        <pc:spChg chg="mod">
+          <ac:chgData name="Gerth Stølting Brodal" userId="04ef4784-6591-4f86-a140-f5c3b108582a" providerId="ADAL" clId="{27124F44-A0F7-408A-AA2B-2C5136C1DC06}" dt="2025-10-27T18:23:40.244" v="7" actId="962"/>
+          <ac:spMkLst>
+            <pc:docMk/>
+            <pc:sldMk cId="1045333798" sldId="613"/>
+            <ac:spMk id="5" creationId="{00000000-0000-0000-0000-000000000000}"/>
+          </ac:spMkLst>
+        </pc:spChg>
+      </pc:sldChg>
+      <pc:sldChg chg="modSp mod">
+        <pc:chgData name="Gerth Stølting Brodal" userId="04ef4784-6591-4f86-a140-f5c3b108582a" providerId="ADAL" clId="{27124F44-A0F7-408A-AA2B-2C5136C1DC06}" dt="2025-10-27T18:23:32.668" v="5" actId="962"/>
+        <pc:sldMkLst>
+          <pc:docMk/>
+          <pc:sldMk cId="40755719" sldId="619"/>
+        </pc:sldMkLst>
+        <pc:spChg chg="mod">
+          <ac:chgData name="Gerth Stølting Brodal" userId="04ef4784-6591-4f86-a140-f5c3b108582a" providerId="ADAL" clId="{27124F44-A0F7-408A-AA2B-2C5136C1DC06}" dt="2025-10-27T18:23:32.668" v="5" actId="962"/>
+          <ac:spMkLst>
+            <pc:docMk/>
+            <pc:sldMk cId="40755719" sldId="619"/>
+            <ac:spMk id="9" creationId="{00000000-0000-0000-0000-000000000000}"/>
+          </ac:spMkLst>
+        </pc:spChg>
       </pc:sldChg>
     </pc:docChg>
   </pc:docChgLst>
@@ -513,7 +535,7 @@
           <a:p>
             <a:fld id="{FB1A172F-81D4-4DC4-9113-1DBD56EC3646}" type="datetimeFigureOut">
               <a:rPr lang="en-US" smtClean="0"/>
-              <a:t>2/26/2025</a:t>
+              <a:t>10/27/2025</a:t>
             </a:fld>
             <a:endParaRPr lang="en-US"/>
           </a:p>
@@ -1954,7 +1976,7 @@
           <a:p>
             <a:fld id="{0560A9CD-0304-4E0B-9E82-E7E0115DE05B}" type="datetimeFigureOut">
               <a:rPr lang="en-US" smtClean="0"/>
-              <a:t>2/26/2025</a:t>
+              <a:t>10/27/2025</a:t>
             </a:fld>
             <a:endParaRPr lang="en-US"/>
           </a:p>
@@ -2122,7 +2144,7 @@
           <a:p>
             <a:fld id="{0560A9CD-0304-4E0B-9E82-E7E0115DE05B}" type="datetimeFigureOut">
               <a:rPr lang="en-US" smtClean="0"/>
-              <a:t>2/26/2025</a:t>
+              <a:t>10/27/2025</a:t>
             </a:fld>
             <a:endParaRPr lang="en-US"/>
           </a:p>
@@ -2300,7 +2322,7 @@
           <a:p>
             <a:fld id="{0560A9CD-0304-4E0B-9E82-E7E0115DE05B}" type="datetimeFigureOut">
               <a:rPr lang="en-US" smtClean="0"/>
-              <a:t>2/26/2025</a:t>
+              <a:t>10/27/2025</a:t>
             </a:fld>
             <a:endParaRPr lang="en-US"/>
           </a:p>
@@ -2483,7 +2505,7 @@
           <a:p>
             <a:fld id="{0560A9CD-0304-4E0B-9E82-E7E0115DE05B}" type="datetimeFigureOut">
               <a:rPr lang="en-US" smtClean="0"/>
-              <a:t>2/26/2025</a:t>
+              <a:t>10/27/2025</a:t>
             </a:fld>
             <a:endParaRPr lang="en-US"/>
           </a:p>
@@ -2728,7 +2750,7 @@
           <a:p>
             <a:fld id="{0560A9CD-0304-4E0B-9E82-E7E0115DE05B}" type="datetimeFigureOut">
               <a:rPr lang="en-US" smtClean="0"/>
-              <a:t>2/26/2025</a:t>
+              <a:t>10/27/2025</a:t>
             </a:fld>
             <a:endParaRPr lang="en-US"/>
           </a:p>
@@ -2957,7 +2979,7 @@
           <a:p>
             <a:fld id="{0560A9CD-0304-4E0B-9E82-E7E0115DE05B}" type="datetimeFigureOut">
               <a:rPr lang="en-US" smtClean="0"/>
-              <a:t>2/26/2025</a:t>
+              <a:t>10/27/2025</a:t>
             </a:fld>
             <a:endParaRPr lang="en-US"/>
           </a:p>
@@ -3321,7 +3343,7 @@
           <a:p>
             <a:fld id="{0560A9CD-0304-4E0B-9E82-E7E0115DE05B}" type="datetimeFigureOut">
               <a:rPr lang="en-US" smtClean="0"/>
-              <a:t>2/26/2025</a:t>
+              <a:t>10/27/2025</a:t>
             </a:fld>
             <a:endParaRPr lang="en-US"/>
           </a:p>
@@ -3438,7 +3460,7 @@
           <a:p>
             <a:fld id="{0560A9CD-0304-4E0B-9E82-E7E0115DE05B}" type="datetimeFigureOut">
               <a:rPr lang="en-US" smtClean="0"/>
-              <a:t>2/26/2025</a:t>
+              <a:t>10/27/2025</a:t>
             </a:fld>
             <a:endParaRPr lang="en-US"/>
           </a:p>
@@ -3533,7 +3555,7 @@
           <a:p>
             <a:fld id="{0560A9CD-0304-4E0B-9E82-E7E0115DE05B}" type="datetimeFigureOut">
               <a:rPr lang="en-US" smtClean="0"/>
-              <a:t>2/26/2025</a:t>
+              <a:t>10/27/2025</a:t>
             </a:fld>
             <a:endParaRPr lang="en-US"/>
           </a:p>
@@ -3808,7 +3830,7 @@
           <a:p>
             <a:fld id="{0560A9CD-0304-4E0B-9E82-E7E0115DE05B}" type="datetimeFigureOut">
               <a:rPr lang="en-US" smtClean="0"/>
-              <a:t>2/26/2025</a:t>
+              <a:t>10/27/2025</a:t>
             </a:fld>
             <a:endParaRPr lang="en-US"/>
           </a:p>
@@ -4060,7 +4082,7 @@
           <a:p>
             <a:fld id="{0560A9CD-0304-4E0B-9E82-E7E0115DE05B}" type="datetimeFigureOut">
               <a:rPr lang="en-US" smtClean="0"/>
-              <a:t>2/26/2025</a:t>
+              <a:t>10/27/2025</a:t>
             </a:fld>
             <a:endParaRPr lang="en-US"/>
           </a:p>
@@ -4271,7 +4293,7 @@
           <a:p>
             <a:fld id="{0560A9CD-0304-4E0B-9E82-E7E0115DE05B}" type="datetimeFigureOut">
               <a:rPr lang="en-US" smtClean="0"/>
-              <a:t>2/26/2025</a:t>
+              <a:t>10/27/2025</a:t>
             </a:fld>
             <a:endParaRPr lang="en-US"/>
           </a:p>
@@ -5227,7 +5249,7 @@
       </p:graphicFrame>
       <p:sp>
         <p:nvSpPr>
-          <p:cNvPr id="5" name="Smiley Face 4"/>
+          <p:cNvPr id="5" name="Smiley Face 4" descr="QuizAnswer"/>
           <p:cNvSpPr/>
           <p:nvPr/>
         </p:nvSpPr>
@@ -33210,7 +33232,7 @@
       </p:graphicFrame>
       <p:sp>
         <p:nvSpPr>
-          <p:cNvPr id="9" name="Smiley Face 8"/>
+          <p:cNvPr id="9" name="Smiley Face 8" descr="QuizAnswer"/>
           <p:cNvSpPr/>
           <p:nvPr/>
         </p:nvSpPr>
@@ -33294,7 +33316,7 @@
       </p:sp>
       <p:sp>
         <p:nvSpPr>
-          <p:cNvPr id="7" name="TextBox 6">
+          <p:cNvPr id="7" name="TextBox 6" descr="QuizAnswer">
             <a:extLst>
               <a:ext uri="{FF2B5EF4-FFF2-40B4-BE49-F238E27FC236}">
                 <a16:creationId xmlns:a16="http://schemas.microsoft.com/office/drawing/2014/main" id="{3116208C-34B0-4694-B8AE-2011BD797F5E}"/>
@@ -33747,7 +33769,7 @@
       </mc:AlternateContent>
       <p:sp>
         <p:nvSpPr>
-          <p:cNvPr id="9" name="Smiley Face 8"/>
+          <p:cNvPr id="9" name="Smiley Face 8" descr="QuizAnswer"/>
           <p:cNvSpPr/>
           <p:nvPr/>
         </p:nvSpPr>

--- a/ipsa/slides/recursion_iteration.pptx
+++ b/ipsa/slides/recursion_iteration.pptx
@@ -136,316 +136,72 @@
 </p:presentation>
 </file>
 
+<file path=ppt/revisionInfo.xml><?xml version="1.0" encoding="utf-8"?>
+<p1510:revInfo xmlns:a="http://schemas.openxmlformats.org/drawingml/2006/main" xmlns:r="http://schemas.openxmlformats.org/officeDocument/2006/relationships" xmlns:p1510="http://schemas.microsoft.com/office/powerpoint/2015/10/main">
+  <p1510:revLst>
+    <p1510:client id="{32528D2F-8BAE-4036-A99F-A2E1406FD0CA}" v="5" dt="2026-02-19T17:29:51.192"/>
+  </p1510:revLst>
+</p1510:revInfo>
+</file>
+
 <file path=ppt/changesInfos/changesInfo1.xml><?xml version="1.0" encoding="utf-8"?>
 <pc:chgInfo xmlns:a="http://schemas.openxmlformats.org/drawingml/2006/main" xmlns:r="http://schemas.openxmlformats.org/officeDocument/2006/relationships" xmlns:ac="http://schemas.microsoft.com/office/drawing/2013/main/command" xmlns:pc="http://schemas.microsoft.com/office/powerpoint/2013/main/command">
   <pc:docChgLst>
-    <pc:chgData name="Gerth Stølting Brodal" userId="04ef4784-6591-4f86-a140-f5c3b108582a" providerId="ADAL" clId="{46CBCB9D-8672-4CB5-85B4-5F79DD33B1F8}"/>
-    <pc:docChg chg="undo custSel modSld">
-      <pc:chgData name="Gerth Stølting Brodal" userId="04ef4784-6591-4f86-a140-f5c3b108582a" providerId="ADAL" clId="{46CBCB9D-8672-4CB5-85B4-5F79DD33B1F8}" dt="2024-02-26T08:45:43.609" v="181" actId="20577"/>
-      <pc:docMkLst>
-        <pc:docMk/>
-      </pc:docMkLst>
-      <pc:sldChg chg="modSp mod">
-        <pc:chgData name="Gerth Stølting Brodal" userId="04ef4784-6591-4f86-a140-f5c3b108582a" providerId="ADAL" clId="{46CBCB9D-8672-4CB5-85B4-5F79DD33B1F8}" dt="2024-02-26T08:37:09.557" v="158" actId="207"/>
-        <pc:sldMkLst>
-          <pc:docMk/>
-          <pc:sldMk cId="88308015" sldId="600"/>
-        </pc:sldMkLst>
-      </pc:sldChg>
-      <pc:sldChg chg="modNotesTx">
-        <pc:chgData name="Gerth Stølting Brodal" userId="04ef4784-6591-4f86-a140-f5c3b108582a" providerId="ADAL" clId="{46CBCB9D-8672-4CB5-85B4-5F79DD33B1F8}" dt="2024-02-26T08:15:11.656" v="157" actId="20577"/>
-        <pc:sldMkLst>
-          <pc:docMk/>
-          <pc:sldMk cId="1759374402" sldId="614"/>
-        </pc:sldMkLst>
-      </pc:sldChg>
-      <pc:sldChg chg="modSp mod">
-        <pc:chgData name="Gerth Stølting Brodal" userId="04ef4784-6591-4f86-a140-f5c3b108582a" providerId="ADAL" clId="{46CBCB9D-8672-4CB5-85B4-5F79DD33B1F8}" dt="2024-02-25T19:25:18.357" v="15" actId="20577"/>
-        <pc:sldMkLst>
-          <pc:docMk/>
-          <pc:sldMk cId="3760098750" sldId="620"/>
-        </pc:sldMkLst>
-      </pc:sldChg>
-      <pc:sldChg chg="modNotesTx">
-        <pc:chgData name="Gerth Stølting Brodal" userId="04ef4784-6591-4f86-a140-f5c3b108582a" providerId="ADAL" clId="{46CBCB9D-8672-4CB5-85B4-5F79DD33B1F8}" dt="2024-02-26T08:45:43.609" v="181" actId="20577"/>
-        <pc:sldMkLst>
-          <pc:docMk/>
-          <pc:sldMk cId="3927913750" sldId="621"/>
-        </pc:sldMkLst>
-      </pc:sldChg>
-    </pc:docChg>
-  </pc:docChgLst>
-  <pc:docChgLst>
-    <pc:chgData name="Gerth Stølting Brodal" userId="04ef4784-6591-4f86-a140-f5c3b108582a" providerId="ADAL" clId="{6E5DD688-9C5E-458B-9F43-04A60C8F18DE}"/>
+    <pc:chgData name="Gerth Stølting Brodal" userId="04ef4784-6591-4f86-a140-f5c3b108582a" providerId="ADAL" clId="{73BAC7D6-516A-44B5-B4B0-C7B08CA8B392}"/>
     <pc:docChg chg="custSel modSld">
-      <pc:chgData name="Gerth Stølting Brodal" userId="04ef4784-6591-4f86-a140-f5c3b108582a" providerId="ADAL" clId="{6E5DD688-9C5E-458B-9F43-04A60C8F18DE}" dt="2023-03-01T12:31:25.905" v="256" actId="20577"/>
+      <pc:chgData name="Gerth Stølting Brodal" userId="04ef4784-6591-4f86-a140-f5c3b108582a" providerId="ADAL" clId="{73BAC7D6-516A-44B5-B4B0-C7B08CA8B392}" dt="2026-02-19T17:53:15.235" v="409" actId="20577"/>
       <pc:docMkLst>
         <pc:docMk/>
       </pc:docMkLst>
       <pc:sldChg chg="modNotesTx">
-        <pc:chgData name="Gerth Stølting Brodal" userId="04ef4784-6591-4f86-a140-f5c3b108582a" providerId="ADAL" clId="{6E5DD688-9C5E-458B-9F43-04A60C8F18DE}" dt="2023-03-01T12:28:57.204" v="240" actId="20577"/>
-        <pc:sldMkLst>
-          <pc:docMk/>
-          <pc:sldMk cId="2031821264" sldId="515"/>
-        </pc:sldMkLst>
-      </pc:sldChg>
-      <pc:sldChg chg="modSp mod">
-        <pc:chgData name="Gerth Stølting Brodal" userId="04ef4784-6591-4f86-a140-f5c3b108582a" providerId="ADAL" clId="{6E5DD688-9C5E-458B-9F43-04A60C8F18DE}" dt="2023-03-01T12:31:25.905" v="256" actId="20577"/>
-        <pc:sldMkLst>
-          <pc:docMk/>
-          <pc:sldMk cId="88308015" sldId="600"/>
-        </pc:sldMkLst>
-      </pc:sldChg>
-      <pc:sldChg chg="modSp mod">
-        <pc:chgData name="Gerth Stølting Brodal" userId="04ef4784-6591-4f86-a140-f5c3b108582a" providerId="ADAL" clId="{6E5DD688-9C5E-458B-9F43-04A60C8F18DE}" dt="2023-02-26T21:03:44.391" v="14" actId="20577"/>
-        <pc:sldMkLst>
-          <pc:docMk/>
-          <pc:sldMk cId="3760098750" sldId="620"/>
-        </pc:sldMkLst>
-      </pc:sldChg>
-      <pc:sldChg chg="modSp mod">
-        <pc:chgData name="Gerth Stølting Brodal" userId="04ef4784-6591-4f86-a140-f5c3b108582a" providerId="ADAL" clId="{6E5DD688-9C5E-458B-9F43-04A60C8F18DE}" dt="2023-02-26T21:04:05.778" v="25" actId="20577"/>
-        <pc:sldMkLst>
-          <pc:docMk/>
-          <pc:sldMk cId="3927913750" sldId="621"/>
-        </pc:sldMkLst>
-      </pc:sldChg>
-    </pc:docChg>
-  </pc:docChgLst>
-  <pc:docChgLst>
-    <pc:chgData name="Gerth Stølting Brodal" userId="04ef4784-6591-4f86-a140-f5c3b108582a" providerId="ADAL" clId="{16D418B6-0C90-46E8-B70B-D9752314CCC1}"/>
-    <pc:docChg chg="undo custSel addSld modSld">
-      <pc:chgData name="Gerth Stølting Brodal" userId="04ef4784-6591-4f86-a140-f5c3b108582a" providerId="ADAL" clId="{16D418B6-0C90-46E8-B70B-D9752314CCC1}" dt="2025-02-26T10:48:17.819" v="101" actId="1035"/>
-      <pc:docMkLst>
-        <pc:docMk/>
-      </pc:docMkLst>
-      <pc:sldChg chg="modSp mod">
-        <pc:chgData name="Gerth Stølting Brodal" userId="04ef4784-6591-4f86-a140-f5c3b108582a" providerId="ADAL" clId="{16D418B6-0C90-46E8-B70B-D9752314CCC1}" dt="2025-02-26T07:44:18.747" v="99" actId="20577"/>
-        <pc:sldMkLst>
-          <pc:docMk/>
-          <pc:sldMk cId="2532045085" sldId="524"/>
-        </pc:sldMkLst>
-      </pc:sldChg>
-      <pc:sldChg chg="modSp mod">
-        <pc:chgData name="Gerth Stølting Brodal" userId="04ef4784-6591-4f86-a140-f5c3b108582a" providerId="ADAL" clId="{16D418B6-0C90-46E8-B70B-D9752314CCC1}" dt="2025-02-26T10:48:17.819" v="101" actId="1035"/>
-        <pc:sldMkLst>
-          <pc:docMk/>
-          <pc:sldMk cId="3760098750" sldId="620"/>
-        </pc:sldMkLst>
-      </pc:sldChg>
-      <pc:sldChg chg="addSp modSp new mod">
-        <pc:chgData name="Gerth Stølting Brodal" userId="04ef4784-6591-4f86-a140-f5c3b108582a" providerId="ADAL" clId="{16D418B6-0C90-46E8-B70B-D9752314CCC1}" dt="2025-02-26T07:34:19.257" v="84" actId="1036"/>
-        <pc:sldMkLst>
-          <pc:docMk/>
-          <pc:sldMk cId="3562935653" sldId="623"/>
-        </pc:sldMkLst>
-      </pc:sldChg>
-    </pc:docChg>
-  </pc:docChgLst>
-  <pc:docChgLst>
-    <pc:chgData name="Gerth Stølting Brodal" userId="04ef4784-6591-4f86-a140-f5c3b108582a" providerId="ADAL" clId="{4C77F289-1D79-447E-8D56-FDAB373F4768}"/>
-    <pc:docChg chg="undo custSel modSld">
-      <pc:chgData name="Gerth Stølting Brodal" userId="04ef4784-6591-4f86-a140-f5c3b108582a" providerId="ADAL" clId="{4C77F289-1D79-447E-8D56-FDAB373F4768}" dt="2022-10-22T11:43:05.281" v="790" actId="1076"/>
-      <pc:docMkLst>
-        <pc:docMk/>
-      </pc:docMkLst>
-      <pc:sldChg chg="addSp modSp mod modNotesTx">
-        <pc:chgData name="Gerth Stølting Brodal" userId="04ef4784-6591-4f86-a140-f5c3b108582a" providerId="ADAL" clId="{4C77F289-1D79-447E-8D56-FDAB373F4768}" dt="2022-10-22T11:43:05.281" v="790" actId="1076"/>
-        <pc:sldMkLst>
-          <pc:docMk/>
-          <pc:sldMk cId="3839973964" sldId="615"/>
-        </pc:sldMkLst>
-      </pc:sldChg>
-      <pc:sldChg chg="addSp delSp modSp mod">
-        <pc:chgData name="Gerth Stølting Brodal" userId="04ef4784-6591-4f86-a140-f5c3b108582a" providerId="ADAL" clId="{4C77F289-1D79-447E-8D56-FDAB373F4768}" dt="2022-10-22T10:39:52.466" v="27" actId="1076"/>
-        <pc:sldMkLst>
-          <pc:docMk/>
-          <pc:sldMk cId="554381377" sldId="616"/>
-        </pc:sldMkLst>
-      </pc:sldChg>
-    </pc:docChg>
-  </pc:docChgLst>
-  <pc:docChgLst>
-    <pc:chgData name="Gerth Stølting Brodal" userId="04ef4784-6591-4f86-a140-f5c3b108582a" providerId="ADAL" clId="{27124F44-A0F7-408A-AA2B-2C5136C1DC06}"/>
-    <pc:docChg chg="modSld">
-      <pc:chgData name="Gerth Stølting Brodal" userId="04ef4784-6591-4f86-a140-f5c3b108582a" providerId="ADAL" clId="{27124F44-A0F7-408A-AA2B-2C5136C1DC06}" dt="2025-10-27T18:23:40.244" v="7" actId="962"/>
-      <pc:docMkLst>
-        <pc:docMk/>
-      </pc:docMkLst>
-      <pc:sldChg chg="modSp mod">
-        <pc:chgData name="Gerth Stølting Brodal" userId="04ef4784-6591-4f86-a140-f5c3b108582a" providerId="ADAL" clId="{27124F44-A0F7-408A-AA2B-2C5136C1DC06}" dt="2025-10-27T18:23:27.660" v="3" actId="962"/>
-        <pc:sldMkLst>
-          <pc:docMk/>
-          <pc:sldMk cId="3719311819" sldId="609"/>
-        </pc:sldMkLst>
-        <pc:spChg chg="mod">
-          <ac:chgData name="Gerth Stølting Brodal" userId="04ef4784-6591-4f86-a140-f5c3b108582a" providerId="ADAL" clId="{27124F44-A0F7-408A-AA2B-2C5136C1DC06}" dt="2025-10-27T18:23:27.660" v="3" actId="962"/>
-          <ac:spMkLst>
-            <pc:docMk/>
-            <pc:sldMk cId="3719311819" sldId="609"/>
-            <ac:spMk id="7" creationId="{3116208C-34B0-4694-B8AE-2011BD797F5E}"/>
-          </ac:spMkLst>
-        </pc:spChg>
-        <pc:spChg chg="mod">
-          <ac:chgData name="Gerth Stølting Brodal" userId="04ef4784-6591-4f86-a140-f5c3b108582a" providerId="ADAL" clId="{27124F44-A0F7-408A-AA2B-2C5136C1DC06}" dt="2025-10-27T18:23:17.149" v="1" actId="962"/>
-          <ac:spMkLst>
-            <pc:docMk/>
-            <pc:sldMk cId="3719311819" sldId="609"/>
-            <ac:spMk id="9" creationId="{00000000-0000-0000-0000-000000000000}"/>
-          </ac:spMkLst>
-        </pc:spChg>
-      </pc:sldChg>
-      <pc:sldChg chg="modSp mod">
-        <pc:chgData name="Gerth Stølting Brodal" userId="04ef4784-6591-4f86-a140-f5c3b108582a" providerId="ADAL" clId="{27124F44-A0F7-408A-AA2B-2C5136C1DC06}" dt="2025-10-27T18:23:40.244" v="7" actId="962"/>
-        <pc:sldMkLst>
-          <pc:docMk/>
-          <pc:sldMk cId="1045333798" sldId="613"/>
-        </pc:sldMkLst>
-        <pc:spChg chg="mod">
-          <ac:chgData name="Gerth Stølting Brodal" userId="04ef4784-6591-4f86-a140-f5c3b108582a" providerId="ADAL" clId="{27124F44-A0F7-408A-AA2B-2C5136C1DC06}" dt="2025-10-27T18:23:40.244" v="7" actId="962"/>
-          <ac:spMkLst>
-            <pc:docMk/>
-            <pc:sldMk cId="1045333798" sldId="613"/>
-            <ac:spMk id="5" creationId="{00000000-0000-0000-0000-000000000000}"/>
-          </ac:spMkLst>
-        </pc:spChg>
-      </pc:sldChg>
-      <pc:sldChg chg="modSp mod">
-        <pc:chgData name="Gerth Stølting Brodal" userId="04ef4784-6591-4f86-a140-f5c3b108582a" providerId="ADAL" clId="{27124F44-A0F7-408A-AA2B-2C5136C1DC06}" dt="2025-10-27T18:23:32.668" v="5" actId="962"/>
-        <pc:sldMkLst>
-          <pc:docMk/>
-          <pc:sldMk cId="40755719" sldId="619"/>
-        </pc:sldMkLst>
-        <pc:spChg chg="mod">
-          <ac:chgData name="Gerth Stølting Brodal" userId="04ef4784-6591-4f86-a140-f5c3b108582a" providerId="ADAL" clId="{27124F44-A0F7-408A-AA2B-2C5136C1DC06}" dt="2025-10-27T18:23:32.668" v="5" actId="962"/>
-          <ac:spMkLst>
-            <pc:docMk/>
-            <pc:sldMk cId="40755719" sldId="619"/>
-            <ac:spMk id="9" creationId="{00000000-0000-0000-0000-000000000000}"/>
-          </ac:spMkLst>
-        </pc:spChg>
-      </pc:sldChg>
-    </pc:docChg>
-  </pc:docChgLst>
-  <pc:docChgLst>
-    <pc:chgData name="Gerth Stølting Brodal" userId="04ef4784-6591-4f86-a140-f5c3b108582a" providerId="ADAL" clId="{F91C167E-A4E2-4A94-A8CC-037D6DC51703}"/>
-    <pc:docChg chg="custSel modSld">
-      <pc:chgData name="Gerth Stølting Brodal" userId="04ef4784-6591-4f86-a140-f5c3b108582a" providerId="ADAL" clId="{F91C167E-A4E2-4A94-A8CC-037D6DC51703}" dt="2022-02-28T07:23:17.097" v="91" actId="20577"/>
-      <pc:docMkLst>
-        <pc:docMk/>
-      </pc:docMkLst>
-      <pc:sldChg chg="modSp mod">
-        <pc:chgData name="Gerth Stølting Brodal" userId="04ef4784-6591-4f86-a140-f5c3b108582a" providerId="ADAL" clId="{F91C167E-A4E2-4A94-A8CC-037D6DC51703}" dt="2022-02-26T22:51:19.928" v="0" actId="20577"/>
-        <pc:sldMkLst>
-          <pc:docMk/>
-          <pc:sldMk cId="2532045085" sldId="524"/>
-        </pc:sldMkLst>
-      </pc:sldChg>
-      <pc:sldChg chg="modSp mod">
-        <pc:chgData name="Gerth Stølting Brodal" userId="04ef4784-6591-4f86-a140-f5c3b108582a" providerId="ADAL" clId="{F91C167E-A4E2-4A94-A8CC-037D6DC51703}" dt="2022-02-26T22:58:33.783" v="2" actId="1076"/>
-        <pc:sldMkLst>
-          <pc:docMk/>
-          <pc:sldMk cId="88308015" sldId="600"/>
-        </pc:sldMkLst>
-      </pc:sldChg>
-      <pc:sldChg chg="modNotesTx">
-        <pc:chgData name="Gerth Stølting Brodal" userId="04ef4784-6591-4f86-a140-f5c3b108582a" providerId="ADAL" clId="{F91C167E-A4E2-4A94-A8CC-037D6DC51703}" dt="2022-02-28T07:23:17.097" v="91" actId="20577"/>
-        <pc:sldMkLst>
-          <pc:docMk/>
-          <pc:sldMk cId="1759374402" sldId="614"/>
-        </pc:sldMkLst>
-      </pc:sldChg>
-      <pc:sldChg chg="modSp mod modNotesTx">
-        <pc:chgData name="Gerth Stølting Brodal" userId="04ef4784-6591-4f86-a140-f5c3b108582a" providerId="ADAL" clId="{F91C167E-A4E2-4A94-A8CC-037D6DC51703}" dt="2022-02-26T23:06:13.603" v="30" actId="6549"/>
-        <pc:sldMkLst>
-          <pc:docMk/>
-          <pc:sldMk cId="3760098750" sldId="620"/>
-        </pc:sldMkLst>
-      </pc:sldChg>
-    </pc:docChg>
-  </pc:docChgLst>
-  <pc:docChgLst>
-    <pc:chgData name="Gerth Stølting Brodal" userId="04ef4784-6591-4f86-a140-f5c3b108582a" providerId="ADAL" clId="{AB490710-A46B-476D-B419-920605A727E2}"/>
-    <pc:docChg chg="undo custSel addSld modSld">
-      <pc:chgData name="Gerth Stølting Brodal" userId="04ef4784-6591-4f86-a140-f5c3b108582a" providerId="ADAL" clId="{AB490710-A46B-476D-B419-920605A727E2}" dt="2021-03-02T16:45:36.175" v="540" actId="20577"/>
-      <pc:docMkLst>
-        <pc:docMk/>
-      </pc:docMkLst>
-      <pc:sldChg chg="modSp mod modAnim">
-        <pc:chgData name="Gerth Stølting Brodal" userId="04ef4784-6591-4f86-a140-f5c3b108582a" providerId="ADAL" clId="{AB490710-A46B-476D-B419-920605A727E2}" dt="2021-03-02T10:39:09.027" v="447" actId="20577"/>
+        <pc:chgData name="Gerth Stølting Brodal" userId="04ef4784-6591-4f86-a140-f5c3b108582a" providerId="ADAL" clId="{73BAC7D6-516A-44B5-B4B0-C7B08CA8B392}" dt="2026-02-19T17:52:07.769" v="408" actId="113"/>
         <pc:sldMkLst>
           <pc:docMk/>
           <pc:sldMk cId="1276516941" sldId="407"/>
         </pc:sldMkLst>
       </pc:sldChg>
-      <pc:sldChg chg="modSp mod modNotesTx">
-        <pc:chgData name="Gerth Stølting Brodal" userId="04ef4784-6591-4f86-a140-f5c3b108582a" providerId="ADAL" clId="{AB490710-A46B-476D-B419-920605A727E2}" dt="2021-03-02T10:18:55.115" v="254" actId="6549"/>
+      <pc:sldChg chg="modNotesTx">
+        <pc:chgData name="Gerth Stølting Brodal" userId="04ef4784-6591-4f86-a140-f5c3b108582a" providerId="ADAL" clId="{73BAC7D6-516A-44B5-B4B0-C7B08CA8B392}" dt="2026-02-19T17:48:52.635" v="308" actId="20577"/>
+        <pc:sldMkLst>
+          <pc:docMk/>
+          <pc:sldMk cId="1062450610" sldId="482"/>
+        </pc:sldMkLst>
+      </pc:sldChg>
+      <pc:sldChg chg="modSp mod">
+        <pc:chgData name="Gerth Stølting Brodal" userId="04ef4784-6591-4f86-a140-f5c3b108582a" providerId="ADAL" clId="{73BAC7D6-516A-44B5-B4B0-C7B08CA8B392}" dt="2026-02-19T17:53:15.235" v="409" actId="20577"/>
+        <pc:sldMkLst>
+          <pc:docMk/>
+          <pc:sldMk cId="2031821264" sldId="515"/>
+        </pc:sldMkLst>
+        <pc:graphicFrameChg chg="modGraphic">
+          <ac:chgData name="Gerth Stølting Brodal" userId="04ef4784-6591-4f86-a140-f5c3b108582a" providerId="ADAL" clId="{73BAC7D6-516A-44B5-B4B0-C7B08CA8B392}" dt="2026-02-19T17:53:15.235" v="409" actId="20577"/>
+          <ac:graphicFrameMkLst>
+            <pc:docMk/>
+            <pc:sldMk cId="2031821264" sldId="515"/>
+            <ac:graphicFrameMk id="8" creationId="{00000000-0000-0000-0000-000000000000}"/>
+          </ac:graphicFrameMkLst>
+        </pc:graphicFrameChg>
+      </pc:sldChg>
+      <pc:sldChg chg="modSp mod">
+        <pc:chgData name="Gerth Stølting Brodal" userId="04ef4784-6591-4f86-a140-f5c3b108582a" providerId="ADAL" clId="{73BAC7D6-516A-44B5-B4B0-C7B08CA8B392}" dt="2026-02-19T17:30:24.105" v="250" actId="6549"/>
         <pc:sldMkLst>
           <pc:docMk/>
           <pc:sldMk cId="2532045085" sldId="524"/>
         </pc:sldMkLst>
+        <pc:graphicFrameChg chg="mod modGraphic">
+          <ac:chgData name="Gerth Stølting Brodal" userId="04ef4784-6591-4f86-a140-f5c3b108582a" providerId="ADAL" clId="{73BAC7D6-516A-44B5-B4B0-C7B08CA8B392}" dt="2026-02-19T17:30:24.105" v="250" actId="6549"/>
+          <ac:graphicFrameMkLst>
+            <pc:docMk/>
+            <pc:sldMk cId="2532045085" sldId="524"/>
+            <ac:graphicFrameMk id="5" creationId="{00000000-0000-0000-0000-000000000000}"/>
+          </ac:graphicFrameMkLst>
+        </pc:graphicFrameChg>
       </pc:sldChg>
-      <pc:sldChg chg="modSp mod">
-        <pc:chgData name="Gerth Stølting Brodal" userId="04ef4784-6591-4f86-a140-f5c3b108582a" providerId="ADAL" clId="{AB490710-A46B-476D-B419-920605A727E2}" dt="2021-03-02T16:43:47.186" v="538" actId="313"/>
+      <pc:sldChg chg="modNotesTx">
+        <pc:chgData name="Gerth Stølting Brodal" userId="04ef4784-6591-4f86-a140-f5c3b108582a" providerId="ADAL" clId="{73BAC7D6-516A-44B5-B4B0-C7B08CA8B392}" dt="2026-02-19T17:20:34.646" v="124" actId="113"/>
         <pc:sldMkLst>
           <pc:docMk/>
-          <pc:sldMk cId="88308015" sldId="600"/>
-        </pc:sldMkLst>
-      </pc:sldChg>
-      <pc:sldChg chg="addSp modSp mod modNotesTx">
-        <pc:chgData name="Gerth Stølting Brodal" userId="04ef4784-6591-4f86-a140-f5c3b108582a" providerId="ADAL" clId="{AB490710-A46B-476D-B419-920605A727E2}" dt="2021-03-02T10:06:51.235" v="103" actId="20577"/>
-        <pc:sldMkLst>
-          <pc:docMk/>
-          <pc:sldMk cId="985042246" sldId="608"/>
-        </pc:sldMkLst>
-      </pc:sldChg>
-      <pc:sldChg chg="addSp delSp modSp mod addAnim delAnim modAnim">
-        <pc:chgData name="Gerth Stølting Brodal" userId="04ef4784-6591-4f86-a140-f5c3b108582a" providerId="ADAL" clId="{AB490710-A46B-476D-B419-920605A727E2}" dt="2021-03-02T10:11:16.075" v="212"/>
-        <pc:sldMkLst>
-          <pc:docMk/>
-          <pc:sldMk cId="3719311819" sldId="609"/>
-        </pc:sldMkLst>
-      </pc:sldChg>
-      <pc:sldChg chg="modNotesTx">
-        <pc:chgData name="Gerth Stølting Brodal" userId="04ef4784-6591-4f86-a140-f5c3b108582a" providerId="ADAL" clId="{AB490710-A46B-476D-B419-920605A727E2}" dt="2021-03-02T10:22:21.956" v="288" actId="20577"/>
-        <pc:sldMkLst>
-          <pc:docMk/>
-          <pc:sldMk cId="3839973964" sldId="615"/>
-        </pc:sldMkLst>
-      </pc:sldChg>
-      <pc:sldChg chg="addSp delSp modSp mod">
-        <pc:chgData name="Gerth Stølting Brodal" userId="04ef4784-6591-4f86-a140-f5c3b108582a" providerId="ADAL" clId="{AB490710-A46B-476D-B419-920605A727E2}" dt="2021-03-02T10:27:49.086" v="359" actId="478"/>
-        <pc:sldMkLst>
-          <pc:docMk/>
-          <pc:sldMk cId="1175075704" sldId="617"/>
-        </pc:sldMkLst>
-      </pc:sldChg>
-      <pc:sldChg chg="addSp delSp modSp mod delAnim">
-        <pc:chgData name="Gerth Stølting Brodal" userId="04ef4784-6591-4f86-a140-f5c3b108582a" providerId="ADAL" clId="{AB490710-A46B-476D-B419-920605A727E2}" dt="2021-03-02T10:33:08.438" v="374" actId="20577"/>
-        <pc:sldMkLst>
-          <pc:docMk/>
-          <pc:sldMk cId="1689941904" sldId="618"/>
-        </pc:sldMkLst>
-      </pc:sldChg>
-      <pc:sldChg chg="addSp modSp mod">
-        <pc:chgData name="Gerth Stølting Brodal" userId="04ef4784-6591-4f86-a140-f5c3b108582a" providerId="ADAL" clId="{AB490710-A46B-476D-B419-920605A727E2}" dt="2021-03-02T10:55:12.652" v="526" actId="1076"/>
-        <pc:sldMkLst>
-          <pc:docMk/>
-          <pc:sldMk cId="3760098750" sldId="620"/>
-        </pc:sldMkLst>
-      </pc:sldChg>
-      <pc:sldChg chg="modSp mod">
-        <pc:chgData name="Gerth Stølting Brodal" userId="04ef4784-6591-4f86-a140-f5c3b108582a" providerId="ADAL" clId="{AB490710-A46B-476D-B419-920605A727E2}" dt="2021-03-02T11:03:39.682" v="528" actId="207"/>
-        <pc:sldMkLst>
-          <pc:docMk/>
-          <pc:sldMk cId="3927913750" sldId="621"/>
-        </pc:sldMkLst>
-      </pc:sldChg>
-      <pc:sldChg chg="modSp add mod modAnim">
-        <pc:chgData name="Gerth Stølting Brodal" userId="04ef4784-6591-4f86-a140-f5c3b108582a" providerId="ADAL" clId="{AB490710-A46B-476D-B419-920605A727E2}" dt="2021-03-02T16:45:36.175" v="540" actId="20577"/>
-        <pc:sldMkLst>
-          <pc:docMk/>
-          <pc:sldMk cId="448497790" sldId="622"/>
+          <pc:sldMk cId="2314303491" sldId="612"/>
         </pc:sldMkLst>
       </pc:sldChg>
     </pc:docChg>
@@ -535,7 +291,7 @@
           <a:p>
             <a:fld id="{FB1A172F-81D4-4DC4-9113-1DBD56EC3646}" type="datetimeFigureOut">
               <a:rPr lang="en-US" smtClean="0"/>
-              <a:t>10/27/2025</a:t>
+              <a:t>2/19/2026</a:t>
             </a:fld>
             <a:endParaRPr lang="en-US"/>
           </a:p>
@@ -847,77 +603,83 @@
           <a:lstStyle/>
           <a:p>
             <a:r>
-              <a:rPr lang="da-DK" dirty="0"/>
-              <a:t>L[:] </a:t>
-            </a:r>
-            <a:r>
-              <a:rPr lang="da-DK" dirty="0" err="1"/>
-              <a:t>makes</a:t>
-            </a:r>
-            <a:r>
-              <a:rPr lang="da-DK" dirty="0"/>
-              <a:t> </a:t>
-            </a:r>
-            <a:r>
-              <a:rPr lang="da-DK" dirty="0" err="1"/>
-              <a:t>copy</a:t>
-            </a:r>
-            <a:r>
-              <a:rPr lang="da-DK" dirty="0"/>
-              <a:t> to </a:t>
-            </a:r>
-            <a:r>
-              <a:rPr lang="da-DK" dirty="0" err="1"/>
-              <a:t>ensure</a:t>
-            </a:r>
-            <a:r>
-              <a:rPr lang="da-DK" dirty="0"/>
-              <a:t> L </a:t>
-            </a:r>
-            <a:r>
-              <a:rPr lang="da-DK" dirty="0" err="1"/>
-              <a:t>remains</a:t>
-            </a:r>
-            <a:r>
-              <a:rPr lang="da-DK" dirty="0"/>
-              <a:t> </a:t>
-            </a:r>
-            <a:r>
-              <a:rPr lang="da-DK" dirty="0" err="1"/>
-              <a:t>unchanged</a:t>
-            </a:r>
-            <a:endParaRPr lang="da-DK" dirty="0"/>
+              <a:rPr lang="en-US" dirty="0"/>
+              <a:t>Examples: </a:t>
+            </a:r>
           </a:p>
           <a:p>
-            <a:r>
-              <a:rPr lang="da-DK" dirty="0"/>
-              <a:t>L = [3, 2, 1, 5, 7]</a:t>
+            <a:pPr marL="171450" indent="-171450">
+              <a:buFont typeface="Arial" panose="020B0604020202020204" pitchFamily="34" charset="0"/>
+              <a:buChar char="•"/>
+            </a:pPr>
+            <a:r>
+              <a:rPr lang="en-US" dirty="0"/>
+              <a:t>Sorting algorithms </a:t>
+            </a:r>
+            <a:r>
+              <a:rPr lang="en-US" b="1" dirty="0"/>
+              <a:t>selection sort</a:t>
+            </a:r>
+            <a:r>
+              <a:rPr lang="en-US" dirty="0"/>
+              <a:t>, </a:t>
+            </a:r>
+            <a:r>
+              <a:rPr lang="en-US" b="1" dirty="0"/>
+              <a:t>merge sort</a:t>
+            </a:r>
+            <a:r>
+              <a:rPr lang="en-US" dirty="0"/>
+              <a:t>, </a:t>
+            </a:r>
+            <a:r>
+              <a:rPr lang="en-US" b="1" dirty="0"/>
+              <a:t>quicksort</a:t>
             </a:r>
           </a:p>
           <a:p>
-            <a:r>
-              <a:rPr lang="da-DK" dirty="0" err="1"/>
-              <a:t>sorted</a:t>
-            </a:r>
-            <a:r>
-              <a:rPr lang="da-DK" dirty="0"/>
-              <a:t>(L)</a:t>
+            <a:pPr marL="171450" indent="-171450">
+              <a:buFont typeface="Arial" panose="020B0604020202020204" pitchFamily="34" charset="0"/>
+              <a:buChar char="•"/>
+            </a:pPr>
+            <a:r>
+              <a:rPr lang="en-US" b="1" dirty="0" err="1"/>
+              <a:t>FindZero</a:t>
+            </a:r>
+            <a:r>
+              <a:rPr lang="en-US" b="0" dirty="0"/>
+              <a:t> in a list</a:t>
             </a:r>
           </a:p>
           <a:p>
-            <a:r>
-              <a:rPr lang="da-DK" dirty="0" err="1"/>
-              <a:t>L.sort</a:t>
-            </a:r>
-            <a:r>
-              <a:rPr lang="da-DK" dirty="0"/>
-              <a:t>()  # side </a:t>
-            </a:r>
-            <a:r>
-              <a:rPr lang="da-DK" dirty="0" err="1"/>
-              <a:t>effect</a:t>
-            </a:r>
-            <a:endParaRPr lang="da-DK" dirty="0"/>
+            <a:pPr marL="171450" indent="-171450">
+              <a:buFont typeface="Arial" panose="020B0604020202020204" pitchFamily="34" charset="0"/>
+              <a:buChar char="•"/>
+            </a:pPr>
+            <a:r>
+              <a:rPr lang="en-US" b="1" dirty="0"/>
+              <a:t>GCD</a:t>
+            </a:r>
+          </a:p>
+          <a:p>
+            <a:pPr marL="171450" indent="-171450">
+              <a:buFont typeface="Arial" panose="020B0604020202020204" pitchFamily="34" charset="0"/>
+              <a:buChar char="•"/>
+            </a:pPr>
+            <a:r>
+              <a:rPr lang="en-US" b="1" dirty="0"/>
+              <a:t>Permutations</a:t>
+            </a:r>
+          </a:p>
+          <a:p>
+            <a:pPr marL="171450" indent="-171450">
+              <a:buFont typeface="Arial" panose="020B0604020202020204" pitchFamily="34" charset="0"/>
+              <a:buChar char="•"/>
+            </a:pPr>
+            <a:r>
+              <a:rPr lang="en-US" b="1" dirty="0"/>
+              <a:t>Maze solver</a:t>
+            </a:r>
           </a:p>
         </p:txBody>
       </p:sp>
@@ -938,7 +700,7 @@
           <a:p>
             <a:fld id="{CD563DD8-32AB-41BE-B1C6-8EAC45222ACE}" type="slidenum">
               <a:rPr lang="en-US" smtClean="0"/>
-              <a:t>3</a:t>
+              <a:t>1</a:t>
             </a:fld>
             <a:endParaRPr lang="en-US"/>
           </a:p>
@@ -947,7 +709,7 @@
     </p:spTree>
     <p:extLst>
       <p:ext uri="{BB962C8B-B14F-4D97-AF65-F5344CB8AC3E}">
-        <p14:creationId xmlns:p14="http://schemas.microsoft.com/office/powerpoint/2010/main" val="2608070144"/>
+        <p14:creationId xmlns:p14="http://schemas.microsoft.com/office/powerpoint/2010/main" val="4076535841"/>
       </p:ext>
     </p:extLst>
   </p:cSld>
@@ -958,6 +720,276 @@
 </file>
 
 <file path=ppt/notesSlides/notesSlide10.xml><?xml version="1.0" encoding="utf-8"?>
+<p:notes xmlns:a="http://schemas.openxmlformats.org/drawingml/2006/main" xmlns:r="http://schemas.openxmlformats.org/officeDocument/2006/relationships" xmlns:p="http://schemas.openxmlformats.org/presentationml/2006/main">
+  <p:cSld>
+    <p:spTree>
+      <p:nvGrpSpPr>
+        <p:cNvPr id="1" name=""/>
+        <p:cNvGrpSpPr/>
+        <p:nvPr/>
+      </p:nvGrpSpPr>
+      <p:grpSpPr>
+        <a:xfrm>
+          <a:off x="0" y="0"/>
+          <a:ext cx="0" cy="0"/>
+          <a:chOff x="0" y="0"/>
+          <a:chExt cx="0" cy="0"/>
+        </a:xfrm>
+      </p:grpSpPr>
+      <p:sp>
+        <p:nvSpPr>
+          <p:cNvPr id="2" name="Slide Image Placeholder 1"/>
+          <p:cNvSpPr>
+            <a:spLocks noGrp="1" noRot="1" noChangeAspect="1"/>
+          </p:cNvSpPr>
+          <p:nvPr>
+            <p:ph type="sldImg"/>
+          </p:nvPr>
+        </p:nvSpPr>
+        <p:spPr/>
+      </p:sp>
+      <p:sp>
+        <p:nvSpPr>
+          <p:cNvPr id="3" name="Notes Placeholder 2"/>
+          <p:cNvSpPr>
+            <a:spLocks noGrp="1"/>
+          </p:cNvSpPr>
+          <p:nvPr>
+            <p:ph type="body" idx="1"/>
+          </p:nvPr>
+        </p:nvSpPr>
+        <p:spPr/>
+        <p:txBody>
+          <a:bodyPr/>
+          <a:lstStyle/>
+          <a:p>
+            <a:r>
+              <a:rPr lang="en-US" dirty="0"/>
+              <a:t>The usage of L[:]</a:t>
+            </a:r>
+            <a:r>
+              <a:rPr lang="en-US" baseline="0" dirty="0"/>
+              <a:t> and L[:1] makes the implementation polymorph – and works for strings, tuples and lists</a:t>
+            </a:r>
+            <a:endParaRPr lang="en-US" dirty="0"/>
+          </a:p>
+        </p:txBody>
+      </p:sp>
+      <p:sp>
+        <p:nvSpPr>
+          <p:cNvPr id="4" name="Slide Number Placeholder 3"/>
+          <p:cNvSpPr>
+            <a:spLocks noGrp="1"/>
+          </p:cNvSpPr>
+          <p:nvPr>
+            <p:ph type="sldNum" sz="quarter" idx="10"/>
+          </p:nvPr>
+        </p:nvSpPr>
+        <p:spPr/>
+        <p:txBody>
+          <a:bodyPr/>
+          <a:lstStyle/>
+          <a:p>
+            <a:fld id="{CD563DD8-32AB-41BE-B1C6-8EAC45222ACE}" type="slidenum">
+              <a:rPr lang="en-US" smtClean="0"/>
+              <a:t>19</a:t>
+            </a:fld>
+            <a:endParaRPr lang="en-US"/>
+          </a:p>
+        </p:txBody>
+      </p:sp>
+    </p:spTree>
+    <p:extLst>
+      <p:ext uri="{BB962C8B-B14F-4D97-AF65-F5344CB8AC3E}">
+        <p14:creationId xmlns:p14="http://schemas.microsoft.com/office/powerpoint/2010/main" val="2807225134"/>
+      </p:ext>
+    </p:extLst>
+  </p:cSld>
+  <p:clrMapOvr>
+    <a:masterClrMapping/>
+  </p:clrMapOvr>
+</p:notes>
+</file>
+
+<file path=ppt/notesSlides/notesSlide11.xml><?xml version="1.0" encoding="utf-8"?>
+<p:notes xmlns:a="http://schemas.openxmlformats.org/drawingml/2006/main" xmlns:r="http://schemas.openxmlformats.org/officeDocument/2006/relationships" xmlns:p="http://schemas.openxmlformats.org/presentationml/2006/main">
+  <p:cSld>
+    <p:spTree>
+      <p:nvGrpSpPr>
+        <p:cNvPr id="1" name=""/>
+        <p:cNvGrpSpPr/>
+        <p:nvPr/>
+      </p:nvGrpSpPr>
+      <p:grpSpPr>
+        <a:xfrm>
+          <a:off x="0" y="0"/>
+          <a:ext cx="0" cy="0"/>
+          <a:chOff x="0" y="0"/>
+          <a:chExt cx="0" cy="0"/>
+        </a:xfrm>
+      </p:grpSpPr>
+      <p:sp>
+        <p:nvSpPr>
+          <p:cNvPr id="2" name="Slide Image Placeholder 1"/>
+          <p:cNvSpPr>
+            <a:spLocks noGrp="1" noRot="1" noChangeAspect="1"/>
+          </p:cNvSpPr>
+          <p:nvPr>
+            <p:ph type="sldImg"/>
+          </p:nvPr>
+        </p:nvSpPr>
+        <p:spPr/>
+      </p:sp>
+      <p:sp>
+        <p:nvSpPr>
+          <p:cNvPr id="3" name="Notes Placeholder 2"/>
+          <p:cNvSpPr>
+            <a:spLocks noGrp="1"/>
+          </p:cNvSpPr>
+          <p:nvPr>
+            <p:ph type="body" idx="1"/>
+          </p:nvPr>
+        </p:nvSpPr>
+        <p:spPr/>
+        <p:txBody>
+          <a:bodyPr/>
+          <a:lstStyle/>
+          <a:p>
+            <a:r>
+              <a:rPr lang="en-US" dirty="0"/>
+              <a:t>Exercise is to print the path</a:t>
+            </a:r>
+          </a:p>
+        </p:txBody>
+      </p:sp>
+      <p:sp>
+        <p:nvSpPr>
+          <p:cNvPr id="4" name="Slide Number Placeholder 3"/>
+          <p:cNvSpPr>
+            <a:spLocks noGrp="1"/>
+          </p:cNvSpPr>
+          <p:nvPr>
+            <p:ph type="sldNum" sz="quarter" idx="10"/>
+          </p:nvPr>
+        </p:nvSpPr>
+        <p:spPr/>
+        <p:txBody>
+          <a:bodyPr/>
+          <a:lstStyle/>
+          <a:p>
+            <a:fld id="{CD563DD8-32AB-41BE-B1C6-8EAC45222ACE}" type="slidenum">
+              <a:rPr lang="en-US" smtClean="0"/>
+              <a:t>20</a:t>
+            </a:fld>
+            <a:endParaRPr lang="en-US"/>
+          </a:p>
+        </p:txBody>
+      </p:sp>
+    </p:spTree>
+    <p:extLst>
+      <p:ext uri="{BB962C8B-B14F-4D97-AF65-F5344CB8AC3E}">
+        <p14:creationId xmlns:p14="http://schemas.microsoft.com/office/powerpoint/2010/main" val="2889396069"/>
+      </p:ext>
+    </p:extLst>
+  </p:cSld>
+  <p:clrMapOvr>
+    <a:masterClrMapping/>
+  </p:clrMapOvr>
+</p:notes>
+</file>
+
+<file path=ppt/notesSlides/notesSlide12.xml><?xml version="1.0" encoding="utf-8"?>
+<p:notes xmlns:a="http://schemas.openxmlformats.org/drawingml/2006/main" xmlns:r="http://schemas.openxmlformats.org/officeDocument/2006/relationships" xmlns:p="http://schemas.openxmlformats.org/presentationml/2006/main">
+  <p:cSld>
+    <p:spTree>
+      <p:nvGrpSpPr>
+        <p:cNvPr id="1" name=""/>
+        <p:cNvGrpSpPr/>
+        <p:nvPr/>
+      </p:nvGrpSpPr>
+      <p:grpSpPr>
+        <a:xfrm>
+          <a:off x="0" y="0"/>
+          <a:ext cx="0" cy="0"/>
+          <a:chOff x="0" y="0"/>
+          <a:chExt cx="0" cy="0"/>
+        </a:xfrm>
+      </p:grpSpPr>
+      <p:sp>
+        <p:nvSpPr>
+          <p:cNvPr id="2" name="Slide Image Placeholder 1"/>
+          <p:cNvSpPr>
+            <a:spLocks noGrp="1" noRot="1" noChangeAspect="1"/>
+          </p:cNvSpPr>
+          <p:nvPr>
+            <p:ph type="sldImg"/>
+          </p:nvPr>
+        </p:nvSpPr>
+        <p:spPr/>
+      </p:sp>
+      <p:sp>
+        <p:nvSpPr>
+          <p:cNvPr id="3" name="Notes Placeholder 2"/>
+          <p:cNvSpPr>
+            <a:spLocks noGrp="1"/>
+          </p:cNvSpPr>
+          <p:nvPr>
+            <p:ph type="body" idx="1"/>
+          </p:nvPr>
+        </p:nvSpPr>
+        <p:spPr/>
+        <p:txBody>
+          <a:bodyPr/>
+          <a:lstStyle/>
+          <a:p>
+            <a:r>
+              <a:rPr lang="en-US"/>
+              <a:t>find </a:t>
+            </a:r>
+            <a:r>
+              <a:rPr lang="en-US" dirty="0"/>
+              <a:t>returns -1 if not </a:t>
+            </a:r>
+          </a:p>
+        </p:txBody>
+      </p:sp>
+      <p:sp>
+        <p:nvSpPr>
+          <p:cNvPr id="4" name="Slide Number Placeholder 3"/>
+          <p:cNvSpPr>
+            <a:spLocks noGrp="1"/>
+          </p:cNvSpPr>
+          <p:nvPr>
+            <p:ph type="sldNum" sz="quarter" idx="10"/>
+          </p:nvPr>
+        </p:nvSpPr>
+        <p:spPr/>
+        <p:txBody>
+          <a:bodyPr/>
+          <a:lstStyle/>
+          <a:p>
+            <a:fld id="{CD563DD8-32AB-41BE-B1C6-8EAC45222ACE}" type="slidenum">
+              <a:rPr lang="en-US" smtClean="0"/>
+              <a:t>21</a:t>
+            </a:fld>
+            <a:endParaRPr lang="en-US"/>
+          </a:p>
+        </p:txBody>
+      </p:sp>
+    </p:spTree>
+    <p:extLst>
+      <p:ext uri="{BB962C8B-B14F-4D97-AF65-F5344CB8AC3E}">
+        <p14:creationId xmlns:p14="http://schemas.microsoft.com/office/powerpoint/2010/main" val="568683921"/>
+      </p:ext>
+    </p:extLst>
+  </p:cSld>
+  <p:clrMapOvr>
+    <a:masterClrMapping/>
+  </p:clrMapOvr>
+</p:notes>
+</file>
+
+<file path=ppt/notesSlides/notesSlide13.xml><?xml version="1.0" encoding="utf-8"?>
 <p:notes xmlns:a="http://schemas.openxmlformats.org/drawingml/2006/main" xmlns:r="http://schemas.openxmlformats.org/officeDocument/2006/relationships" xmlns:p="http://schemas.openxmlformats.org/presentationml/2006/main">
   <p:cSld>
     <p:spTree>
@@ -1105,6 +1137,161 @@
           <a:lstStyle/>
           <a:p>
             <a:r>
+              <a:rPr lang="da-DK" dirty="0"/>
+              <a:t>L[:] </a:t>
+            </a:r>
+            <a:r>
+              <a:rPr lang="da-DK" dirty="0" err="1"/>
+              <a:t>makes</a:t>
+            </a:r>
+            <a:r>
+              <a:rPr lang="da-DK" dirty="0"/>
+              <a:t> </a:t>
+            </a:r>
+            <a:r>
+              <a:rPr lang="da-DK" dirty="0" err="1"/>
+              <a:t>copy</a:t>
+            </a:r>
+            <a:r>
+              <a:rPr lang="da-DK" dirty="0"/>
+              <a:t> to </a:t>
+            </a:r>
+            <a:r>
+              <a:rPr lang="da-DK" dirty="0" err="1"/>
+              <a:t>ensure</a:t>
+            </a:r>
+            <a:r>
+              <a:rPr lang="da-DK" dirty="0"/>
+              <a:t> L </a:t>
+            </a:r>
+            <a:r>
+              <a:rPr lang="da-DK" dirty="0" err="1"/>
+              <a:t>remains</a:t>
+            </a:r>
+            <a:r>
+              <a:rPr lang="da-DK" dirty="0"/>
+              <a:t> </a:t>
+            </a:r>
+            <a:r>
+              <a:rPr lang="da-DK" dirty="0" err="1"/>
+              <a:t>unchanged</a:t>
+            </a:r>
+            <a:endParaRPr lang="da-DK" dirty="0"/>
+          </a:p>
+          <a:p>
+            <a:r>
+              <a:rPr lang="da-DK" dirty="0"/>
+              <a:t>L = [3, 2, 1, 5, 7]</a:t>
+            </a:r>
+          </a:p>
+          <a:p>
+            <a:r>
+              <a:rPr lang="da-DK" dirty="0" err="1"/>
+              <a:t>sorted</a:t>
+            </a:r>
+            <a:r>
+              <a:rPr lang="da-DK" dirty="0"/>
+              <a:t>(L)</a:t>
+            </a:r>
+          </a:p>
+          <a:p>
+            <a:r>
+              <a:rPr lang="da-DK" dirty="0" err="1"/>
+              <a:t>L.sort</a:t>
+            </a:r>
+            <a:r>
+              <a:rPr lang="da-DK" dirty="0"/>
+              <a:t>()  # side </a:t>
+            </a:r>
+            <a:r>
+              <a:rPr lang="da-DK" dirty="0" err="1"/>
+              <a:t>effect</a:t>
+            </a:r>
+            <a:endParaRPr lang="da-DK" dirty="0"/>
+          </a:p>
+        </p:txBody>
+      </p:sp>
+      <p:sp>
+        <p:nvSpPr>
+          <p:cNvPr id="4" name="Slide Number Placeholder 3"/>
+          <p:cNvSpPr>
+            <a:spLocks noGrp="1"/>
+          </p:cNvSpPr>
+          <p:nvPr>
+            <p:ph type="sldNum" sz="quarter" idx="5"/>
+          </p:nvPr>
+        </p:nvSpPr>
+        <p:spPr/>
+        <p:txBody>
+          <a:bodyPr/>
+          <a:lstStyle/>
+          <a:p>
+            <a:fld id="{CD563DD8-32AB-41BE-B1C6-8EAC45222ACE}" type="slidenum">
+              <a:rPr lang="en-US" smtClean="0"/>
+              <a:t>3</a:t>
+            </a:fld>
+            <a:endParaRPr lang="en-US"/>
+          </a:p>
+        </p:txBody>
+      </p:sp>
+    </p:spTree>
+    <p:extLst>
+      <p:ext uri="{BB962C8B-B14F-4D97-AF65-F5344CB8AC3E}">
+        <p14:creationId xmlns:p14="http://schemas.microsoft.com/office/powerpoint/2010/main" val="2608070144"/>
+      </p:ext>
+    </p:extLst>
+  </p:cSld>
+  <p:clrMapOvr>
+    <a:masterClrMapping/>
+  </p:clrMapOvr>
+</p:notes>
+</file>
+
+<file path=ppt/notesSlides/notesSlide3.xml><?xml version="1.0" encoding="utf-8"?>
+<p:notes xmlns:a="http://schemas.openxmlformats.org/drawingml/2006/main" xmlns:r="http://schemas.openxmlformats.org/officeDocument/2006/relationships" xmlns:p="http://schemas.openxmlformats.org/presentationml/2006/main">
+  <p:cSld>
+    <p:spTree>
+      <p:nvGrpSpPr>
+        <p:cNvPr id="1" name=""/>
+        <p:cNvGrpSpPr/>
+        <p:nvPr/>
+      </p:nvGrpSpPr>
+      <p:grpSpPr>
+        <a:xfrm>
+          <a:off x="0" y="0"/>
+          <a:ext cx="0" cy="0"/>
+          <a:chOff x="0" y="0"/>
+          <a:chExt cx="0" cy="0"/>
+        </a:xfrm>
+      </p:grpSpPr>
+      <p:sp>
+        <p:nvSpPr>
+          <p:cNvPr id="2" name="Slide Image Placeholder 1"/>
+          <p:cNvSpPr>
+            <a:spLocks noGrp="1" noRot="1" noChangeAspect="1"/>
+          </p:cNvSpPr>
+          <p:nvPr>
+            <p:ph type="sldImg"/>
+          </p:nvPr>
+        </p:nvSpPr>
+        <p:spPr/>
+      </p:sp>
+      <p:sp>
+        <p:nvSpPr>
+          <p:cNvPr id="3" name="Notes Placeholder 2"/>
+          <p:cNvSpPr>
+            <a:spLocks noGrp="1"/>
+          </p:cNvSpPr>
+          <p:nvPr>
+            <p:ph type="body" idx="1"/>
+          </p:nvPr>
+        </p:nvSpPr>
+        <p:spPr/>
+        <p:txBody>
+          <a:bodyPr/>
+          <a:lstStyle/>
+          <a:p>
+            <a:r>
               <a:rPr lang="en-US" dirty="0"/>
               <a:t>Could also have used </a:t>
             </a:r>
@@ -1155,7 +1342,122 @@
 </p:notes>
 </file>
 
-<file path=ppt/notesSlides/notesSlide3.xml><?xml version="1.0" encoding="utf-8"?>
+<file path=ppt/notesSlides/notesSlide4.xml><?xml version="1.0" encoding="utf-8"?>
+<p:notes xmlns:a="http://schemas.openxmlformats.org/drawingml/2006/main" xmlns:r="http://schemas.openxmlformats.org/officeDocument/2006/relationships" xmlns:p="http://schemas.openxmlformats.org/presentationml/2006/main">
+  <p:cSld>
+    <p:spTree>
+      <p:nvGrpSpPr>
+        <p:cNvPr id="1" name=""/>
+        <p:cNvGrpSpPr/>
+        <p:nvPr/>
+      </p:nvGrpSpPr>
+      <p:grpSpPr>
+        <a:xfrm>
+          <a:off x="0" y="0"/>
+          <a:ext cx="0" cy="0"/>
+          <a:chOff x="0" y="0"/>
+          <a:chExt cx="0" cy="0"/>
+        </a:xfrm>
+      </p:grpSpPr>
+      <p:sp>
+        <p:nvSpPr>
+          <p:cNvPr id="2" name="Slide Image Placeholder 1"/>
+          <p:cNvSpPr>
+            <a:spLocks noGrp="1" noRot="1" noChangeAspect="1"/>
+          </p:cNvSpPr>
+          <p:nvPr>
+            <p:ph type="sldImg"/>
+          </p:nvPr>
+        </p:nvSpPr>
+        <p:spPr/>
+      </p:sp>
+      <p:sp>
+        <p:nvSpPr>
+          <p:cNvPr id="3" name="Notes Placeholder 2"/>
+          <p:cNvSpPr>
+            <a:spLocks noGrp="1"/>
+          </p:cNvSpPr>
+          <p:nvPr>
+            <p:ph type="body" idx="1"/>
+          </p:nvPr>
+        </p:nvSpPr>
+        <p:spPr/>
+        <p:txBody>
+          <a:bodyPr/>
+          <a:lstStyle/>
+          <a:p>
+            <a:r>
+              <a:rPr lang="en-US" dirty="0"/>
+              <a:t>Python internally uses a slight variation of this algorithm denoted </a:t>
+            </a:r>
+            <a:r>
+              <a:rPr lang="en-US" dirty="0" err="1"/>
+              <a:t>TimSort</a:t>
+            </a:r>
+            <a:r>
+              <a:rPr lang="en-US" dirty="0"/>
+              <a:t>/</a:t>
+            </a:r>
+            <a:r>
+              <a:rPr lang="en-US" dirty="0" err="1"/>
+              <a:t>PowerSort</a:t>
+            </a:r>
+            <a:r>
+              <a:rPr lang="en-US" dirty="0"/>
+              <a:t> for </a:t>
+            </a:r>
+            <a:r>
+              <a:rPr lang="en-US" b="1" dirty="0"/>
+              <a:t>sort </a:t>
+            </a:r>
+            <a:r>
+              <a:rPr lang="en-US" dirty="0"/>
+              <a:t>and </a:t>
+            </a:r>
+            <a:r>
+              <a:rPr lang="en-US" b="1" dirty="0"/>
+              <a:t>sorted</a:t>
+            </a:r>
+          </a:p>
+        </p:txBody>
+      </p:sp>
+      <p:sp>
+        <p:nvSpPr>
+          <p:cNvPr id="4" name="Slide Number Placeholder 3"/>
+          <p:cNvSpPr>
+            <a:spLocks noGrp="1"/>
+          </p:cNvSpPr>
+          <p:nvPr>
+            <p:ph type="sldNum" sz="quarter" idx="5"/>
+          </p:nvPr>
+        </p:nvSpPr>
+        <p:spPr/>
+        <p:txBody>
+          <a:bodyPr/>
+          <a:lstStyle/>
+          <a:p>
+            <a:fld id="{CD563DD8-32AB-41BE-B1C6-8EAC45222ACE}" type="slidenum">
+              <a:rPr lang="en-US" smtClean="0"/>
+              <a:t>9</a:t>
+            </a:fld>
+            <a:endParaRPr lang="en-US"/>
+          </a:p>
+        </p:txBody>
+      </p:sp>
+    </p:spTree>
+    <p:extLst>
+      <p:ext uri="{BB962C8B-B14F-4D97-AF65-F5344CB8AC3E}">
+        <p14:creationId xmlns:p14="http://schemas.microsoft.com/office/powerpoint/2010/main" val="1842611536"/>
+      </p:ext>
+    </p:extLst>
+  </p:cSld>
+  <p:clrMapOvr>
+    <a:masterClrMapping/>
+  </p:clrMapOvr>
+</p:notes>
+</file>
+
+<file path=ppt/notesSlides/notesSlide5.xml><?xml version="1.0" encoding="utf-8"?>
 <p:notes xmlns:a="http://schemas.openxmlformats.org/drawingml/2006/main" xmlns:r="http://schemas.openxmlformats.org/officeDocument/2006/relationships" xmlns:p="http://schemas.openxmlformats.org/presentationml/2006/main">
   <p:cSld>
     <p:spTree>
@@ -1239,7 +1541,7 @@
 </p:notes>
 </file>
 
-<file path=ppt/notesSlides/notesSlide4.xml><?xml version="1.0" encoding="utf-8"?>
+<file path=ppt/notesSlides/notesSlide6.xml><?xml version="1.0" encoding="utf-8"?>
 <p:notes xmlns:a="http://schemas.openxmlformats.org/drawingml/2006/main" xmlns:r="http://schemas.openxmlformats.org/officeDocument/2006/relationships" xmlns:p="http://schemas.openxmlformats.org/presentationml/2006/main">
   <p:cSld>
     <p:spTree>
@@ -1335,7 +1637,7 @@
 </p:notes>
 </file>
 
-<file path=ppt/notesSlides/notesSlide5.xml><?xml version="1.0" encoding="utf-8"?>
+<file path=ppt/notesSlides/notesSlide7.xml><?xml version="1.0" encoding="utf-8"?>
 <p:notes xmlns:a="http://schemas.openxmlformats.org/drawingml/2006/main" xmlns:r="http://schemas.openxmlformats.org/officeDocument/2006/relationships" xmlns:p="http://schemas.openxmlformats.org/presentationml/2006/main">
   <p:cSld>
     <p:spTree>
@@ -1419,248 +1721,6 @@
 </p:notes>
 </file>
 
-<file path=ppt/notesSlides/notesSlide6.xml><?xml version="1.0" encoding="utf-8"?>
-<p:notes xmlns:a="http://schemas.openxmlformats.org/drawingml/2006/main" xmlns:r="http://schemas.openxmlformats.org/officeDocument/2006/relationships" xmlns:p="http://schemas.openxmlformats.org/presentationml/2006/main">
-  <p:cSld>
-    <p:spTree>
-      <p:nvGrpSpPr>
-        <p:cNvPr id="1" name=""/>
-        <p:cNvGrpSpPr/>
-        <p:nvPr/>
-      </p:nvGrpSpPr>
-      <p:grpSpPr>
-        <a:xfrm>
-          <a:off x="0" y="0"/>
-          <a:ext cx="0" cy="0"/>
-          <a:chOff x="0" y="0"/>
-          <a:chExt cx="0" cy="0"/>
-        </a:xfrm>
-      </p:grpSpPr>
-      <p:sp>
-        <p:nvSpPr>
-          <p:cNvPr id="2" name="Slide Image Placeholder 1"/>
-          <p:cNvSpPr>
-            <a:spLocks noGrp="1" noRot="1" noChangeAspect="1"/>
-          </p:cNvSpPr>
-          <p:nvPr>
-            <p:ph type="sldImg"/>
-          </p:nvPr>
-        </p:nvSpPr>
-        <p:spPr/>
-      </p:sp>
-      <p:sp>
-        <p:nvSpPr>
-          <p:cNvPr id="3" name="Notes Placeholder 2"/>
-          <p:cNvSpPr>
-            <a:spLocks noGrp="1"/>
-          </p:cNvSpPr>
-          <p:nvPr>
-            <p:ph type="body" idx="1"/>
-          </p:nvPr>
-        </p:nvSpPr>
-        <p:spPr/>
-        <p:txBody>
-          <a:bodyPr/>
-          <a:lstStyle/>
-          <a:p>
-            <a:r>
-              <a:rPr lang="en-US" dirty="0"/>
-              <a:t>In a recursive call to </a:t>
-            </a:r>
-            <a:r>
-              <a:rPr lang="en-US" dirty="0" err="1"/>
-              <a:t>gcd_recursive</a:t>
-            </a:r>
-            <a:r>
-              <a:rPr lang="en-US" dirty="0"/>
-              <a:t> the sum </a:t>
-            </a:r>
-            <a:r>
-              <a:rPr lang="en-US" dirty="0" err="1"/>
-              <a:t>x+y</a:t>
-            </a:r>
-            <a:r>
-              <a:rPr lang="en-US" dirty="0"/>
-              <a:t> is at most 2/3 of the previous call =&gt; logarithmic number of calls. </a:t>
-            </a:r>
-          </a:p>
-          <a:p>
-            <a:r>
-              <a:rPr lang="da-DK" dirty="0" err="1"/>
-              <a:t>Fibonacci</a:t>
-            </a:r>
-            <a:r>
-              <a:rPr lang="da-DK" dirty="0"/>
-              <a:t> </a:t>
-            </a:r>
-            <a:r>
-              <a:rPr lang="da-DK" dirty="0" err="1"/>
-              <a:t>numbers</a:t>
-            </a:r>
-            <a:r>
-              <a:rPr lang="da-DK" dirty="0"/>
-              <a:t> </a:t>
-            </a:r>
-            <a:r>
-              <a:rPr lang="da-DK" dirty="0" err="1"/>
-              <a:t>are</a:t>
-            </a:r>
-            <a:r>
-              <a:rPr lang="da-DK" dirty="0"/>
-              <a:t> inputs </a:t>
-            </a:r>
-            <a:r>
-              <a:rPr lang="da-DK" dirty="0" err="1"/>
-              <a:t>causing</a:t>
-            </a:r>
-            <a:r>
-              <a:rPr lang="da-DK" dirty="0"/>
-              <a:t> </a:t>
-            </a:r>
-            <a:r>
-              <a:rPr lang="da-DK" dirty="0" err="1"/>
-              <a:t>deep</a:t>
-            </a:r>
-            <a:r>
-              <a:rPr lang="da-DK" dirty="0"/>
-              <a:t> </a:t>
-            </a:r>
-            <a:r>
-              <a:rPr lang="da-DK" dirty="0" err="1"/>
-              <a:t>recursion</a:t>
-            </a:r>
-            <a:endParaRPr lang="da-DK" dirty="0"/>
-          </a:p>
-        </p:txBody>
-      </p:sp>
-      <p:sp>
-        <p:nvSpPr>
-          <p:cNvPr id="4" name="Slide Number Placeholder 3"/>
-          <p:cNvSpPr>
-            <a:spLocks noGrp="1"/>
-          </p:cNvSpPr>
-          <p:nvPr>
-            <p:ph type="sldNum" sz="quarter" idx="5"/>
-          </p:nvPr>
-        </p:nvSpPr>
-        <p:spPr/>
-        <p:txBody>
-          <a:bodyPr/>
-          <a:lstStyle/>
-          <a:p>
-            <a:fld id="{CD563DD8-32AB-41BE-B1C6-8EAC45222ACE}" type="slidenum">
-              <a:rPr lang="en-US" smtClean="0"/>
-              <a:t>18</a:t>
-            </a:fld>
-            <a:endParaRPr lang="en-US"/>
-          </a:p>
-        </p:txBody>
-      </p:sp>
-    </p:spTree>
-    <p:extLst>
-      <p:ext uri="{BB962C8B-B14F-4D97-AF65-F5344CB8AC3E}">
-        <p14:creationId xmlns:p14="http://schemas.microsoft.com/office/powerpoint/2010/main" val="1377214240"/>
-      </p:ext>
-    </p:extLst>
-  </p:cSld>
-  <p:clrMapOvr>
-    <a:masterClrMapping/>
-  </p:clrMapOvr>
-</p:notes>
-</file>
-
-<file path=ppt/notesSlides/notesSlide7.xml><?xml version="1.0" encoding="utf-8"?>
-<p:notes xmlns:a="http://schemas.openxmlformats.org/drawingml/2006/main" xmlns:r="http://schemas.openxmlformats.org/officeDocument/2006/relationships" xmlns:p="http://schemas.openxmlformats.org/presentationml/2006/main">
-  <p:cSld>
-    <p:spTree>
-      <p:nvGrpSpPr>
-        <p:cNvPr id="1" name=""/>
-        <p:cNvGrpSpPr/>
-        <p:nvPr/>
-      </p:nvGrpSpPr>
-      <p:grpSpPr>
-        <a:xfrm>
-          <a:off x="0" y="0"/>
-          <a:ext cx="0" cy="0"/>
-          <a:chOff x="0" y="0"/>
-          <a:chExt cx="0" cy="0"/>
-        </a:xfrm>
-      </p:grpSpPr>
-      <p:sp>
-        <p:nvSpPr>
-          <p:cNvPr id="2" name="Slide Image Placeholder 1"/>
-          <p:cNvSpPr>
-            <a:spLocks noGrp="1" noRot="1" noChangeAspect="1"/>
-          </p:cNvSpPr>
-          <p:nvPr>
-            <p:ph type="sldImg"/>
-          </p:nvPr>
-        </p:nvSpPr>
-        <p:spPr/>
-      </p:sp>
-      <p:sp>
-        <p:nvSpPr>
-          <p:cNvPr id="3" name="Notes Placeholder 2"/>
-          <p:cNvSpPr>
-            <a:spLocks noGrp="1"/>
-          </p:cNvSpPr>
-          <p:nvPr>
-            <p:ph type="body" idx="1"/>
-          </p:nvPr>
-        </p:nvSpPr>
-        <p:spPr/>
-        <p:txBody>
-          <a:bodyPr/>
-          <a:lstStyle/>
-          <a:p>
-            <a:r>
-              <a:rPr lang="en-US" dirty="0"/>
-              <a:t>The usage of L[:]</a:t>
-            </a:r>
-            <a:r>
-              <a:rPr lang="en-US" baseline="0" dirty="0"/>
-              <a:t> and L[:1] makes the implementation polymorph – and works for strings, tuples and lists</a:t>
-            </a:r>
-            <a:endParaRPr lang="en-US" dirty="0"/>
-          </a:p>
-        </p:txBody>
-      </p:sp>
-      <p:sp>
-        <p:nvSpPr>
-          <p:cNvPr id="4" name="Slide Number Placeholder 3"/>
-          <p:cNvSpPr>
-            <a:spLocks noGrp="1"/>
-          </p:cNvSpPr>
-          <p:nvPr>
-            <p:ph type="sldNum" sz="quarter" idx="10"/>
-          </p:nvPr>
-        </p:nvSpPr>
-        <p:spPr/>
-        <p:txBody>
-          <a:bodyPr/>
-          <a:lstStyle/>
-          <a:p>
-            <a:fld id="{CD563DD8-32AB-41BE-B1C6-8EAC45222ACE}" type="slidenum">
-              <a:rPr lang="en-US" smtClean="0"/>
-              <a:t>19</a:t>
-            </a:fld>
-            <a:endParaRPr lang="en-US"/>
-          </a:p>
-        </p:txBody>
-      </p:sp>
-    </p:spTree>
-    <p:extLst>
-      <p:ext uri="{BB962C8B-B14F-4D97-AF65-F5344CB8AC3E}">
-        <p14:creationId xmlns:p14="http://schemas.microsoft.com/office/powerpoint/2010/main" val="2807225134"/>
-      </p:ext>
-    </p:extLst>
-  </p:cSld>
-  <p:clrMapOvr>
-    <a:masterClrMapping/>
-  </p:clrMapOvr>
-</p:notes>
-</file>
-
 <file path=ppt/notesSlides/notesSlide8.xml><?xml version="1.0" encoding="utf-8"?>
 <p:notes xmlns:a="http://schemas.openxmlformats.org/drawingml/2006/main" xmlns:r="http://schemas.openxmlformats.org/officeDocument/2006/relationships" xmlns:p="http://schemas.openxmlformats.org/presentationml/2006/main">
   <p:cSld>
@@ -1707,7 +1767,11 @@
           <a:p>
             <a:r>
               <a:rPr lang="en-US" dirty="0"/>
-              <a:t>Exercise is to print the path</a:t>
+              <a:t>18 = 90 % 24, since 90 = 3 * 24 + 18; could shortcut computation using </a:t>
+            </a:r>
+            <a:r>
+              <a:rPr lang="en-US" b="1" dirty="0"/>
+              <a:t>modulo computation</a:t>
             </a:r>
           </a:p>
         </p:txBody>
@@ -1719,7 +1783,7 @@
             <a:spLocks noGrp="1"/>
           </p:cNvSpPr>
           <p:nvPr>
-            <p:ph type="sldNum" sz="quarter" idx="10"/>
+            <p:ph type="sldNum" sz="quarter" idx="5"/>
           </p:nvPr>
         </p:nvSpPr>
         <p:spPr/>
@@ -1729,7 +1793,7 @@
           <a:p>
             <a:fld id="{CD563DD8-32AB-41BE-B1C6-8EAC45222ACE}" type="slidenum">
               <a:rPr lang="en-US" smtClean="0"/>
-              <a:t>20</a:t>
+              <a:t>17</a:t>
             </a:fld>
             <a:endParaRPr lang="en-US"/>
           </a:p>
@@ -1738,7 +1802,7 @@
     </p:spTree>
     <p:extLst>
       <p:ext uri="{BB962C8B-B14F-4D97-AF65-F5344CB8AC3E}">
-        <p14:creationId xmlns:p14="http://schemas.microsoft.com/office/powerpoint/2010/main" val="2889396069"/>
+        <p14:creationId xmlns:p14="http://schemas.microsoft.com/office/powerpoint/2010/main" val="2613030213"/>
       </p:ext>
     </p:extLst>
   </p:cSld>
@@ -1793,13 +1857,72 @@
           <a:lstStyle/>
           <a:p>
             <a:r>
-              <a:rPr lang="en-US"/>
-              <a:t>find </a:t>
-            </a:r>
-            <a:r>
               <a:rPr lang="en-US" dirty="0"/>
-              <a:t>returns -1 if not </a:t>
-            </a:r>
+              <a:t>In a recursive call to </a:t>
+            </a:r>
+            <a:r>
+              <a:rPr lang="en-US" dirty="0" err="1"/>
+              <a:t>gcd_recursive</a:t>
+            </a:r>
+            <a:r>
+              <a:rPr lang="en-US" dirty="0"/>
+              <a:t> the sum </a:t>
+            </a:r>
+            <a:r>
+              <a:rPr lang="en-US" dirty="0" err="1"/>
+              <a:t>x+y</a:t>
+            </a:r>
+            <a:r>
+              <a:rPr lang="en-US" dirty="0"/>
+              <a:t> is at most 2/3 of the previous call =&gt; logarithmic number of calls. </a:t>
+            </a:r>
+          </a:p>
+          <a:p>
+            <a:r>
+              <a:rPr lang="da-DK" dirty="0" err="1"/>
+              <a:t>Fibonacci</a:t>
+            </a:r>
+            <a:r>
+              <a:rPr lang="da-DK" dirty="0"/>
+              <a:t> </a:t>
+            </a:r>
+            <a:r>
+              <a:rPr lang="da-DK" dirty="0" err="1"/>
+              <a:t>numbers</a:t>
+            </a:r>
+            <a:r>
+              <a:rPr lang="da-DK" dirty="0"/>
+              <a:t> </a:t>
+            </a:r>
+            <a:r>
+              <a:rPr lang="da-DK" dirty="0" err="1"/>
+              <a:t>are</a:t>
+            </a:r>
+            <a:r>
+              <a:rPr lang="da-DK" dirty="0"/>
+              <a:t> inputs </a:t>
+            </a:r>
+            <a:r>
+              <a:rPr lang="da-DK" dirty="0" err="1"/>
+              <a:t>causing</a:t>
+            </a:r>
+            <a:r>
+              <a:rPr lang="da-DK" dirty="0"/>
+              <a:t> </a:t>
+            </a:r>
+            <a:r>
+              <a:rPr lang="da-DK" dirty="0" err="1"/>
+              <a:t>deep</a:t>
+            </a:r>
+            <a:r>
+              <a:rPr lang="da-DK" dirty="0"/>
+              <a:t> </a:t>
+            </a:r>
+            <a:r>
+              <a:rPr lang="da-DK" dirty="0" err="1"/>
+              <a:t>recursion</a:t>
+            </a:r>
+            <a:endParaRPr lang="da-DK" dirty="0"/>
           </a:p>
         </p:txBody>
       </p:sp>
@@ -1810,7 +1933,7 @@
             <a:spLocks noGrp="1"/>
           </p:cNvSpPr>
           <p:nvPr>
-            <p:ph type="sldNum" sz="quarter" idx="10"/>
+            <p:ph type="sldNum" sz="quarter" idx="5"/>
           </p:nvPr>
         </p:nvSpPr>
         <p:spPr/>
@@ -1820,7 +1943,7 @@
           <a:p>
             <a:fld id="{CD563DD8-32AB-41BE-B1C6-8EAC45222ACE}" type="slidenum">
               <a:rPr lang="en-US" smtClean="0"/>
-              <a:t>21</a:t>
+              <a:t>18</a:t>
             </a:fld>
             <a:endParaRPr lang="en-US"/>
           </a:p>
@@ -1829,7 +1952,7 @@
     </p:spTree>
     <p:extLst>
       <p:ext uri="{BB962C8B-B14F-4D97-AF65-F5344CB8AC3E}">
-        <p14:creationId xmlns:p14="http://schemas.microsoft.com/office/powerpoint/2010/main" val="568683921"/>
+        <p14:creationId xmlns:p14="http://schemas.microsoft.com/office/powerpoint/2010/main" val="1377214240"/>
       </p:ext>
     </p:extLst>
   </p:cSld>
@@ -1976,7 +2099,7 @@
           <a:p>
             <a:fld id="{0560A9CD-0304-4E0B-9E82-E7E0115DE05B}" type="datetimeFigureOut">
               <a:rPr lang="en-US" smtClean="0"/>
-              <a:t>10/27/2025</a:t>
+              <a:t>2/19/2026</a:t>
             </a:fld>
             <a:endParaRPr lang="en-US"/>
           </a:p>
@@ -2144,7 +2267,7 @@
           <a:p>
             <a:fld id="{0560A9CD-0304-4E0B-9E82-E7E0115DE05B}" type="datetimeFigureOut">
               <a:rPr lang="en-US" smtClean="0"/>
-              <a:t>10/27/2025</a:t>
+              <a:t>2/19/2026</a:t>
             </a:fld>
             <a:endParaRPr lang="en-US"/>
           </a:p>
@@ -2322,7 +2445,7 @@
           <a:p>
             <a:fld id="{0560A9CD-0304-4E0B-9E82-E7E0115DE05B}" type="datetimeFigureOut">
               <a:rPr lang="en-US" smtClean="0"/>
-              <a:t>10/27/2025</a:t>
+              <a:t>2/19/2026</a:t>
             </a:fld>
             <a:endParaRPr lang="en-US"/>
           </a:p>
@@ -2505,7 +2628,7 @@
           <a:p>
             <a:fld id="{0560A9CD-0304-4E0B-9E82-E7E0115DE05B}" type="datetimeFigureOut">
               <a:rPr lang="en-US" smtClean="0"/>
-              <a:t>10/27/2025</a:t>
+              <a:t>2/19/2026</a:t>
             </a:fld>
             <a:endParaRPr lang="en-US"/>
           </a:p>
@@ -2750,7 +2873,7 @@
           <a:p>
             <a:fld id="{0560A9CD-0304-4E0B-9E82-E7E0115DE05B}" type="datetimeFigureOut">
               <a:rPr lang="en-US" smtClean="0"/>
-              <a:t>10/27/2025</a:t>
+              <a:t>2/19/2026</a:t>
             </a:fld>
             <a:endParaRPr lang="en-US"/>
           </a:p>
@@ -2979,7 +3102,7 @@
           <a:p>
             <a:fld id="{0560A9CD-0304-4E0B-9E82-E7E0115DE05B}" type="datetimeFigureOut">
               <a:rPr lang="en-US" smtClean="0"/>
-              <a:t>10/27/2025</a:t>
+              <a:t>2/19/2026</a:t>
             </a:fld>
             <a:endParaRPr lang="en-US"/>
           </a:p>
@@ -3343,7 +3466,7 @@
           <a:p>
             <a:fld id="{0560A9CD-0304-4E0B-9E82-E7E0115DE05B}" type="datetimeFigureOut">
               <a:rPr lang="en-US" smtClean="0"/>
-              <a:t>10/27/2025</a:t>
+              <a:t>2/19/2026</a:t>
             </a:fld>
             <a:endParaRPr lang="en-US"/>
           </a:p>
@@ -3460,7 +3583,7 @@
           <a:p>
             <a:fld id="{0560A9CD-0304-4E0B-9E82-E7E0115DE05B}" type="datetimeFigureOut">
               <a:rPr lang="en-US" smtClean="0"/>
-              <a:t>10/27/2025</a:t>
+              <a:t>2/19/2026</a:t>
             </a:fld>
             <a:endParaRPr lang="en-US"/>
           </a:p>
@@ -3555,7 +3678,7 @@
           <a:p>
             <a:fld id="{0560A9CD-0304-4E0B-9E82-E7E0115DE05B}" type="datetimeFigureOut">
               <a:rPr lang="en-US" smtClean="0"/>
-              <a:t>10/27/2025</a:t>
+              <a:t>2/19/2026</a:t>
             </a:fld>
             <a:endParaRPr lang="en-US"/>
           </a:p>
@@ -3830,7 +3953,7 @@
           <a:p>
             <a:fld id="{0560A9CD-0304-4E0B-9E82-E7E0115DE05B}" type="datetimeFigureOut">
               <a:rPr lang="en-US" smtClean="0"/>
-              <a:t>10/27/2025</a:t>
+              <a:t>2/19/2026</a:t>
             </a:fld>
             <a:endParaRPr lang="en-US"/>
           </a:p>
@@ -4082,7 +4205,7 @@
           <a:p>
             <a:fld id="{0560A9CD-0304-4E0B-9E82-E7E0115DE05B}" type="datetimeFigureOut">
               <a:rPr lang="en-US" smtClean="0"/>
-              <a:t>10/27/2025</a:t>
+              <a:t>2/19/2026</a:t>
             </a:fld>
             <a:endParaRPr lang="en-US"/>
           </a:p>
@@ -4293,7 +4416,7 @@
           <a:p>
             <a:fld id="{0560A9CD-0304-4E0B-9E82-E7E0115DE05B}" type="datetimeFigureOut">
               <a:rPr lang="en-US" smtClean="0"/>
-              <a:t>10/27/2025</a:t>
+              <a:t>2/19/2026</a:t>
             </a:fld>
             <a:endParaRPr lang="en-US"/>
           </a:p>
@@ -5447,14 +5570,14 @@
           <p:nvPr>
             <p:extLst>
               <p:ext uri="{D42A27DB-BD31-4B8C-83A1-F6EECF244321}">
-                <p14:modId xmlns:p14="http://schemas.microsoft.com/office/powerpoint/2010/main" val="3859150136"/>
+                <p14:modId xmlns:p14="http://schemas.microsoft.com/office/powerpoint/2010/main" val="420113244"/>
               </p:ext>
             </p:extLst>
           </p:nvPr>
         </p:nvGraphicFramePr>
         <p:xfrm>
           <a:off x="303544" y="1770543"/>
-          <a:ext cx="7857154" cy="4297680"/>
+          <a:ext cx="7857154" cy="4023360"/>
         </p:xfrm>
         <a:graphic>
           <a:graphicData uri="http://schemas.openxmlformats.org/drawingml/2006/table">
@@ -5631,15 +5754,6 @@
                       </a:r>
                     </a:p>
                     <a:p>
-                      <a:r>
-                        <a:rPr lang="pt-BR" sz="1800" b="1" dirty="0">
-                          <a:latin typeface="Courier New" panose="02070309020205020404" pitchFamily="49" charset="0"/>
-                          <a:cs typeface="Courier New" panose="02070309020205020404" pitchFamily="49" charset="0"/>
-                        </a:rPr>
-                        <a:t>    other = L[:idx] + L[idx + 1:]</a:t>
-                      </a:r>
-                    </a:p>
-                    <a:p>
                       <a:endParaRPr lang="pt-BR" sz="1800" b="1" dirty="0">
                         <a:latin typeface="Courier New" panose="02070309020205020404" pitchFamily="49" charset="0"/>
                         <a:cs typeface="Courier New" panose="02070309020205020404" pitchFamily="49" charset="0"/>
@@ -5651,7 +5765,7 @@
                           <a:latin typeface="Courier New" panose="02070309020205020404" pitchFamily="49" charset="0"/>
                           <a:cs typeface="Courier New" panose="02070309020205020404" pitchFamily="49" charset="0"/>
                         </a:rPr>
-                        <a:t>    small = [e for e in other if e &lt; pivot]</a:t>
+                        <a:t>    small = [e for e in L if e &lt; pivot]</a:t>
                       </a:r>
                     </a:p>
                     <a:p>
@@ -5660,14 +5774,17 @@
                           <a:latin typeface="Courier New" panose="02070309020205020404" pitchFamily="49" charset="0"/>
                           <a:cs typeface="Courier New" panose="02070309020205020404" pitchFamily="49" charset="0"/>
                         </a:rPr>
-                        <a:t>    large = [e for e in other if e &gt;= pivot]</a:t>
-                      </a:r>
-                    </a:p>
-                    <a:p>
-                      <a:endParaRPr lang="pt-BR" sz="1800" b="1" dirty="0">
-                        <a:latin typeface="Courier New" panose="02070309020205020404" pitchFamily="49" charset="0"/>
-                        <a:cs typeface="Courier New" panose="02070309020205020404" pitchFamily="49" charset="0"/>
-                      </a:endParaRPr>
+                        <a:t>    equal = [e for e in L if e == pivot]</a:t>
+                      </a:r>
+                    </a:p>
+                    <a:p>
+                      <a:r>
+                        <a:rPr lang="pt-BR" sz="1800" b="1" dirty="0">
+                          <a:latin typeface="Courier New" panose="02070309020205020404" pitchFamily="49" charset="0"/>
+                          <a:cs typeface="Courier New" panose="02070309020205020404" pitchFamily="49" charset="0"/>
+                        </a:rPr>
+                        <a:t>    large = [e for e in L if e &gt; pivot]</a:t>
+                      </a:r>
                     </a:p>
                     <a:p>
                       <a:r>
@@ -5692,7 +5809,7 @@
                           <a:latin typeface="Courier New" panose="02070309020205020404" pitchFamily="49" charset="0"/>
                           <a:cs typeface="Courier New" panose="02070309020205020404" pitchFamily="49" charset="0"/>
                         </a:rPr>
-                        <a:t>(small) + [pivot] + </a:t>
+                        <a:t>(small) + equal + </a:t>
                       </a:r>
                       <a:r>
                         <a:rPr lang="pt-BR" sz="1800" b="1" dirty="0">
@@ -17648,7 +17765,7 @@
           <p:nvPr>
             <p:extLst>
               <p:ext uri="{D42A27DB-BD31-4B8C-83A1-F6EECF244321}">
-                <p14:modId xmlns:p14="http://schemas.microsoft.com/office/powerpoint/2010/main" val="437223389"/>
+                <p14:modId xmlns:p14="http://schemas.microsoft.com/office/powerpoint/2010/main" val="1524630661"/>
               </p:ext>
             </p:extLst>
           </p:nvPr>
@@ -17862,6 +17979,13 @@
                           <a:cs typeface="Courier New" panose="02070309020205020404" pitchFamily="49" charset="0"/>
                         </a:rPr>
                         <a:t>else</a:t>
+                      </a:r>
+                      <a:r>
+                        <a:rPr lang="es-ES" sz="1800" b="1">
+                          <a:latin typeface="Courier New" panose="02070309020205020404" pitchFamily="49" charset="0"/>
+                          <a:cs typeface="Courier New" panose="02070309020205020404" pitchFamily="49" charset="0"/>
+                        </a:rPr>
+                        <a:t>:</a:t>
                       </a:r>
                       <a:endParaRPr lang="es-ES" sz="1800" b="1" dirty="0">
                         <a:latin typeface="Courier New" panose="02070309020205020404" pitchFamily="49" charset="0"/>
@@ -35533,7 +35657,7 @@
             <p:nvPr/>
           </p:nvPicPr>
           <p:blipFill>
-            <a:blip r:embed="rId2" cstate="print">
+            <a:blip r:embed="rId3" cstate="print">
               <a:extLst>
                 <a:ext uri="{28A0092B-C50C-407E-A947-70E740481C1C}">
                   <a14:useLocalDpi xmlns:a14="http://schemas.microsoft.com/office/drawing/2010/main" val="0"/>
